--- a/cis_541/Project_541/Ray-Tracer.pptx
+++ b/cis_541/Project_541/Ray-Tracer.pptx
@@ -3,15 +3,16 @@
 <p:presentation xmlns:a="http://schemas.openxmlformats.org/drawingml/2006/main" xmlns:p="http://schemas.openxmlformats.org/presentationml/2006/main" xmlns:r="http://schemas.openxmlformats.org/officeDocument/2006/relationships" xmlns:p14="http://schemas.microsoft.com/office/powerpoint/2010/main" xmlns:p15="http://schemas.microsoft.com/office/powerpoint/2012/main" xmlns:mc="http://schemas.openxmlformats.org/markup-compatibility/2006">
   <p:sldMasterIdLst>
     <p:sldMasterId id="2147483648" r:id="rId2"/>
+    <p:sldMasterId id="2147483661" r:id="rId3"/>
+    <p:sldMasterId id="2147483674" r:id="rId4"/>
   </p:sldMasterIdLst>
   <p:sldIdLst>
-    <p:sldId id="256" r:id="rId3"/>
-    <p:sldId id="257" r:id="rId4"/>
-    <p:sldId id="258" r:id="rId5"/>
-    <p:sldId id="259" r:id="rId6"/>
-    <p:sldId id="260" r:id="rId7"/>
-    <p:sldId id="261" r:id="rId8"/>
-    <p:sldId id="262" r:id="rId9"/>
+    <p:sldId id="256" r:id="rId5"/>
+    <p:sldId id="257" r:id="rId6"/>
+    <p:sldId id="258" r:id="rId7"/>
+    <p:sldId id="259" r:id="rId8"/>
+    <p:sldId id="260" r:id="rId9"/>
+    <p:sldId id="261" r:id="rId10"/>
   </p:sldIdLst>
   <p:sldSz cx="10080625" cy="7559675"/>
   <p:notesSz cx="7772400" cy="10058400"/>
@@ -59,7 +60,7 @@
       </p:grpSpPr>
       <p:sp>
         <p:nvSpPr>
-          <p:cNvPr id="26" name="PlaceHolder 1"/>
+          <p:cNvPr id="23" name="PlaceHolder 1"/>
           <p:cNvSpPr>
             <a:spLocks noGrp="1"/>
           </p:cNvSpPr>
@@ -70,7 +71,7 @@
         <p:spPr>
           <a:xfrm>
             <a:off x="504000" y="301320"/>
-            <a:ext cx="9071640" cy="1262160"/>
+            <a:ext cx="9072000" cy="1261800"/>
           </a:xfrm>
           <a:prstGeom prst="rect">
             <a:avLst/>
@@ -96,7 +97,7 @@
       </p:sp>
       <p:sp>
         <p:nvSpPr>
-          <p:cNvPr id="27" name="PlaceHolder 2"/>
+          <p:cNvPr id="24" name="PlaceHolder 2"/>
           <p:cNvSpPr>
             <a:spLocks noGrp="1"/>
           </p:cNvSpPr>
@@ -106,8 +107,8 @@
         </p:nvSpPr>
         <p:spPr>
           <a:xfrm>
-            <a:off x="504000" y="1769040"/>
-            <a:ext cx="9071640" cy="2091240"/>
+            <a:off x="504000" y="1768680"/>
+            <a:ext cx="9072000" cy="2090880"/>
           </a:xfrm>
           <a:prstGeom prst="rect">
             <a:avLst/>
@@ -132,7 +133,7 @@
       </p:sp>
       <p:sp>
         <p:nvSpPr>
-          <p:cNvPr id="28" name="PlaceHolder 3"/>
+          <p:cNvPr id="25" name="PlaceHolder 3"/>
           <p:cNvSpPr>
             <a:spLocks noGrp="1"/>
           </p:cNvSpPr>
@@ -142,8 +143,8 @@
         </p:nvSpPr>
         <p:spPr>
           <a:xfrm>
-            <a:off x="504000" y="4059360"/>
-            <a:ext cx="9071640" cy="2091240"/>
+            <a:off x="504000" y="4058640"/>
+            <a:ext cx="9072000" cy="2090880"/>
           </a:xfrm>
           <a:prstGeom prst="rect">
             <a:avLst/>
@@ -190,7 +191,7 @@
       </p:grpSpPr>
       <p:sp>
         <p:nvSpPr>
-          <p:cNvPr id="29" name="PlaceHolder 1"/>
+          <p:cNvPr id="26" name="PlaceHolder 1"/>
           <p:cNvSpPr>
             <a:spLocks noGrp="1"/>
           </p:cNvSpPr>
@@ -201,7 +202,7 @@
         <p:spPr>
           <a:xfrm>
             <a:off x="504000" y="301320"/>
-            <a:ext cx="9071640" cy="1262160"/>
+            <a:ext cx="9072000" cy="1261800"/>
           </a:xfrm>
           <a:prstGeom prst="rect">
             <a:avLst/>
@@ -227,7 +228,7 @@
       </p:sp>
       <p:sp>
         <p:nvSpPr>
-          <p:cNvPr id="30" name="PlaceHolder 2"/>
+          <p:cNvPr id="27" name="PlaceHolder 2"/>
           <p:cNvSpPr>
             <a:spLocks noGrp="1"/>
           </p:cNvSpPr>
@@ -237,8 +238,8 @@
         </p:nvSpPr>
         <p:spPr>
           <a:xfrm>
-            <a:off x="504000" y="1769040"/>
-            <a:ext cx="4426920" cy="2091240"/>
+            <a:off x="504000" y="1768680"/>
+            <a:ext cx="4426920" cy="2090880"/>
           </a:xfrm>
           <a:prstGeom prst="rect">
             <a:avLst/>
@@ -263,7 +264,7 @@
       </p:sp>
       <p:sp>
         <p:nvSpPr>
-          <p:cNvPr id="31" name="PlaceHolder 3"/>
+          <p:cNvPr id="28" name="PlaceHolder 3"/>
           <p:cNvSpPr>
             <a:spLocks noGrp="1"/>
           </p:cNvSpPr>
@@ -273,8 +274,8 @@
         </p:nvSpPr>
         <p:spPr>
           <a:xfrm>
-            <a:off x="5152680" y="1769040"/>
-            <a:ext cx="4426920" cy="2091240"/>
+            <a:off x="5152680" y="1768680"/>
+            <a:ext cx="4426920" cy="2090880"/>
           </a:xfrm>
           <a:prstGeom prst="rect">
             <a:avLst/>
@@ -299,7 +300,7 @@
       </p:sp>
       <p:sp>
         <p:nvSpPr>
-          <p:cNvPr id="32" name="PlaceHolder 4"/>
+          <p:cNvPr id="29" name="PlaceHolder 4"/>
           <p:cNvSpPr>
             <a:spLocks noGrp="1"/>
           </p:cNvSpPr>
@@ -309,8 +310,8 @@
         </p:nvSpPr>
         <p:spPr>
           <a:xfrm>
-            <a:off x="5152680" y="4059360"/>
-            <a:ext cx="4426920" cy="2091240"/>
+            <a:off x="5152680" y="4058640"/>
+            <a:ext cx="4426920" cy="2090880"/>
           </a:xfrm>
           <a:prstGeom prst="rect">
             <a:avLst/>
@@ -335,7 +336,7 @@
       </p:sp>
       <p:sp>
         <p:nvSpPr>
-          <p:cNvPr id="33" name="PlaceHolder 5"/>
+          <p:cNvPr id="30" name="PlaceHolder 5"/>
           <p:cNvSpPr>
             <a:spLocks noGrp="1"/>
           </p:cNvSpPr>
@@ -345,8 +346,8 @@
         </p:nvSpPr>
         <p:spPr>
           <a:xfrm>
-            <a:off x="504000" y="4059360"/>
-            <a:ext cx="4426920" cy="2091240"/>
+            <a:off x="504000" y="4058640"/>
+            <a:ext cx="4426920" cy="2090880"/>
           </a:xfrm>
           <a:prstGeom prst="rect">
             <a:avLst/>
@@ -393,7 +394,7 @@
       </p:grpSpPr>
       <p:sp>
         <p:nvSpPr>
-          <p:cNvPr id="34" name="PlaceHolder 1"/>
+          <p:cNvPr id="31" name="PlaceHolder 1"/>
           <p:cNvSpPr>
             <a:spLocks noGrp="1"/>
           </p:cNvSpPr>
@@ -404,7 +405,7 @@
         <p:spPr>
           <a:xfrm>
             <a:off x="504000" y="301320"/>
-            <a:ext cx="9071640" cy="1262160"/>
+            <a:ext cx="9072000" cy="1261800"/>
           </a:xfrm>
           <a:prstGeom prst="rect">
             <a:avLst/>
@@ -430,7 +431,7 @@
       </p:sp>
       <p:sp>
         <p:nvSpPr>
-          <p:cNvPr id="35" name="PlaceHolder 2"/>
+          <p:cNvPr id="32" name="PlaceHolder 2"/>
           <p:cNvSpPr>
             <a:spLocks noGrp="1"/>
           </p:cNvSpPr>
@@ -440,8 +441,8 @@
         </p:nvSpPr>
         <p:spPr>
           <a:xfrm>
-            <a:off x="504000" y="1769040"/>
-            <a:ext cx="9071640" cy="4384440"/>
+            <a:off x="504000" y="1768680"/>
+            <a:ext cx="9072000" cy="4384080"/>
           </a:xfrm>
           <a:prstGeom prst="rect">
             <a:avLst/>
@@ -466,7 +467,7 @@
       </p:sp>
       <p:sp>
         <p:nvSpPr>
-          <p:cNvPr id="36" name="PlaceHolder 3"/>
+          <p:cNvPr id="33" name="PlaceHolder 3"/>
           <p:cNvSpPr>
             <a:spLocks noGrp="1"/>
           </p:cNvSpPr>
@@ -476,8 +477,8 @@
         </p:nvSpPr>
         <p:spPr>
           <a:xfrm>
-            <a:off x="504000" y="1769040"/>
-            <a:ext cx="9071640" cy="4384440"/>
+            <a:off x="504000" y="1768680"/>
+            <a:ext cx="9072000" cy="4384080"/>
           </a:xfrm>
           <a:prstGeom prst="rect">
             <a:avLst/>
@@ -502,7 +503,7 @@
       </p:sp>
       <p:pic>
         <p:nvPicPr>
-          <p:cNvPr id="37" name="" descr=""/>
+          <p:cNvPr id="34" name="" descr=""/>
           <p:cNvPicPr/>
           <p:nvPr/>
         </p:nvPicPr>
@@ -512,8 +513,8 @@
         </p:blipFill>
         <p:spPr>
           <a:xfrm>
-            <a:off x="2292120" y="1768680"/>
-            <a:ext cx="5495040" cy="4384440"/>
+            <a:off x="2292480" y="1768680"/>
+            <a:ext cx="5494680" cy="4384080"/>
           </a:xfrm>
           <a:prstGeom prst="rect">
             <a:avLst/>
@@ -525,7 +526,7 @@
       </p:pic>
       <p:pic>
         <p:nvPicPr>
-          <p:cNvPr id="38" name="" descr=""/>
+          <p:cNvPr id="35" name="" descr=""/>
           <p:cNvPicPr/>
           <p:nvPr/>
         </p:nvPicPr>
@@ -535,8 +536,8 @@
         </p:blipFill>
         <p:spPr>
           <a:xfrm>
-            <a:off x="2292120" y="1768680"/>
-            <a:ext cx="5495040" cy="4384440"/>
+            <a:off x="2292480" y="1768680"/>
+            <a:ext cx="5494680" cy="4384080"/>
           </a:xfrm>
           <a:prstGeom prst="rect">
             <a:avLst/>
@@ -546,6 +547,635 @@
           </a:ln>
         </p:spPr>
       </p:pic>
+    </p:spTree>
+  </p:cSld>
+</p:sldLayout>
+</file>
+
+<file path=ppt/slideLayouts/slideLayout13.xml><?xml version="1.0" encoding="utf-8"?>
+<p:sldLayout xmlns:a="http://schemas.openxmlformats.org/drawingml/2006/main" xmlns:p="http://schemas.openxmlformats.org/presentationml/2006/main" xmlns:r="http://schemas.openxmlformats.org/officeDocument/2006/relationships" xmlns:p14="http://schemas.microsoft.com/office/powerpoint/2010/main" xmlns:p15="http://schemas.microsoft.com/office/powerpoint/2012/main" xmlns:mc="http://schemas.openxmlformats.org/markup-compatibility/2006" type="blank" preserve="1">
+  <p:cSld name="Blank Slide">
+    <p:spTree>
+      <p:nvGrpSpPr>
+        <p:cNvPr id="1" name=""/>
+        <p:cNvGrpSpPr/>
+        <p:nvPr/>
+      </p:nvGrpSpPr>
+      <p:grpSpPr>
+        <a:xfrm>
+          <a:off x="0" y="0"/>
+          <a:ext cx="0" cy="0"/>
+          <a:chOff x="0" y="0"/>
+          <a:chExt cx="0" cy="0"/>
+        </a:xfrm>
+      </p:grpSpPr>
+    </p:spTree>
+  </p:cSld>
+</p:sldLayout>
+</file>
+
+<file path=ppt/slideLayouts/slideLayout14.xml><?xml version="1.0" encoding="utf-8"?>
+<p:sldLayout xmlns:a="http://schemas.openxmlformats.org/drawingml/2006/main" xmlns:p="http://schemas.openxmlformats.org/presentationml/2006/main" xmlns:r="http://schemas.openxmlformats.org/officeDocument/2006/relationships" xmlns:p14="http://schemas.microsoft.com/office/powerpoint/2010/main" xmlns:p15="http://schemas.microsoft.com/office/powerpoint/2012/main" xmlns:mc="http://schemas.openxmlformats.org/markup-compatibility/2006" type="tx" preserve="1">
+  <p:cSld name="Title Slide">
+    <p:spTree>
+      <p:nvGrpSpPr>
+        <p:cNvPr id="1" name=""/>
+        <p:cNvGrpSpPr/>
+        <p:nvPr/>
+      </p:nvGrpSpPr>
+      <p:grpSpPr>
+        <a:xfrm>
+          <a:off x="0" y="0"/>
+          <a:ext cx="0" cy="0"/>
+          <a:chOff x="0" y="0"/>
+          <a:chExt cx="0" cy="0"/>
+        </a:xfrm>
+      </p:grpSpPr>
+      <p:sp>
+        <p:nvSpPr>
+          <p:cNvPr id="38" name="PlaceHolder 1"/>
+          <p:cNvSpPr>
+            <a:spLocks noGrp="1"/>
+          </p:cNvSpPr>
+          <p:nvPr>
+            <p:ph type="title"/>
+          </p:nvPr>
+        </p:nvSpPr>
+        <p:spPr>
+          <a:xfrm>
+            <a:off x="504000" y="301320"/>
+            <a:ext cx="9072000" cy="1261800"/>
+          </a:xfrm>
+          <a:prstGeom prst="rect">
+            <a:avLst/>
+          </a:prstGeom>
+        </p:spPr>
+        <p:txBody>
+          <a:bodyPr lIns="0" rIns="0" tIns="0" bIns="0" anchor="ctr"/>
+          <a:p>
+            <a:pPr algn="ctr"/>
+            <a:endParaRPr b="0" lang="en-US" sz="4400" spc="-1" strike="noStrike">
+              <a:solidFill>
+                <a:srgbClr val="000000"/>
+              </a:solidFill>
+              <a:uFill>
+                <a:solidFill>
+                  <a:srgbClr val="ffffff"/>
+                </a:solidFill>
+              </a:uFill>
+              <a:latin typeface="Arial"/>
+            </a:endParaRPr>
+          </a:p>
+        </p:txBody>
+      </p:sp>
+      <p:sp>
+        <p:nvSpPr>
+          <p:cNvPr id="39" name="PlaceHolder 2"/>
+          <p:cNvSpPr>
+            <a:spLocks noGrp="1"/>
+          </p:cNvSpPr>
+          <p:nvPr>
+            <p:ph type="subTitle"/>
+          </p:nvPr>
+        </p:nvSpPr>
+        <p:spPr>
+          <a:xfrm>
+            <a:off x="504000" y="1768680"/>
+            <a:ext cx="9072000" cy="4384080"/>
+          </a:xfrm>
+          <a:prstGeom prst="rect">
+            <a:avLst/>
+          </a:prstGeom>
+        </p:spPr>
+        <p:txBody>
+          <a:bodyPr lIns="0" rIns="0" tIns="0" bIns="0" anchor="ctr"/>
+          <a:p>
+            <a:pPr algn="ctr"/>
+            <a:endParaRPr b="0" lang="en-US" sz="3200" spc="-1" strike="noStrike">
+              <a:solidFill>
+                <a:srgbClr val="000000"/>
+              </a:solidFill>
+              <a:uFill>
+                <a:solidFill>
+                  <a:srgbClr val="ffffff"/>
+                </a:solidFill>
+              </a:uFill>
+              <a:latin typeface="Arial"/>
+            </a:endParaRPr>
+          </a:p>
+        </p:txBody>
+      </p:sp>
+    </p:spTree>
+  </p:cSld>
+</p:sldLayout>
+</file>
+
+<file path=ppt/slideLayouts/slideLayout15.xml><?xml version="1.0" encoding="utf-8"?>
+<p:sldLayout xmlns:a="http://schemas.openxmlformats.org/drawingml/2006/main" xmlns:p="http://schemas.openxmlformats.org/presentationml/2006/main" xmlns:r="http://schemas.openxmlformats.org/officeDocument/2006/relationships" xmlns:p14="http://schemas.microsoft.com/office/powerpoint/2010/main" xmlns:p15="http://schemas.microsoft.com/office/powerpoint/2012/main" xmlns:mc="http://schemas.openxmlformats.org/markup-compatibility/2006" type="obj" preserve="1">
+  <p:cSld name="Title, Content">
+    <p:spTree>
+      <p:nvGrpSpPr>
+        <p:cNvPr id="1" name=""/>
+        <p:cNvGrpSpPr/>
+        <p:nvPr/>
+      </p:nvGrpSpPr>
+      <p:grpSpPr>
+        <a:xfrm>
+          <a:off x="0" y="0"/>
+          <a:ext cx="0" cy="0"/>
+          <a:chOff x="0" y="0"/>
+          <a:chExt cx="0" cy="0"/>
+        </a:xfrm>
+      </p:grpSpPr>
+      <p:sp>
+        <p:nvSpPr>
+          <p:cNvPr id="40" name="PlaceHolder 1"/>
+          <p:cNvSpPr>
+            <a:spLocks noGrp="1"/>
+          </p:cNvSpPr>
+          <p:nvPr>
+            <p:ph type="title"/>
+          </p:nvPr>
+        </p:nvSpPr>
+        <p:spPr>
+          <a:xfrm>
+            <a:off x="504000" y="301320"/>
+            <a:ext cx="9072000" cy="1261800"/>
+          </a:xfrm>
+          <a:prstGeom prst="rect">
+            <a:avLst/>
+          </a:prstGeom>
+        </p:spPr>
+        <p:txBody>
+          <a:bodyPr lIns="0" rIns="0" tIns="0" bIns="0" anchor="ctr"/>
+          <a:p>
+            <a:pPr algn="ctr"/>
+            <a:endParaRPr b="0" lang="en-US" sz="4400" spc="-1" strike="noStrike">
+              <a:solidFill>
+                <a:srgbClr val="000000"/>
+              </a:solidFill>
+              <a:uFill>
+                <a:solidFill>
+                  <a:srgbClr val="ffffff"/>
+                </a:solidFill>
+              </a:uFill>
+              <a:latin typeface="Arial"/>
+            </a:endParaRPr>
+          </a:p>
+        </p:txBody>
+      </p:sp>
+      <p:sp>
+        <p:nvSpPr>
+          <p:cNvPr id="41" name="PlaceHolder 2"/>
+          <p:cNvSpPr>
+            <a:spLocks noGrp="1"/>
+          </p:cNvSpPr>
+          <p:nvPr>
+            <p:ph type="body"/>
+          </p:nvPr>
+        </p:nvSpPr>
+        <p:spPr>
+          <a:xfrm>
+            <a:off x="504000" y="1768680"/>
+            <a:ext cx="9072000" cy="4384080"/>
+          </a:xfrm>
+          <a:prstGeom prst="rect">
+            <a:avLst/>
+          </a:prstGeom>
+        </p:spPr>
+        <p:txBody>
+          <a:bodyPr lIns="0" rIns="0" tIns="0" bIns="0"/>
+          <a:p>
+            <a:endParaRPr b="0" lang="en-US" sz="3200" spc="-1" strike="noStrike">
+              <a:solidFill>
+                <a:srgbClr val="000000"/>
+              </a:solidFill>
+              <a:uFill>
+                <a:solidFill>
+                  <a:srgbClr val="ffffff"/>
+                </a:solidFill>
+              </a:uFill>
+              <a:latin typeface="Arial"/>
+            </a:endParaRPr>
+          </a:p>
+        </p:txBody>
+      </p:sp>
+    </p:spTree>
+  </p:cSld>
+</p:sldLayout>
+</file>
+
+<file path=ppt/slideLayouts/slideLayout16.xml><?xml version="1.0" encoding="utf-8"?>
+<p:sldLayout xmlns:a="http://schemas.openxmlformats.org/drawingml/2006/main" xmlns:p="http://schemas.openxmlformats.org/presentationml/2006/main" xmlns:r="http://schemas.openxmlformats.org/officeDocument/2006/relationships" xmlns:p14="http://schemas.microsoft.com/office/powerpoint/2010/main" xmlns:p15="http://schemas.microsoft.com/office/powerpoint/2012/main" xmlns:mc="http://schemas.openxmlformats.org/markup-compatibility/2006" type="twoObj" preserve="1">
+  <p:cSld name="Title, 2 Content">
+    <p:spTree>
+      <p:nvGrpSpPr>
+        <p:cNvPr id="1" name=""/>
+        <p:cNvGrpSpPr/>
+        <p:nvPr/>
+      </p:nvGrpSpPr>
+      <p:grpSpPr>
+        <a:xfrm>
+          <a:off x="0" y="0"/>
+          <a:ext cx="0" cy="0"/>
+          <a:chOff x="0" y="0"/>
+          <a:chExt cx="0" cy="0"/>
+        </a:xfrm>
+      </p:grpSpPr>
+      <p:sp>
+        <p:nvSpPr>
+          <p:cNvPr id="42" name="PlaceHolder 1"/>
+          <p:cNvSpPr>
+            <a:spLocks noGrp="1"/>
+          </p:cNvSpPr>
+          <p:nvPr>
+            <p:ph type="title"/>
+          </p:nvPr>
+        </p:nvSpPr>
+        <p:spPr>
+          <a:xfrm>
+            <a:off x="504000" y="301320"/>
+            <a:ext cx="9072000" cy="1261800"/>
+          </a:xfrm>
+          <a:prstGeom prst="rect">
+            <a:avLst/>
+          </a:prstGeom>
+        </p:spPr>
+        <p:txBody>
+          <a:bodyPr lIns="0" rIns="0" tIns="0" bIns="0" anchor="ctr"/>
+          <a:p>
+            <a:pPr algn="ctr"/>
+            <a:endParaRPr b="0" lang="en-US" sz="4400" spc="-1" strike="noStrike">
+              <a:solidFill>
+                <a:srgbClr val="000000"/>
+              </a:solidFill>
+              <a:uFill>
+                <a:solidFill>
+                  <a:srgbClr val="ffffff"/>
+                </a:solidFill>
+              </a:uFill>
+              <a:latin typeface="Arial"/>
+            </a:endParaRPr>
+          </a:p>
+        </p:txBody>
+      </p:sp>
+      <p:sp>
+        <p:nvSpPr>
+          <p:cNvPr id="43" name="PlaceHolder 2"/>
+          <p:cNvSpPr>
+            <a:spLocks noGrp="1"/>
+          </p:cNvSpPr>
+          <p:nvPr>
+            <p:ph type="body"/>
+          </p:nvPr>
+        </p:nvSpPr>
+        <p:spPr>
+          <a:xfrm>
+            <a:off x="504000" y="1768680"/>
+            <a:ext cx="4426920" cy="4384080"/>
+          </a:xfrm>
+          <a:prstGeom prst="rect">
+            <a:avLst/>
+          </a:prstGeom>
+        </p:spPr>
+        <p:txBody>
+          <a:bodyPr lIns="0" rIns="0" tIns="0" bIns="0"/>
+          <a:p>
+            <a:endParaRPr b="0" lang="en-US" sz="3200" spc="-1" strike="noStrike">
+              <a:solidFill>
+                <a:srgbClr val="000000"/>
+              </a:solidFill>
+              <a:uFill>
+                <a:solidFill>
+                  <a:srgbClr val="ffffff"/>
+                </a:solidFill>
+              </a:uFill>
+              <a:latin typeface="Arial"/>
+            </a:endParaRPr>
+          </a:p>
+        </p:txBody>
+      </p:sp>
+      <p:sp>
+        <p:nvSpPr>
+          <p:cNvPr id="44" name="PlaceHolder 3"/>
+          <p:cNvSpPr>
+            <a:spLocks noGrp="1"/>
+          </p:cNvSpPr>
+          <p:nvPr>
+            <p:ph type="body"/>
+          </p:nvPr>
+        </p:nvSpPr>
+        <p:spPr>
+          <a:xfrm>
+            <a:off x="5152680" y="1768680"/>
+            <a:ext cx="4426920" cy="4384080"/>
+          </a:xfrm>
+          <a:prstGeom prst="rect">
+            <a:avLst/>
+          </a:prstGeom>
+        </p:spPr>
+        <p:txBody>
+          <a:bodyPr lIns="0" rIns="0" tIns="0" bIns="0"/>
+          <a:p>
+            <a:endParaRPr b="0" lang="en-US" sz="3200" spc="-1" strike="noStrike">
+              <a:solidFill>
+                <a:srgbClr val="000000"/>
+              </a:solidFill>
+              <a:uFill>
+                <a:solidFill>
+                  <a:srgbClr val="ffffff"/>
+                </a:solidFill>
+              </a:uFill>
+              <a:latin typeface="Arial"/>
+            </a:endParaRPr>
+          </a:p>
+        </p:txBody>
+      </p:sp>
+    </p:spTree>
+  </p:cSld>
+</p:sldLayout>
+</file>
+
+<file path=ppt/slideLayouts/slideLayout17.xml><?xml version="1.0" encoding="utf-8"?>
+<p:sldLayout xmlns:a="http://schemas.openxmlformats.org/drawingml/2006/main" xmlns:p="http://schemas.openxmlformats.org/presentationml/2006/main" xmlns:r="http://schemas.openxmlformats.org/officeDocument/2006/relationships" xmlns:p14="http://schemas.microsoft.com/office/powerpoint/2010/main" xmlns:p15="http://schemas.microsoft.com/office/powerpoint/2012/main" xmlns:mc="http://schemas.openxmlformats.org/markup-compatibility/2006" type="titleOnly" preserve="1">
+  <p:cSld name="Title Only">
+    <p:spTree>
+      <p:nvGrpSpPr>
+        <p:cNvPr id="1" name=""/>
+        <p:cNvGrpSpPr/>
+        <p:nvPr/>
+      </p:nvGrpSpPr>
+      <p:grpSpPr>
+        <a:xfrm>
+          <a:off x="0" y="0"/>
+          <a:ext cx="0" cy="0"/>
+          <a:chOff x="0" y="0"/>
+          <a:chExt cx="0" cy="0"/>
+        </a:xfrm>
+      </p:grpSpPr>
+      <p:sp>
+        <p:nvSpPr>
+          <p:cNvPr id="45" name="PlaceHolder 1"/>
+          <p:cNvSpPr>
+            <a:spLocks noGrp="1"/>
+          </p:cNvSpPr>
+          <p:nvPr>
+            <p:ph type="title"/>
+          </p:nvPr>
+        </p:nvSpPr>
+        <p:spPr>
+          <a:xfrm>
+            <a:off x="504000" y="301320"/>
+            <a:ext cx="9072000" cy="1261800"/>
+          </a:xfrm>
+          <a:prstGeom prst="rect">
+            <a:avLst/>
+          </a:prstGeom>
+        </p:spPr>
+        <p:txBody>
+          <a:bodyPr lIns="0" rIns="0" tIns="0" bIns="0" anchor="ctr"/>
+          <a:p>
+            <a:pPr algn="ctr"/>
+            <a:endParaRPr b="0" lang="en-US" sz="4400" spc="-1" strike="noStrike">
+              <a:solidFill>
+                <a:srgbClr val="000000"/>
+              </a:solidFill>
+              <a:uFill>
+                <a:solidFill>
+                  <a:srgbClr val="ffffff"/>
+                </a:solidFill>
+              </a:uFill>
+              <a:latin typeface="Arial"/>
+            </a:endParaRPr>
+          </a:p>
+        </p:txBody>
+      </p:sp>
+    </p:spTree>
+  </p:cSld>
+</p:sldLayout>
+</file>
+
+<file path=ppt/slideLayouts/slideLayout18.xml><?xml version="1.0" encoding="utf-8"?>
+<p:sldLayout xmlns:a="http://schemas.openxmlformats.org/drawingml/2006/main" xmlns:p="http://schemas.openxmlformats.org/presentationml/2006/main" xmlns:r="http://schemas.openxmlformats.org/officeDocument/2006/relationships" xmlns:p14="http://schemas.microsoft.com/office/powerpoint/2010/main" xmlns:p15="http://schemas.microsoft.com/office/powerpoint/2012/main" xmlns:mc="http://schemas.openxmlformats.org/markup-compatibility/2006" type="objOnly" preserve="1">
+  <p:cSld name="Centered Text">
+    <p:spTree>
+      <p:nvGrpSpPr>
+        <p:cNvPr id="1" name=""/>
+        <p:cNvGrpSpPr/>
+        <p:nvPr/>
+      </p:nvGrpSpPr>
+      <p:grpSpPr>
+        <a:xfrm>
+          <a:off x="0" y="0"/>
+          <a:ext cx="0" cy="0"/>
+          <a:chOff x="0" y="0"/>
+          <a:chExt cx="0" cy="0"/>
+        </a:xfrm>
+      </p:grpSpPr>
+      <p:sp>
+        <p:nvSpPr>
+          <p:cNvPr id="46" name="PlaceHolder 1"/>
+          <p:cNvSpPr>
+            <a:spLocks noGrp="1"/>
+          </p:cNvSpPr>
+          <p:nvPr>
+            <p:ph type="subTitle"/>
+          </p:nvPr>
+        </p:nvSpPr>
+        <p:spPr>
+          <a:xfrm>
+            <a:off x="504000" y="301320"/>
+            <a:ext cx="9072000" cy="5850360"/>
+          </a:xfrm>
+          <a:prstGeom prst="rect">
+            <a:avLst/>
+          </a:prstGeom>
+        </p:spPr>
+        <p:txBody>
+          <a:bodyPr lIns="0" rIns="0" tIns="0" bIns="0" anchor="ctr"/>
+          <a:p>
+            <a:pPr algn="ctr"/>
+            <a:endParaRPr b="0" lang="en-US" sz="3200" spc="-1" strike="noStrike">
+              <a:solidFill>
+                <a:srgbClr val="000000"/>
+              </a:solidFill>
+              <a:uFill>
+                <a:solidFill>
+                  <a:srgbClr val="ffffff"/>
+                </a:solidFill>
+              </a:uFill>
+              <a:latin typeface="Arial"/>
+            </a:endParaRPr>
+          </a:p>
+        </p:txBody>
+      </p:sp>
+    </p:spTree>
+  </p:cSld>
+</p:sldLayout>
+</file>
+
+<file path=ppt/slideLayouts/slideLayout19.xml><?xml version="1.0" encoding="utf-8"?>
+<p:sldLayout xmlns:a="http://schemas.openxmlformats.org/drawingml/2006/main" xmlns:p="http://schemas.openxmlformats.org/presentationml/2006/main" xmlns:r="http://schemas.openxmlformats.org/officeDocument/2006/relationships" xmlns:p14="http://schemas.microsoft.com/office/powerpoint/2010/main" xmlns:p15="http://schemas.microsoft.com/office/powerpoint/2012/main" xmlns:mc="http://schemas.openxmlformats.org/markup-compatibility/2006" type="twoObjAndObj" preserve="1">
+  <p:cSld name="Title, 2 Content and Content">
+    <p:spTree>
+      <p:nvGrpSpPr>
+        <p:cNvPr id="1" name=""/>
+        <p:cNvGrpSpPr/>
+        <p:nvPr/>
+      </p:nvGrpSpPr>
+      <p:grpSpPr>
+        <a:xfrm>
+          <a:off x="0" y="0"/>
+          <a:ext cx="0" cy="0"/>
+          <a:chOff x="0" y="0"/>
+          <a:chExt cx="0" cy="0"/>
+        </a:xfrm>
+      </p:grpSpPr>
+      <p:sp>
+        <p:nvSpPr>
+          <p:cNvPr id="47" name="PlaceHolder 1"/>
+          <p:cNvSpPr>
+            <a:spLocks noGrp="1"/>
+          </p:cNvSpPr>
+          <p:nvPr>
+            <p:ph type="title"/>
+          </p:nvPr>
+        </p:nvSpPr>
+        <p:spPr>
+          <a:xfrm>
+            <a:off x="504000" y="301320"/>
+            <a:ext cx="9072000" cy="1261800"/>
+          </a:xfrm>
+          <a:prstGeom prst="rect">
+            <a:avLst/>
+          </a:prstGeom>
+        </p:spPr>
+        <p:txBody>
+          <a:bodyPr lIns="0" rIns="0" tIns="0" bIns="0" anchor="ctr"/>
+          <a:p>
+            <a:pPr algn="ctr"/>
+            <a:endParaRPr b="0" lang="en-US" sz="4400" spc="-1" strike="noStrike">
+              <a:solidFill>
+                <a:srgbClr val="000000"/>
+              </a:solidFill>
+              <a:uFill>
+                <a:solidFill>
+                  <a:srgbClr val="ffffff"/>
+                </a:solidFill>
+              </a:uFill>
+              <a:latin typeface="Arial"/>
+            </a:endParaRPr>
+          </a:p>
+        </p:txBody>
+      </p:sp>
+      <p:sp>
+        <p:nvSpPr>
+          <p:cNvPr id="48" name="PlaceHolder 2"/>
+          <p:cNvSpPr>
+            <a:spLocks noGrp="1"/>
+          </p:cNvSpPr>
+          <p:nvPr>
+            <p:ph type="body"/>
+          </p:nvPr>
+        </p:nvSpPr>
+        <p:spPr>
+          <a:xfrm>
+            <a:off x="504000" y="1768680"/>
+            <a:ext cx="4426920" cy="2090880"/>
+          </a:xfrm>
+          <a:prstGeom prst="rect">
+            <a:avLst/>
+          </a:prstGeom>
+        </p:spPr>
+        <p:txBody>
+          <a:bodyPr lIns="0" rIns="0" tIns="0" bIns="0"/>
+          <a:p>
+            <a:endParaRPr b="0" lang="en-US" sz="3200" spc="-1" strike="noStrike">
+              <a:solidFill>
+                <a:srgbClr val="000000"/>
+              </a:solidFill>
+              <a:uFill>
+                <a:solidFill>
+                  <a:srgbClr val="ffffff"/>
+                </a:solidFill>
+              </a:uFill>
+              <a:latin typeface="Arial"/>
+            </a:endParaRPr>
+          </a:p>
+        </p:txBody>
+      </p:sp>
+      <p:sp>
+        <p:nvSpPr>
+          <p:cNvPr id="49" name="PlaceHolder 3"/>
+          <p:cNvSpPr>
+            <a:spLocks noGrp="1"/>
+          </p:cNvSpPr>
+          <p:nvPr>
+            <p:ph type="body"/>
+          </p:nvPr>
+        </p:nvSpPr>
+        <p:spPr>
+          <a:xfrm>
+            <a:off x="504000" y="4058640"/>
+            <a:ext cx="4426920" cy="2090880"/>
+          </a:xfrm>
+          <a:prstGeom prst="rect">
+            <a:avLst/>
+          </a:prstGeom>
+        </p:spPr>
+        <p:txBody>
+          <a:bodyPr lIns="0" rIns="0" tIns="0" bIns="0"/>
+          <a:p>
+            <a:endParaRPr b="0" lang="en-US" sz="3200" spc="-1" strike="noStrike">
+              <a:solidFill>
+                <a:srgbClr val="000000"/>
+              </a:solidFill>
+              <a:uFill>
+                <a:solidFill>
+                  <a:srgbClr val="ffffff"/>
+                </a:solidFill>
+              </a:uFill>
+              <a:latin typeface="Arial"/>
+            </a:endParaRPr>
+          </a:p>
+        </p:txBody>
+      </p:sp>
+      <p:sp>
+        <p:nvSpPr>
+          <p:cNvPr id="50" name="PlaceHolder 4"/>
+          <p:cNvSpPr>
+            <a:spLocks noGrp="1"/>
+          </p:cNvSpPr>
+          <p:nvPr>
+            <p:ph type="body"/>
+          </p:nvPr>
+        </p:nvSpPr>
+        <p:spPr>
+          <a:xfrm>
+            <a:off x="5152680" y="1768680"/>
+            <a:ext cx="4426920" cy="4384080"/>
+          </a:xfrm>
+          <a:prstGeom prst="rect">
+            <a:avLst/>
+          </a:prstGeom>
+        </p:spPr>
+        <p:txBody>
+          <a:bodyPr lIns="0" rIns="0" tIns="0" bIns="0"/>
+          <a:p>
+            <a:endParaRPr b="0" lang="en-US" sz="3200" spc="-1" strike="noStrike">
+              <a:solidFill>
+                <a:srgbClr val="000000"/>
+              </a:solidFill>
+              <a:uFill>
+                <a:solidFill>
+                  <a:srgbClr val="ffffff"/>
+                </a:solidFill>
+              </a:uFill>
+              <a:latin typeface="Arial"/>
+            </a:endParaRPr>
+          </a:p>
+        </p:txBody>
+      </p:sp>
     </p:spTree>
   </p:cSld>
 </p:sldLayout>
@@ -570,7 +1200,7 @@
       </p:grpSpPr>
       <p:sp>
         <p:nvSpPr>
-          <p:cNvPr id="5" name="PlaceHolder 1"/>
+          <p:cNvPr id="2" name="PlaceHolder 1"/>
           <p:cNvSpPr>
             <a:spLocks noGrp="1"/>
           </p:cNvSpPr>
@@ -581,7 +1211,7 @@
         <p:spPr>
           <a:xfrm>
             <a:off x="504000" y="301320"/>
-            <a:ext cx="9071640" cy="1262160"/>
+            <a:ext cx="9072000" cy="1261800"/>
           </a:xfrm>
           <a:prstGeom prst="rect">
             <a:avLst/>
@@ -607,7 +1237,7 @@
       </p:sp>
       <p:sp>
         <p:nvSpPr>
-          <p:cNvPr id="6" name="PlaceHolder 2"/>
+          <p:cNvPr id="3" name="PlaceHolder 2"/>
           <p:cNvSpPr>
             <a:spLocks noGrp="1"/>
           </p:cNvSpPr>
@@ -617,8 +1247,8 @@
         </p:nvSpPr>
         <p:spPr>
           <a:xfrm>
-            <a:off x="504000" y="1769040"/>
-            <a:ext cx="9071640" cy="4384440"/>
+            <a:off x="504000" y="1768680"/>
+            <a:ext cx="9072000" cy="4384080"/>
           </a:xfrm>
           <a:prstGeom prst="rect">
             <a:avLst/>
@@ -629,6 +1259,1254 @@
           <a:p>
             <a:pPr algn="ctr"/>
             <a:endParaRPr b="0" lang="en-US" sz="3200" spc="-1" strike="noStrike">
+              <a:solidFill>
+                <a:srgbClr val="000000"/>
+              </a:solidFill>
+              <a:uFill>
+                <a:solidFill>
+                  <a:srgbClr val="ffffff"/>
+                </a:solidFill>
+              </a:uFill>
+              <a:latin typeface="Arial"/>
+            </a:endParaRPr>
+          </a:p>
+        </p:txBody>
+      </p:sp>
+    </p:spTree>
+  </p:cSld>
+</p:sldLayout>
+</file>
+
+<file path=ppt/slideLayouts/slideLayout20.xml><?xml version="1.0" encoding="utf-8"?>
+<p:sldLayout xmlns:a="http://schemas.openxmlformats.org/drawingml/2006/main" xmlns:p="http://schemas.openxmlformats.org/presentationml/2006/main" xmlns:r="http://schemas.openxmlformats.org/officeDocument/2006/relationships" xmlns:p14="http://schemas.microsoft.com/office/powerpoint/2010/main" xmlns:p15="http://schemas.microsoft.com/office/powerpoint/2012/main" xmlns:mc="http://schemas.openxmlformats.org/markup-compatibility/2006" type="objAndTwoObj" preserve="1">
+  <p:cSld name="Title Content and 2 Content">
+    <p:spTree>
+      <p:nvGrpSpPr>
+        <p:cNvPr id="1" name=""/>
+        <p:cNvGrpSpPr/>
+        <p:nvPr/>
+      </p:nvGrpSpPr>
+      <p:grpSpPr>
+        <a:xfrm>
+          <a:off x="0" y="0"/>
+          <a:ext cx="0" cy="0"/>
+          <a:chOff x="0" y="0"/>
+          <a:chExt cx="0" cy="0"/>
+        </a:xfrm>
+      </p:grpSpPr>
+      <p:sp>
+        <p:nvSpPr>
+          <p:cNvPr id="51" name="PlaceHolder 1"/>
+          <p:cNvSpPr>
+            <a:spLocks noGrp="1"/>
+          </p:cNvSpPr>
+          <p:nvPr>
+            <p:ph type="title"/>
+          </p:nvPr>
+        </p:nvSpPr>
+        <p:spPr>
+          <a:xfrm>
+            <a:off x="504000" y="301320"/>
+            <a:ext cx="9072000" cy="1261800"/>
+          </a:xfrm>
+          <a:prstGeom prst="rect">
+            <a:avLst/>
+          </a:prstGeom>
+        </p:spPr>
+        <p:txBody>
+          <a:bodyPr lIns="0" rIns="0" tIns="0" bIns="0" anchor="ctr"/>
+          <a:p>
+            <a:pPr algn="ctr"/>
+            <a:endParaRPr b="0" lang="en-US" sz="4400" spc="-1" strike="noStrike">
+              <a:solidFill>
+                <a:srgbClr val="000000"/>
+              </a:solidFill>
+              <a:uFill>
+                <a:solidFill>
+                  <a:srgbClr val="ffffff"/>
+                </a:solidFill>
+              </a:uFill>
+              <a:latin typeface="Arial"/>
+            </a:endParaRPr>
+          </a:p>
+        </p:txBody>
+      </p:sp>
+      <p:sp>
+        <p:nvSpPr>
+          <p:cNvPr id="52" name="PlaceHolder 2"/>
+          <p:cNvSpPr>
+            <a:spLocks noGrp="1"/>
+          </p:cNvSpPr>
+          <p:nvPr>
+            <p:ph type="body"/>
+          </p:nvPr>
+        </p:nvSpPr>
+        <p:spPr>
+          <a:xfrm>
+            <a:off x="504000" y="1768680"/>
+            <a:ext cx="4426920" cy="4384080"/>
+          </a:xfrm>
+          <a:prstGeom prst="rect">
+            <a:avLst/>
+          </a:prstGeom>
+        </p:spPr>
+        <p:txBody>
+          <a:bodyPr lIns="0" rIns="0" tIns="0" bIns="0"/>
+          <a:p>
+            <a:endParaRPr b="0" lang="en-US" sz="3200" spc="-1" strike="noStrike">
+              <a:solidFill>
+                <a:srgbClr val="000000"/>
+              </a:solidFill>
+              <a:uFill>
+                <a:solidFill>
+                  <a:srgbClr val="ffffff"/>
+                </a:solidFill>
+              </a:uFill>
+              <a:latin typeface="Arial"/>
+            </a:endParaRPr>
+          </a:p>
+        </p:txBody>
+      </p:sp>
+      <p:sp>
+        <p:nvSpPr>
+          <p:cNvPr id="53" name="PlaceHolder 3"/>
+          <p:cNvSpPr>
+            <a:spLocks noGrp="1"/>
+          </p:cNvSpPr>
+          <p:nvPr>
+            <p:ph type="body"/>
+          </p:nvPr>
+        </p:nvSpPr>
+        <p:spPr>
+          <a:xfrm>
+            <a:off x="5152680" y="1768680"/>
+            <a:ext cx="4426920" cy="2090880"/>
+          </a:xfrm>
+          <a:prstGeom prst="rect">
+            <a:avLst/>
+          </a:prstGeom>
+        </p:spPr>
+        <p:txBody>
+          <a:bodyPr lIns="0" rIns="0" tIns="0" bIns="0"/>
+          <a:p>
+            <a:endParaRPr b="0" lang="en-US" sz="3200" spc="-1" strike="noStrike">
+              <a:solidFill>
+                <a:srgbClr val="000000"/>
+              </a:solidFill>
+              <a:uFill>
+                <a:solidFill>
+                  <a:srgbClr val="ffffff"/>
+                </a:solidFill>
+              </a:uFill>
+              <a:latin typeface="Arial"/>
+            </a:endParaRPr>
+          </a:p>
+        </p:txBody>
+      </p:sp>
+      <p:sp>
+        <p:nvSpPr>
+          <p:cNvPr id="54" name="PlaceHolder 4"/>
+          <p:cNvSpPr>
+            <a:spLocks noGrp="1"/>
+          </p:cNvSpPr>
+          <p:nvPr>
+            <p:ph type="body"/>
+          </p:nvPr>
+        </p:nvSpPr>
+        <p:spPr>
+          <a:xfrm>
+            <a:off x="5152680" y="4058640"/>
+            <a:ext cx="4426920" cy="2090880"/>
+          </a:xfrm>
+          <a:prstGeom prst="rect">
+            <a:avLst/>
+          </a:prstGeom>
+        </p:spPr>
+        <p:txBody>
+          <a:bodyPr lIns="0" rIns="0" tIns="0" bIns="0"/>
+          <a:p>
+            <a:endParaRPr b="0" lang="en-US" sz="3200" spc="-1" strike="noStrike">
+              <a:solidFill>
+                <a:srgbClr val="000000"/>
+              </a:solidFill>
+              <a:uFill>
+                <a:solidFill>
+                  <a:srgbClr val="ffffff"/>
+                </a:solidFill>
+              </a:uFill>
+              <a:latin typeface="Arial"/>
+            </a:endParaRPr>
+          </a:p>
+        </p:txBody>
+      </p:sp>
+    </p:spTree>
+  </p:cSld>
+</p:sldLayout>
+</file>
+
+<file path=ppt/slideLayouts/slideLayout21.xml><?xml version="1.0" encoding="utf-8"?>
+<p:sldLayout xmlns:a="http://schemas.openxmlformats.org/drawingml/2006/main" xmlns:p="http://schemas.openxmlformats.org/presentationml/2006/main" xmlns:r="http://schemas.openxmlformats.org/officeDocument/2006/relationships" xmlns:p14="http://schemas.microsoft.com/office/powerpoint/2010/main" xmlns:p15="http://schemas.microsoft.com/office/powerpoint/2012/main" xmlns:mc="http://schemas.openxmlformats.org/markup-compatibility/2006" type="twoObjOverTx" preserve="1">
+  <p:cSld name="Title, 2 Content over Content">
+    <p:spTree>
+      <p:nvGrpSpPr>
+        <p:cNvPr id="1" name=""/>
+        <p:cNvGrpSpPr/>
+        <p:nvPr/>
+      </p:nvGrpSpPr>
+      <p:grpSpPr>
+        <a:xfrm>
+          <a:off x="0" y="0"/>
+          <a:ext cx="0" cy="0"/>
+          <a:chOff x="0" y="0"/>
+          <a:chExt cx="0" cy="0"/>
+        </a:xfrm>
+      </p:grpSpPr>
+      <p:sp>
+        <p:nvSpPr>
+          <p:cNvPr id="55" name="PlaceHolder 1"/>
+          <p:cNvSpPr>
+            <a:spLocks noGrp="1"/>
+          </p:cNvSpPr>
+          <p:nvPr>
+            <p:ph type="title"/>
+          </p:nvPr>
+        </p:nvSpPr>
+        <p:spPr>
+          <a:xfrm>
+            <a:off x="504000" y="301320"/>
+            <a:ext cx="9072000" cy="1261800"/>
+          </a:xfrm>
+          <a:prstGeom prst="rect">
+            <a:avLst/>
+          </a:prstGeom>
+        </p:spPr>
+        <p:txBody>
+          <a:bodyPr lIns="0" rIns="0" tIns="0" bIns="0" anchor="ctr"/>
+          <a:p>
+            <a:pPr algn="ctr"/>
+            <a:endParaRPr b="0" lang="en-US" sz="4400" spc="-1" strike="noStrike">
+              <a:solidFill>
+                <a:srgbClr val="000000"/>
+              </a:solidFill>
+              <a:uFill>
+                <a:solidFill>
+                  <a:srgbClr val="ffffff"/>
+                </a:solidFill>
+              </a:uFill>
+              <a:latin typeface="Arial"/>
+            </a:endParaRPr>
+          </a:p>
+        </p:txBody>
+      </p:sp>
+      <p:sp>
+        <p:nvSpPr>
+          <p:cNvPr id="56" name="PlaceHolder 2"/>
+          <p:cNvSpPr>
+            <a:spLocks noGrp="1"/>
+          </p:cNvSpPr>
+          <p:nvPr>
+            <p:ph type="body"/>
+          </p:nvPr>
+        </p:nvSpPr>
+        <p:spPr>
+          <a:xfrm>
+            <a:off x="504000" y="1768680"/>
+            <a:ext cx="4426920" cy="2090880"/>
+          </a:xfrm>
+          <a:prstGeom prst="rect">
+            <a:avLst/>
+          </a:prstGeom>
+        </p:spPr>
+        <p:txBody>
+          <a:bodyPr lIns="0" rIns="0" tIns="0" bIns="0"/>
+          <a:p>
+            <a:endParaRPr b="0" lang="en-US" sz="3200" spc="-1" strike="noStrike">
+              <a:solidFill>
+                <a:srgbClr val="000000"/>
+              </a:solidFill>
+              <a:uFill>
+                <a:solidFill>
+                  <a:srgbClr val="ffffff"/>
+                </a:solidFill>
+              </a:uFill>
+              <a:latin typeface="Arial"/>
+            </a:endParaRPr>
+          </a:p>
+        </p:txBody>
+      </p:sp>
+      <p:sp>
+        <p:nvSpPr>
+          <p:cNvPr id="57" name="PlaceHolder 3"/>
+          <p:cNvSpPr>
+            <a:spLocks noGrp="1"/>
+          </p:cNvSpPr>
+          <p:nvPr>
+            <p:ph type="body"/>
+          </p:nvPr>
+        </p:nvSpPr>
+        <p:spPr>
+          <a:xfrm>
+            <a:off x="5152680" y="1768680"/>
+            <a:ext cx="4426920" cy="2090880"/>
+          </a:xfrm>
+          <a:prstGeom prst="rect">
+            <a:avLst/>
+          </a:prstGeom>
+        </p:spPr>
+        <p:txBody>
+          <a:bodyPr lIns="0" rIns="0" tIns="0" bIns="0"/>
+          <a:p>
+            <a:endParaRPr b="0" lang="en-US" sz="3200" spc="-1" strike="noStrike">
+              <a:solidFill>
+                <a:srgbClr val="000000"/>
+              </a:solidFill>
+              <a:uFill>
+                <a:solidFill>
+                  <a:srgbClr val="ffffff"/>
+                </a:solidFill>
+              </a:uFill>
+              <a:latin typeface="Arial"/>
+            </a:endParaRPr>
+          </a:p>
+        </p:txBody>
+      </p:sp>
+      <p:sp>
+        <p:nvSpPr>
+          <p:cNvPr id="58" name="PlaceHolder 4"/>
+          <p:cNvSpPr>
+            <a:spLocks noGrp="1"/>
+          </p:cNvSpPr>
+          <p:nvPr>
+            <p:ph type="body"/>
+          </p:nvPr>
+        </p:nvSpPr>
+        <p:spPr>
+          <a:xfrm>
+            <a:off x="504000" y="4058640"/>
+            <a:ext cx="9072000" cy="2090880"/>
+          </a:xfrm>
+          <a:prstGeom prst="rect">
+            <a:avLst/>
+          </a:prstGeom>
+        </p:spPr>
+        <p:txBody>
+          <a:bodyPr lIns="0" rIns="0" tIns="0" bIns="0"/>
+          <a:p>
+            <a:endParaRPr b="0" lang="en-US" sz="3200" spc="-1" strike="noStrike">
+              <a:solidFill>
+                <a:srgbClr val="000000"/>
+              </a:solidFill>
+              <a:uFill>
+                <a:solidFill>
+                  <a:srgbClr val="ffffff"/>
+                </a:solidFill>
+              </a:uFill>
+              <a:latin typeface="Arial"/>
+            </a:endParaRPr>
+          </a:p>
+        </p:txBody>
+      </p:sp>
+    </p:spTree>
+  </p:cSld>
+</p:sldLayout>
+</file>
+
+<file path=ppt/slideLayouts/slideLayout22.xml><?xml version="1.0" encoding="utf-8"?>
+<p:sldLayout xmlns:a="http://schemas.openxmlformats.org/drawingml/2006/main" xmlns:p="http://schemas.openxmlformats.org/presentationml/2006/main" xmlns:r="http://schemas.openxmlformats.org/officeDocument/2006/relationships" xmlns:p14="http://schemas.microsoft.com/office/powerpoint/2010/main" xmlns:p15="http://schemas.microsoft.com/office/powerpoint/2012/main" xmlns:mc="http://schemas.openxmlformats.org/markup-compatibility/2006" type="objOverTx" preserve="1">
+  <p:cSld name="Title, Content over Content">
+    <p:spTree>
+      <p:nvGrpSpPr>
+        <p:cNvPr id="1" name=""/>
+        <p:cNvGrpSpPr/>
+        <p:nvPr/>
+      </p:nvGrpSpPr>
+      <p:grpSpPr>
+        <a:xfrm>
+          <a:off x="0" y="0"/>
+          <a:ext cx="0" cy="0"/>
+          <a:chOff x="0" y="0"/>
+          <a:chExt cx="0" cy="0"/>
+        </a:xfrm>
+      </p:grpSpPr>
+      <p:sp>
+        <p:nvSpPr>
+          <p:cNvPr id="59" name="PlaceHolder 1"/>
+          <p:cNvSpPr>
+            <a:spLocks noGrp="1"/>
+          </p:cNvSpPr>
+          <p:nvPr>
+            <p:ph type="title"/>
+          </p:nvPr>
+        </p:nvSpPr>
+        <p:spPr>
+          <a:xfrm>
+            <a:off x="504000" y="301320"/>
+            <a:ext cx="9072000" cy="1261800"/>
+          </a:xfrm>
+          <a:prstGeom prst="rect">
+            <a:avLst/>
+          </a:prstGeom>
+        </p:spPr>
+        <p:txBody>
+          <a:bodyPr lIns="0" rIns="0" tIns="0" bIns="0" anchor="ctr"/>
+          <a:p>
+            <a:pPr algn="ctr"/>
+            <a:endParaRPr b="0" lang="en-US" sz="4400" spc="-1" strike="noStrike">
+              <a:solidFill>
+                <a:srgbClr val="000000"/>
+              </a:solidFill>
+              <a:uFill>
+                <a:solidFill>
+                  <a:srgbClr val="ffffff"/>
+                </a:solidFill>
+              </a:uFill>
+              <a:latin typeface="Arial"/>
+            </a:endParaRPr>
+          </a:p>
+        </p:txBody>
+      </p:sp>
+      <p:sp>
+        <p:nvSpPr>
+          <p:cNvPr id="60" name="PlaceHolder 2"/>
+          <p:cNvSpPr>
+            <a:spLocks noGrp="1"/>
+          </p:cNvSpPr>
+          <p:nvPr>
+            <p:ph type="body"/>
+          </p:nvPr>
+        </p:nvSpPr>
+        <p:spPr>
+          <a:xfrm>
+            <a:off x="504000" y="1768680"/>
+            <a:ext cx="9072000" cy="2090880"/>
+          </a:xfrm>
+          <a:prstGeom prst="rect">
+            <a:avLst/>
+          </a:prstGeom>
+        </p:spPr>
+        <p:txBody>
+          <a:bodyPr lIns="0" rIns="0" tIns="0" bIns="0"/>
+          <a:p>
+            <a:endParaRPr b="0" lang="en-US" sz="3200" spc="-1" strike="noStrike">
+              <a:solidFill>
+                <a:srgbClr val="000000"/>
+              </a:solidFill>
+              <a:uFill>
+                <a:solidFill>
+                  <a:srgbClr val="ffffff"/>
+                </a:solidFill>
+              </a:uFill>
+              <a:latin typeface="Arial"/>
+            </a:endParaRPr>
+          </a:p>
+        </p:txBody>
+      </p:sp>
+      <p:sp>
+        <p:nvSpPr>
+          <p:cNvPr id="61" name="PlaceHolder 3"/>
+          <p:cNvSpPr>
+            <a:spLocks noGrp="1"/>
+          </p:cNvSpPr>
+          <p:nvPr>
+            <p:ph type="body"/>
+          </p:nvPr>
+        </p:nvSpPr>
+        <p:spPr>
+          <a:xfrm>
+            <a:off x="504000" y="4058640"/>
+            <a:ext cx="9072000" cy="2090880"/>
+          </a:xfrm>
+          <a:prstGeom prst="rect">
+            <a:avLst/>
+          </a:prstGeom>
+        </p:spPr>
+        <p:txBody>
+          <a:bodyPr lIns="0" rIns="0" tIns="0" bIns="0"/>
+          <a:p>
+            <a:endParaRPr b="0" lang="en-US" sz="3200" spc="-1" strike="noStrike">
+              <a:solidFill>
+                <a:srgbClr val="000000"/>
+              </a:solidFill>
+              <a:uFill>
+                <a:solidFill>
+                  <a:srgbClr val="ffffff"/>
+                </a:solidFill>
+              </a:uFill>
+              <a:latin typeface="Arial"/>
+            </a:endParaRPr>
+          </a:p>
+        </p:txBody>
+      </p:sp>
+    </p:spTree>
+  </p:cSld>
+</p:sldLayout>
+</file>
+
+<file path=ppt/slideLayouts/slideLayout23.xml><?xml version="1.0" encoding="utf-8"?>
+<p:sldLayout xmlns:a="http://schemas.openxmlformats.org/drawingml/2006/main" xmlns:p="http://schemas.openxmlformats.org/presentationml/2006/main" xmlns:r="http://schemas.openxmlformats.org/officeDocument/2006/relationships" xmlns:p14="http://schemas.microsoft.com/office/powerpoint/2010/main" xmlns:p15="http://schemas.microsoft.com/office/powerpoint/2012/main" xmlns:mc="http://schemas.openxmlformats.org/markup-compatibility/2006" type="fourObj" preserve="1">
+  <p:cSld name="Title, 4 Content">
+    <p:spTree>
+      <p:nvGrpSpPr>
+        <p:cNvPr id="1" name=""/>
+        <p:cNvGrpSpPr/>
+        <p:nvPr/>
+      </p:nvGrpSpPr>
+      <p:grpSpPr>
+        <a:xfrm>
+          <a:off x="0" y="0"/>
+          <a:ext cx="0" cy="0"/>
+          <a:chOff x="0" y="0"/>
+          <a:chExt cx="0" cy="0"/>
+        </a:xfrm>
+      </p:grpSpPr>
+      <p:sp>
+        <p:nvSpPr>
+          <p:cNvPr id="62" name="PlaceHolder 1"/>
+          <p:cNvSpPr>
+            <a:spLocks noGrp="1"/>
+          </p:cNvSpPr>
+          <p:nvPr>
+            <p:ph type="title"/>
+          </p:nvPr>
+        </p:nvSpPr>
+        <p:spPr>
+          <a:xfrm>
+            <a:off x="504000" y="301320"/>
+            <a:ext cx="9072000" cy="1261800"/>
+          </a:xfrm>
+          <a:prstGeom prst="rect">
+            <a:avLst/>
+          </a:prstGeom>
+        </p:spPr>
+        <p:txBody>
+          <a:bodyPr lIns="0" rIns="0" tIns="0" bIns="0" anchor="ctr"/>
+          <a:p>
+            <a:pPr algn="ctr"/>
+            <a:endParaRPr b="0" lang="en-US" sz="4400" spc="-1" strike="noStrike">
+              <a:solidFill>
+                <a:srgbClr val="000000"/>
+              </a:solidFill>
+              <a:uFill>
+                <a:solidFill>
+                  <a:srgbClr val="ffffff"/>
+                </a:solidFill>
+              </a:uFill>
+              <a:latin typeface="Arial"/>
+            </a:endParaRPr>
+          </a:p>
+        </p:txBody>
+      </p:sp>
+      <p:sp>
+        <p:nvSpPr>
+          <p:cNvPr id="63" name="PlaceHolder 2"/>
+          <p:cNvSpPr>
+            <a:spLocks noGrp="1"/>
+          </p:cNvSpPr>
+          <p:nvPr>
+            <p:ph type="body"/>
+          </p:nvPr>
+        </p:nvSpPr>
+        <p:spPr>
+          <a:xfrm>
+            <a:off x="504000" y="1768680"/>
+            <a:ext cx="4426920" cy="2090880"/>
+          </a:xfrm>
+          <a:prstGeom prst="rect">
+            <a:avLst/>
+          </a:prstGeom>
+        </p:spPr>
+        <p:txBody>
+          <a:bodyPr lIns="0" rIns="0" tIns="0" bIns="0"/>
+          <a:p>
+            <a:endParaRPr b="0" lang="en-US" sz="3200" spc="-1" strike="noStrike">
+              <a:solidFill>
+                <a:srgbClr val="000000"/>
+              </a:solidFill>
+              <a:uFill>
+                <a:solidFill>
+                  <a:srgbClr val="ffffff"/>
+                </a:solidFill>
+              </a:uFill>
+              <a:latin typeface="Arial"/>
+            </a:endParaRPr>
+          </a:p>
+        </p:txBody>
+      </p:sp>
+      <p:sp>
+        <p:nvSpPr>
+          <p:cNvPr id="64" name="PlaceHolder 3"/>
+          <p:cNvSpPr>
+            <a:spLocks noGrp="1"/>
+          </p:cNvSpPr>
+          <p:nvPr>
+            <p:ph type="body"/>
+          </p:nvPr>
+        </p:nvSpPr>
+        <p:spPr>
+          <a:xfrm>
+            <a:off x="5152680" y="1768680"/>
+            <a:ext cx="4426920" cy="2090880"/>
+          </a:xfrm>
+          <a:prstGeom prst="rect">
+            <a:avLst/>
+          </a:prstGeom>
+        </p:spPr>
+        <p:txBody>
+          <a:bodyPr lIns="0" rIns="0" tIns="0" bIns="0"/>
+          <a:p>
+            <a:endParaRPr b="0" lang="en-US" sz="3200" spc="-1" strike="noStrike">
+              <a:solidFill>
+                <a:srgbClr val="000000"/>
+              </a:solidFill>
+              <a:uFill>
+                <a:solidFill>
+                  <a:srgbClr val="ffffff"/>
+                </a:solidFill>
+              </a:uFill>
+              <a:latin typeface="Arial"/>
+            </a:endParaRPr>
+          </a:p>
+        </p:txBody>
+      </p:sp>
+      <p:sp>
+        <p:nvSpPr>
+          <p:cNvPr id="65" name="PlaceHolder 4"/>
+          <p:cNvSpPr>
+            <a:spLocks noGrp="1"/>
+          </p:cNvSpPr>
+          <p:nvPr>
+            <p:ph type="body"/>
+          </p:nvPr>
+        </p:nvSpPr>
+        <p:spPr>
+          <a:xfrm>
+            <a:off x="5152680" y="4058640"/>
+            <a:ext cx="4426920" cy="2090880"/>
+          </a:xfrm>
+          <a:prstGeom prst="rect">
+            <a:avLst/>
+          </a:prstGeom>
+        </p:spPr>
+        <p:txBody>
+          <a:bodyPr lIns="0" rIns="0" tIns="0" bIns="0"/>
+          <a:p>
+            <a:endParaRPr b="0" lang="en-US" sz="3200" spc="-1" strike="noStrike">
+              <a:solidFill>
+                <a:srgbClr val="000000"/>
+              </a:solidFill>
+              <a:uFill>
+                <a:solidFill>
+                  <a:srgbClr val="ffffff"/>
+                </a:solidFill>
+              </a:uFill>
+              <a:latin typeface="Arial"/>
+            </a:endParaRPr>
+          </a:p>
+        </p:txBody>
+      </p:sp>
+      <p:sp>
+        <p:nvSpPr>
+          <p:cNvPr id="66" name="PlaceHolder 5"/>
+          <p:cNvSpPr>
+            <a:spLocks noGrp="1"/>
+          </p:cNvSpPr>
+          <p:nvPr>
+            <p:ph type="body"/>
+          </p:nvPr>
+        </p:nvSpPr>
+        <p:spPr>
+          <a:xfrm>
+            <a:off x="504000" y="4058640"/>
+            <a:ext cx="4426920" cy="2090880"/>
+          </a:xfrm>
+          <a:prstGeom prst="rect">
+            <a:avLst/>
+          </a:prstGeom>
+        </p:spPr>
+        <p:txBody>
+          <a:bodyPr lIns="0" rIns="0" tIns="0" bIns="0"/>
+          <a:p>
+            <a:endParaRPr b="0" lang="en-US" sz="3200" spc="-1" strike="noStrike">
+              <a:solidFill>
+                <a:srgbClr val="000000"/>
+              </a:solidFill>
+              <a:uFill>
+                <a:solidFill>
+                  <a:srgbClr val="ffffff"/>
+                </a:solidFill>
+              </a:uFill>
+              <a:latin typeface="Arial"/>
+            </a:endParaRPr>
+          </a:p>
+        </p:txBody>
+      </p:sp>
+    </p:spTree>
+  </p:cSld>
+</p:sldLayout>
+</file>
+
+<file path=ppt/slideLayouts/slideLayout24.xml><?xml version="1.0" encoding="utf-8"?>
+<p:sldLayout xmlns:a="http://schemas.openxmlformats.org/drawingml/2006/main" xmlns:p="http://schemas.openxmlformats.org/presentationml/2006/main" xmlns:r="http://schemas.openxmlformats.org/officeDocument/2006/relationships" xmlns:p14="http://schemas.microsoft.com/office/powerpoint/2010/main" xmlns:p15="http://schemas.microsoft.com/office/powerpoint/2012/main" xmlns:mc="http://schemas.openxmlformats.org/markup-compatibility/2006" type="blank" preserve="1">
+  <p:cSld name="Title, 6 Content">
+    <p:spTree>
+      <p:nvGrpSpPr>
+        <p:cNvPr id="1" name=""/>
+        <p:cNvGrpSpPr/>
+        <p:nvPr/>
+      </p:nvGrpSpPr>
+      <p:grpSpPr>
+        <a:xfrm>
+          <a:off x="0" y="0"/>
+          <a:ext cx="0" cy="0"/>
+          <a:chOff x="0" y="0"/>
+          <a:chExt cx="0" cy="0"/>
+        </a:xfrm>
+      </p:grpSpPr>
+      <p:sp>
+        <p:nvSpPr>
+          <p:cNvPr id="67" name="PlaceHolder 1"/>
+          <p:cNvSpPr>
+            <a:spLocks noGrp="1"/>
+          </p:cNvSpPr>
+          <p:nvPr>
+            <p:ph type="title"/>
+          </p:nvPr>
+        </p:nvSpPr>
+        <p:spPr>
+          <a:xfrm>
+            <a:off x="504000" y="301320"/>
+            <a:ext cx="9072000" cy="1261800"/>
+          </a:xfrm>
+          <a:prstGeom prst="rect">
+            <a:avLst/>
+          </a:prstGeom>
+        </p:spPr>
+        <p:txBody>
+          <a:bodyPr lIns="0" rIns="0" tIns="0" bIns="0" anchor="ctr"/>
+          <a:p>
+            <a:pPr algn="ctr"/>
+            <a:endParaRPr b="0" lang="en-US" sz="4400" spc="-1" strike="noStrike">
+              <a:solidFill>
+                <a:srgbClr val="000000"/>
+              </a:solidFill>
+              <a:uFill>
+                <a:solidFill>
+                  <a:srgbClr val="ffffff"/>
+                </a:solidFill>
+              </a:uFill>
+              <a:latin typeface="Arial"/>
+            </a:endParaRPr>
+          </a:p>
+        </p:txBody>
+      </p:sp>
+      <p:sp>
+        <p:nvSpPr>
+          <p:cNvPr id="68" name="PlaceHolder 2"/>
+          <p:cNvSpPr>
+            <a:spLocks noGrp="1"/>
+          </p:cNvSpPr>
+          <p:nvPr>
+            <p:ph type="body"/>
+          </p:nvPr>
+        </p:nvSpPr>
+        <p:spPr>
+          <a:xfrm>
+            <a:off x="504000" y="1768680"/>
+            <a:ext cx="9072000" cy="4384080"/>
+          </a:xfrm>
+          <a:prstGeom prst="rect">
+            <a:avLst/>
+          </a:prstGeom>
+        </p:spPr>
+        <p:txBody>
+          <a:bodyPr lIns="0" rIns="0" tIns="0" bIns="0"/>
+          <a:p>
+            <a:endParaRPr b="0" lang="en-US" sz="3200" spc="-1" strike="noStrike">
+              <a:solidFill>
+                <a:srgbClr val="000000"/>
+              </a:solidFill>
+              <a:uFill>
+                <a:solidFill>
+                  <a:srgbClr val="ffffff"/>
+                </a:solidFill>
+              </a:uFill>
+              <a:latin typeface="Arial"/>
+            </a:endParaRPr>
+          </a:p>
+        </p:txBody>
+      </p:sp>
+      <p:sp>
+        <p:nvSpPr>
+          <p:cNvPr id="69" name="PlaceHolder 3"/>
+          <p:cNvSpPr>
+            <a:spLocks noGrp="1"/>
+          </p:cNvSpPr>
+          <p:nvPr>
+            <p:ph type="body"/>
+          </p:nvPr>
+        </p:nvSpPr>
+        <p:spPr>
+          <a:xfrm>
+            <a:off x="504000" y="1768680"/>
+            <a:ext cx="9072000" cy="4384080"/>
+          </a:xfrm>
+          <a:prstGeom prst="rect">
+            <a:avLst/>
+          </a:prstGeom>
+        </p:spPr>
+        <p:txBody>
+          <a:bodyPr lIns="0" rIns="0" tIns="0" bIns="0"/>
+          <a:p>
+            <a:endParaRPr b="0" lang="en-US" sz="3200" spc="-1" strike="noStrike">
+              <a:solidFill>
+                <a:srgbClr val="000000"/>
+              </a:solidFill>
+              <a:uFill>
+                <a:solidFill>
+                  <a:srgbClr val="ffffff"/>
+                </a:solidFill>
+              </a:uFill>
+              <a:latin typeface="Arial"/>
+            </a:endParaRPr>
+          </a:p>
+        </p:txBody>
+      </p:sp>
+      <p:pic>
+        <p:nvPicPr>
+          <p:cNvPr id="70" name="" descr=""/>
+          <p:cNvPicPr/>
+          <p:nvPr/>
+        </p:nvPicPr>
+        <p:blipFill>
+          <a:blip r:embed="rId2"/>
+          <a:stretch/>
+        </p:blipFill>
+        <p:spPr>
+          <a:xfrm>
+            <a:off x="2292480" y="1768680"/>
+            <a:ext cx="5494680" cy="4384080"/>
+          </a:xfrm>
+          <a:prstGeom prst="rect">
+            <a:avLst/>
+          </a:prstGeom>
+          <a:ln>
+            <a:noFill/>
+          </a:ln>
+        </p:spPr>
+      </p:pic>
+      <p:pic>
+        <p:nvPicPr>
+          <p:cNvPr id="71" name="" descr=""/>
+          <p:cNvPicPr/>
+          <p:nvPr/>
+        </p:nvPicPr>
+        <p:blipFill>
+          <a:blip r:embed="rId3"/>
+          <a:stretch/>
+        </p:blipFill>
+        <p:spPr>
+          <a:xfrm>
+            <a:off x="2292480" y="1768680"/>
+            <a:ext cx="5494680" cy="4384080"/>
+          </a:xfrm>
+          <a:prstGeom prst="rect">
+            <a:avLst/>
+          </a:prstGeom>
+          <a:ln>
+            <a:noFill/>
+          </a:ln>
+        </p:spPr>
+      </p:pic>
+    </p:spTree>
+  </p:cSld>
+</p:sldLayout>
+</file>
+
+<file path=ppt/slideLayouts/slideLayout25.xml><?xml version="1.0" encoding="utf-8"?>
+<p:sldLayout xmlns:a="http://schemas.openxmlformats.org/drawingml/2006/main" xmlns:p="http://schemas.openxmlformats.org/presentationml/2006/main" xmlns:r="http://schemas.openxmlformats.org/officeDocument/2006/relationships" xmlns:p14="http://schemas.microsoft.com/office/powerpoint/2010/main" xmlns:p15="http://schemas.microsoft.com/office/powerpoint/2012/main" xmlns:mc="http://schemas.openxmlformats.org/markup-compatibility/2006" type="blank" preserve="1">
+  <p:cSld name="Blank Slide">
+    <p:spTree>
+      <p:nvGrpSpPr>
+        <p:cNvPr id="1" name=""/>
+        <p:cNvGrpSpPr/>
+        <p:nvPr/>
+      </p:nvGrpSpPr>
+      <p:grpSpPr>
+        <a:xfrm>
+          <a:off x="0" y="0"/>
+          <a:ext cx="0" cy="0"/>
+          <a:chOff x="0" y="0"/>
+          <a:chExt cx="0" cy="0"/>
+        </a:xfrm>
+      </p:grpSpPr>
+    </p:spTree>
+  </p:cSld>
+</p:sldLayout>
+</file>
+
+<file path=ppt/slideLayouts/slideLayout26.xml><?xml version="1.0" encoding="utf-8"?>
+<p:sldLayout xmlns:a="http://schemas.openxmlformats.org/drawingml/2006/main" xmlns:p="http://schemas.openxmlformats.org/presentationml/2006/main" xmlns:r="http://schemas.openxmlformats.org/officeDocument/2006/relationships" xmlns:p14="http://schemas.microsoft.com/office/powerpoint/2010/main" xmlns:p15="http://schemas.microsoft.com/office/powerpoint/2012/main" xmlns:mc="http://schemas.openxmlformats.org/markup-compatibility/2006" type="tx" preserve="1">
+  <p:cSld name="Title Slide">
+    <p:spTree>
+      <p:nvGrpSpPr>
+        <p:cNvPr id="1" name=""/>
+        <p:cNvGrpSpPr/>
+        <p:nvPr/>
+      </p:nvGrpSpPr>
+      <p:grpSpPr>
+        <a:xfrm>
+          <a:off x="0" y="0"/>
+          <a:ext cx="0" cy="0"/>
+          <a:chOff x="0" y="0"/>
+          <a:chExt cx="0" cy="0"/>
+        </a:xfrm>
+      </p:grpSpPr>
+      <p:sp>
+        <p:nvSpPr>
+          <p:cNvPr id="74" name="PlaceHolder 1"/>
+          <p:cNvSpPr>
+            <a:spLocks noGrp="1"/>
+          </p:cNvSpPr>
+          <p:nvPr>
+            <p:ph type="title"/>
+          </p:nvPr>
+        </p:nvSpPr>
+        <p:spPr>
+          <a:xfrm>
+            <a:off x="504000" y="301320"/>
+            <a:ext cx="9072000" cy="1261800"/>
+          </a:xfrm>
+          <a:prstGeom prst="rect">
+            <a:avLst/>
+          </a:prstGeom>
+        </p:spPr>
+        <p:txBody>
+          <a:bodyPr lIns="0" rIns="0" tIns="0" bIns="0" anchor="ctr"/>
+          <a:p>
+            <a:pPr algn="ctr"/>
+            <a:endParaRPr b="0" lang="en-US" sz="4400" spc="-1" strike="noStrike">
+              <a:solidFill>
+                <a:srgbClr val="000000"/>
+              </a:solidFill>
+              <a:uFill>
+                <a:solidFill>
+                  <a:srgbClr val="ffffff"/>
+                </a:solidFill>
+              </a:uFill>
+              <a:latin typeface="Arial"/>
+            </a:endParaRPr>
+          </a:p>
+        </p:txBody>
+      </p:sp>
+      <p:sp>
+        <p:nvSpPr>
+          <p:cNvPr id="75" name="PlaceHolder 2"/>
+          <p:cNvSpPr>
+            <a:spLocks noGrp="1"/>
+          </p:cNvSpPr>
+          <p:nvPr>
+            <p:ph type="subTitle"/>
+          </p:nvPr>
+        </p:nvSpPr>
+        <p:spPr>
+          <a:xfrm>
+            <a:off x="504000" y="1768680"/>
+            <a:ext cx="9072000" cy="4384080"/>
+          </a:xfrm>
+          <a:prstGeom prst="rect">
+            <a:avLst/>
+          </a:prstGeom>
+        </p:spPr>
+        <p:txBody>
+          <a:bodyPr lIns="0" rIns="0" tIns="0" bIns="0" anchor="ctr"/>
+          <a:p>
+            <a:pPr algn="ctr"/>
+            <a:endParaRPr b="0" lang="en-US" sz="3200" spc="-1" strike="noStrike">
+              <a:solidFill>
+                <a:srgbClr val="000000"/>
+              </a:solidFill>
+              <a:uFill>
+                <a:solidFill>
+                  <a:srgbClr val="ffffff"/>
+                </a:solidFill>
+              </a:uFill>
+              <a:latin typeface="Arial"/>
+            </a:endParaRPr>
+          </a:p>
+        </p:txBody>
+      </p:sp>
+    </p:spTree>
+  </p:cSld>
+</p:sldLayout>
+</file>
+
+<file path=ppt/slideLayouts/slideLayout27.xml><?xml version="1.0" encoding="utf-8"?>
+<p:sldLayout xmlns:a="http://schemas.openxmlformats.org/drawingml/2006/main" xmlns:p="http://schemas.openxmlformats.org/presentationml/2006/main" xmlns:r="http://schemas.openxmlformats.org/officeDocument/2006/relationships" xmlns:p14="http://schemas.microsoft.com/office/powerpoint/2010/main" xmlns:p15="http://schemas.microsoft.com/office/powerpoint/2012/main" xmlns:mc="http://schemas.openxmlformats.org/markup-compatibility/2006" type="obj" preserve="1">
+  <p:cSld name="Title, Content">
+    <p:spTree>
+      <p:nvGrpSpPr>
+        <p:cNvPr id="1" name=""/>
+        <p:cNvGrpSpPr/>
+        <p:nvPr/>
+      </p:nvGrpSpPr>
+      <p:grpSpPr>
+        <a:xfrm>
+          <a:off x="0" y="0"/>
+          <a:ext cx="0" cy="0"/>
+          <a:chOff x="0" y="0"/>
+          <a:chExt cx="0" cy="0"/>
+        </a:xfrm>
+      </p:grpSpPr>
+      <p:sp>
+        <p:nvSpPr>
+          <p:cNvPr id="76" name="PlaceHolder 1"/>
+          <p:cNvSpPr>
+            <a:spLocks noGrp="1"/>
+          </p:cNvSpPr>
+          <p:nvPr>
+            <p:ph type="title"/>
+          </p:nvPr>
+        </p:nvSpPr>
+        <p:spPr>
+          <a:xfrm>
+            <a:off x="504000" y="301320"/>
+            <a:ext cx="9072000" cy="1261800"/>
+          </a:xfrm>
+          <a:prstGeom prst="rect">
+            <a:avLst/>
+          </a:prstGeom>
+        </p:spPr>
+        <p:txBody>
+          <a:bodyPr lIns="0" rIns="0" tIns="0" bIns="0" anchor="ctr"/>
+          <a:p>
+            <a:pPr algn="ctr"/>
+            <a:endParaRPr b="0" lang="en-US" sz="4400" spc="-1" strike="noStrike">
+              <a:solidFill>
+                <a:srgbClr val="000000"/>
+              </a:solidFill>
+              <a:uFill>
+                <a:solidFill>
+                  <a:srgbClr val="ffffff"/>
+                </a:solidFill>
+              </a:uFill>
+              <a:latin typeface="Arial"/>
+            </a:endParaRPr>
+          </a:p>
+        </p:txBody>
+      </p:sp>
+      <p:sp>
+        <p:nvSpPr>
+          <p:cNvPr id="77" name="PlaceHolder 2"/>
+          <p:cNvSpPr>
+            <a:spLocks noGrp="1"/>
+          </p:cNvSpPr>
+          <p:nvPr>
+            <p:ph type="body"/>
+          </p:nvPr>
+        </p:nvSpPr>
+        <p:spPr>
+          <a:xfrm>
+            <a:off x="504000" y="1768680"/>
+            <a:ext cx="9072000" cy="4384080"/>
+          </a:xfrm>
+          <a:prstGeom prst="rect">
+            <a:avLst/>
+          </a:prstGeom>
+        </p:spPr>
+        <p:txBody>
+          <a:bodyPr lIns="0" rIns="0" tIns="0" bIns="0"/>
+          <a:p>
+            <a:endParaRPr b="0" lang="en-US" sz="3200" spc="-1" strike="noStrike">
+              <a:solidFill>
+                <a:srgbClr val="000000"/>
+              </a:solidFill>
+              <a:uFill>
+                <a:solidFill>
+                  <a:srgbClr val="ffffff"/>
+                </a:solidFill>
+              </a:uFill>
+              <a:latin typeface="Arial"/>
+            </a:endParaRPr>
+          </a:p>
+        </p:txBody>
+      </p:sp>
+    </p:spTree>
+  </p:cSld>
+</p:sldLayout>
+</file>
+
+<file path=ppt/slideLayouts/slideLayout28.xml><?xml version="1.0" encoding="utf-8"?>
+<p:sldLayout xmlns:a="http://schemas.openxmlformats.org/drawingml/2006/main" xmlns:p="http://schemas.openxmlformats.org/presentationml/2006/main" xmlns:r="http://schemas.openxmlformats.org/officeDocument/2006/relationships" xmlns:p14="http://schemas.microsoft.com/office/powerpoint/2010/main" xmlns:p15="http://schemas.microsoft.com/office/powerpoint/2012/main" xmlns:mc="http://schemas.openxmlformats.org/markup-compatibility/2006" type="twoObj" preserve="1">
+  <p:cSld name="Title, 2 Content">
+    <p:spTree>
+      <p:nvGrpSpPr>
+        <p:cNvPr id="1" name=""/>
+        <p:cNvGrpSpPr/>
+        <p:nvPr/>
+      </p:nvGrpSpPr>
+      <p:grpSpPr>
+        <a:xfrm>
+          <a:off x="0" y="0"/>
+          <a:ext cx="0" cy="0"/>
+          <a:chOff x="0" y="0"/>
+          <a:chExt cx="0" cy="0"/>
+        </a:xfrm>
+      </p:grpSpPr>
+      <p:sp>
+        <p:nvSpPr>
+          <p:cNvPr id="78" name="PlaceHolder 1"/>
+          <p:cNvSpPr>
+            <a:spLocks noGrp="1"/>
+          </p:cNvSpPr>
+          <p:nvPr>
+            <p:ph type="title"/>
+          </p:nvPr>
+        </p:nvSpPr>
+        <p:spPr>
+          <a:xfrm>
+            <a:off x="504000" y="301320"/>
+            <a:ext cx="9072000" cy="1261800"/>
+          </a:xfrm>
+          <a:prstGeom prst="rect">
+            <a:avLst/>
+          </a:prstGeom>
+        </p:spPr>
+        <p:txBody>
+          <a:bodyPr lIns="0" rIns="0" tIns="0" bIns="0" anchor="ctr"/>
+          <a:p>
+            <a:pPr algn="ctr"/>
+            <a:endParaRPr b="0" lang="en-US" sz="4400" spc="-1" strike="noStrike">
+              <a:solidFill>
+                <a:srgbClr val="000000"/>
+              </a:solidFill>
+              <a:uFill>
+                <a:solidFill>
+                  <a:srgbClr val="ffffff"/>
+                </a:solidFill>
+              </a:uFill>
+              <a:latin typeface="Arial"/>
+            </a:endParaRPr>
+          </a:p>
+        </p:txBody>
+      </p:sp>
+      <p:sp>
+        <p:nvSpPr>
+          <p:cNvPr id="79" name="PlaceHolder 2"/>
+          <p:cNvSpPr>
+            <a:spLocks noGrp="1"/>
+          </p:cNvSpPr>
+          <p:nvPr>
+            <p:ph type="body"/>
+          </p:nvPr>
+        </p:nvSpPr>
+        <p:spPr>
+          <a:xfrm>
+            <a:off x="504000" y="1768680"/>
+            <a:ext cx="4426920" cy="4384080"/>
+          </a:xfrm>
+          <a:prstGeom prst="rect">
+            <a:avLst/>
+          </a:prstGeom>
+        </p:spPr>
+        <p:txBody>
+          <a:bodyPr lIns="0" rIns="0" tIns="0" bIns="0"/>
+          <a:p>
+            <a:endParaRPr b="0" lang="en-US" sz="3200" spc="-1" strike="noStrike">
+              <a:solidFill>
+                <a:srgbClr val="000000"/>
+              </a:solidFill>
+              <a:uFill>
+                <a:solidFill>
+                  <a:srgbClr val="ffffff"/>
+                </a:solidFill>
+              </a:uFill>
+              <a:latin typeface="Arial"/>
+            </a:endParaRPr>
+          </a:p>
+        </p:txBody>
+      </p:sp>
+      <p:sp>
+        <p:nvSpPr>
+          <p:cNvPr id="80" name="PlaceHolder 3"/>
+          <p:cNvSpPr>
+            <a:spLocks noGrp="1"/>
+          </p:cNvSpPr>
+          <p:nvPr>
+            <p:ph type="body"/>
+          </p:nvPr>
+        </p:nvSpPr>
+        <p:spPr>
+          <a:xfrm>
+            <a:off x="5152680" y="1768680"/>
+            <a:ext cx="4426920" cy="4384080"/>
+          </a:xfrm>
+          <a:prstGeom prst="rect">
+            <a:avLst/>
+          </a:prstGeom>
+        </p:spPr>
+        <p:txBody>
+          <a:bodyPr lIns="0" rIns="0" tIns="0" bIns="0"/>
+          <a:p>
+            <a:endParaRPr b="0" lang="en-US" sz="3200" spc="-1" strike="noStrike">
+              <a:solidFill>
+                <a:srgbClr val="000000"/>
+              </a:solidFill>
+              <a:uFill>
+                <a:solidFill>
+                  <a:srgbClr val="ffffff"/>
+                </a:solidFill>
+              </a:uFill>
+              <a:latin typeface="Arial"/>
+            </a:endParaRPr>
+          </a:p>
+        </p:txBody>
+      </p:sp>
+    </p:spTree>
+  </p:cSld>
+</p:sldLayout>
+</file>
+
+<file path=ppt/slideLayouts/slideLayout29.xml><?xml version="1.0" encoding="utf-8"?>
+<p:sldLayout xmlns:a="http://schemas.openxmlformats.org/drawingml/2006/main" xmlns:p="http://schemas.openxmlformats.org/presentationml/2006/main" xmlns:r="http://schemas.openxmlformats.org/officeDocument/2006/relationships" xmlns:p14="http://schemas.microsoft.com/office/powerpoint/2010/main" xmlns:p15="http://schemas.microsoft.com/office/powerpoint/2012/main" xmlns:mc="http://schemas.openxmlformats.org/markup-compatibility/2006" type="titleOnly" preserve="1">
+  <p:cSld name="Title Only">
+    <p:spTree>
+      <p:nvGrpSpPr>
+        <p:cNvPr id="1" name=""/>
+        <p:cNvGrpSpPr/>
+        <p:nvPr/>
+      </p:nvGrpSpPr>
+      <p:grpSpPr>
+        <a:xfrm>
+          <a:off x="0" y="0"/>
+          <a:ext cx="0" cy="0"/>
+          <a:chOff x="0" y="0"/>
+          <a:chExt cx="0" cy="0"/>
+        </a:xfrm>
+      </p:grpSpPr>
+      <p:sp>
+        <p:nvSpPr>
+          <p:cNvPr id="81" name="PlaceHolder 1"/>
+          <p:cNvSpPr>
+            <a:spLocks noGrp="1"/>
+          </p:cNvSpPr>
+          <p:nvPr>
+            <p:ph type="title"/>
+          </p:nvPr>
+        </p:nvSpPr>
+        <p:spPr>
+          <a:xfrm>
+            <a:off x="504000" y="301320"/>
+            <a:ext cx="9072000" cy="1261800"/>
+          </a:xfrm>
+          <a:prstGeom prst="rect">
+            <a:avLst/>
+          </a:prstGeom>
+        </p:spPr>
+        <p:txBody>
+          <a:bodyPr lIns="0" rIns="0" tIns="0" bIns="0" anchor="ctr"/>
+          <a:p>
+            <a:pPr algn="ctr"/>
+            <a:endParaRPr b="0" lang="en-US" sz="4400" spc="-1" strike="noStrike">
               <a:solidFill>
                 <a:srgbClr val="000000"/>
               </a:solidFill>
@@ -666,7 +2544,7 @@
       </p:grpSpPr>
       <p:sp>
         <p:nvSpPr>
-          <p:cNvPr id="7" name="PlaceHolder 1"/>
+          <p:cNvPr id="4" name="PlaceHolder 1"/>
           <p:cNvSpPr>
             <a:spLocks noGrp="1"/>
           </p:cNvSpPr>
@@ -677,7 +2555,7 @@
         <p:spPr>
           <a:xfrm>
             <a:off x="504000" y="301320"/>
-            <a:ext cx="9071640" cy="1262160"/>
+            <a:ext cx="9072000" cy="1261800"/>
           </a:xfrm>
           <a:prstGeom prst="rect">
             <a:avLst/>
@@ -703,7 +2581,7 @@
       </p:sp>
       <p:sp>
         <p:nvSpPr>
-          <p:cNvPr id="8" name="PlaceHolder 2"/>
+          <p:cNvPr id="5" name="PlaceHolder 2"/>
           <p:cNvSpPr>
             <a:spLocks noGrp="1"/>
           </p:cNvSpPr>
@@ -713,8 +2591,8 @@
         </p:nvSpPr>
         <p:spPr>
           <a:xfrm>
-            <a:off x="504000" y="1769040"/>
-            <a:ext cx="9071640" cy="4384440"/>
+            <a:off x="504000" y="1768680"/>
+            <a:ext cx="9072000" cy="4384080"/>
           </a:xfrm>
           <a:prstGeom prst="rect">
             <a:avLst/>
@@ -737,6 +2615,1077 @@
           </a:p>
         </p:txBody>
       </p:sp>
+    </p:spTree>
+  </p:cSld>
+</p:sldLayout>
+</file>
+
+<file path=ppt/slideLayouts/slideLayout30.xml><?xml version="1.0" encoding="utf-8"?>
+<p:sldLayout xmlns:a="http://schemas.openxmlformats.org/drawingml/2006/main" xmlns:p="http://schemas.openxmlformats.org/presentationml/2006/main" xmlns:r="http://schemas.openxmlformats.org/officeDocument/2006/relationships" xmlns:p14="http://schemas.microsoft.com/office/powerpoint/2010/main" xmlns:p15="http://schemas.microsoft.com/office/powerpoint/2012/main" xmlns:mc="http://schemas.openxmlformats.org/markup-compatibility/2006" type="objOnly" preserve="1">
+  <p:cSld name="Centered Text">
+    <p:spTree>
+      <p:nvGrpSpPr>
+        <p:cNvPr id="1" name=""/>
+        <p:cNvGrpSpPr/>
+        <p:nvPr/>
+      </p:nvGrpSpPr>
+      <p:grpSpPr>
+        <a:xfrm>
+          <a:off x="0" y="0"/>
+          <a:ext cx="0" cy="0"/>
+          <a:chOff x="0" y="0"/>
+          <a:chExt cx="0" cy="0"/>
+        </a:xfrm>
+      </p:grpSpPr>
+      <p:sp>
+        <p:nvSpPr>
+          <p:cNvPr id="82" name="PlaceHolder 1"/>
+          <p:cNvSpPr>
+            <a:spLocks noGrp="1"/>
+          </p:cNvSpPr>
+          <p:nvPr>
+            <p:ph type="subTitle"/>
+          </p:nvPr>
+        </p:nvSpPr>
+        <p:spPr>
+          <a:xfrm>
+            <a:off x="504000" y="301320"/>
+            <a:ext cx="9072000" cy="5850360"/>
+          </a:xfrm>
+          <a:prstGeom prst="rect">
+            <a:avLst/>
+          </a:prstGeom>
+        </p:spPr>
+        <p:txBody>
+          <a:bodyPr lIns="0" rIns="0" tIns="0" bIns="0" anchor="ctr"/>
+          <a:p>
+            <a:pPr algn="ctr"/>
+            <a:endParaRPr b="0" lang="en-US" sz="3200" spc="-1" strike="noStrike">
+              <a:solidFill>
+                <a:srgbClr val="000000"/>
+              </a:solidFill>
+              <a:uFill>
+                <a:solidFill>
+                  <a:srgbClr val="ffffff"/>
+                </a:solidFill>
+              </a:uFill>
+              <a:latin typeface="Arial"/>
+            </a:endParaRPr>
+          </a:p>
+        </p:txBody>
+      </p:sp>
+    </p:spTree>
+  </p:cSld>
+</p:sldLayout>
+</file>
+
+<file path=ppt/slideLayouts/slideLayout31.xml><?xml version="1.0" encoding="utf-8"?>
+<p:sldLayout xmlns:a="http://schemas.openxmlformats.org/drawingml/2006/main" xmlns:p="http://schemas.openxmlformats.org/presentationml/2006/main" xmlns:r="http://schemas.openxmlformats.org/officeDocument/2006/relationships" xmlns:p14="http://schemas.microsoft.com/office/powerpoint/2010/main" xmlns:p15="http://schemas.microsoft.com/office/powerpoint/2012/main" xmlns:mc="http://schemas.openxmlformats.org/markup-compatibility/2006" type="twoObjAndObj" preserve="1">
+  <p:cSld name="Title, 2 Content and Content">
+    <p:spTree>
+      <p:nvGrpSpPr>
+        <p:cNvPr id="1" name=""/>
+        <p:cNvGrpSpPr/>
+        <p:nvPr/>
+      </p:nvGrpSpPr>
+      <p:grpSpPr>
+        <a:xfrm>
+          <a:off x="0" y="0"/>
+          <a:ext cx="0" cy="0"/>
+          <a:chOff x="0" y="0"/>
+          <a:chExt cx="0" cy="0"/>
+        </a:xfrm>
+      </p:grpSpPr>
+      <p:sp>
+        <p:nvSpPr>
+          <p:cNvPr id="83" name="PlaceHolder 1"/>
+          <p:cNvSpPr>
+            <a:spLocks noGrp="1"/>
+          </p:cNvSpPr>
+          <p:nvPr>
+            <p:ph type="title"/>
+          </p:nvPr>
+        </p:nvSpPr>
+        <p:spPr>
+          <a:xfrm>
+            <a:off x="504000" y="301320"/>
+            <a:ext cx="9072000" cy="1261800"/>
+          </a:xfrm>
+          <a:prstGeom prst="rect">
+            <a:avLst/>
+          </a:prstGeom>
+        </p:spPr>
+        <p:txBody>
+          <a:bodyPr lIns="0" rIns="0" tIns="0" bIns="0" anchor="ctr"/>
+          <a:p>
+            <a:pPr algn="ctr"/>
+            <a:endParaRPr b="0" lang="en-US" sz="4400" spc="-1" strike="noStrike">
+              <a:solidFill>
+                <a:srgbClr val="000000"/>
+              </a:solidFill>
+              <a:uFill>
+                <a:solidFill>
+                  <a:srgbClr val="ffffff"/>
+                </a:solidFill>
+              </a:uFill>
+              <a:latin typeface="Arial"/>
+            </a:endParaRPr>
+          </a:p>
+        </p:txBody>
+      </p:sp>
+      <p:sp>
+        <p:nvSpPr>
+          <p:cNvPr id="84" name="PlaceHolder 2"/>
+          <p:cNvSpPr>
+            <a:spLocks noGrp="1"/>
+          </p:cNvSpPr>
+          <p:nvPr>
+            <p:ph type="body"/>
+          </p:nvPr>
+        </p:nvSpPr>
+        <p:spPr>
+          <a:xfrm>
+            <a:off x="504000" y="1768680"/>
+            <a:ext cx="4426920" cy="2090880"/>
+          </a:xfrm>
+          <a:prstGeom prst="rect">
+            <a:avLst/>
+          </a:prstGeom>
+        </p:spPr>
+        <p:txBody>
+          <a:bodyPr lIns="0" rIns="0" tIns="0" bIns="0"/>
+          <a:p>
+            <a:endParaRPr b="0" lang="en-US" sz="3200" spc="-1" strike="noStrike">
+              <a:solidFill>
+                <a:srgbClr val="000000"/>
+              </a:solidFill>
+              <a:uFill>
+                <a:solidFill>
+                  <a:srgbClr val="ffffff"/>
+                </a:solidFill>
+              </a:uFill>
+              <a:latin typeface="Arial"/>
+            </a:endParaRPr>
+          </a:p>
+        </p:txBody>
+      </p:sp>
+      <p:sp>
+        <p:nvSpPr>
+          <p:cNvPr id="85" name="PlaceHolder 3"/>
+          <p:cNvSpPr>
+            <a:spLocks noGrp="1"/>
+          </p:cNvSpPr>
+          <p:nvPr>
+            <p:ph type="body"/>
+          </p:nvPr>
+        </p:nvSpPr>
+        <p:spPr>
+          <a:xfrm>
+            <a:off x="504000" y="4058640"/>
+            <a:ext cx="4426920" cy="2090880"/>
+          </a:xfrm>
+          <a:prstGeom prst="rect">
+            <a:avLst/>
+          </a:prstGeom>
+        </p:spPr>
+        <p:txBody>
+          <a:bodyPr lIns="0" rIns="0" tIns="0" bIns="0"/>
+          <a:p>
+            <a:endParaRPr b="0" lang="en-US" sz="3200" spc="-1" strike="noStrike">
+              <a:solidFill>
+                <a:srgbClr val="000000"/>
+              </a:solidFill>
+              <a:uFill>
+                <a:solidFill>
+                  <a:srgbClr val="ffffff"/>
+                </a:solidFill>
+              </a:uFill>
+              <a:latin typeface="Arial"/>
+            </a:endParaRPr>
+          </a:p>
+        </p:txBody>
+      </p:sp>
+      <p:sp>
+        <p:nvSpPr>
+          <p:cNvPr id="86" name="PlaceHolder 4"/>
+          <p:cNvSpPr>
+            <a:spLocks noGrp="1"/>
+          </p:cNvSpPr>
+          <p:nvPr>
+            <p:ph type="body"/>
+          </p:nvPr>
+        </p:nvSpPr>
+        <p:spPr>
+          <a:xfrm>
+            <a:off x="5152680" y="1768680"/>
+            <a:ext cx="4426920" cy="4384080"/>
+          </a:xfrm>
+          <a:prstGeom prst="rect">
+            <a:avLst/>
+          </a:prstGeom>
+        </p:spPr>
+        <p:txBody>
+          <a:bodyPr lIns="0" rIns="0" tIns="0" bIns="0"/>
+          <a:p>
+            <a:endParaRPr b="0" lang="en-US" sz="3200" spc="-1" strike="noStrike">
+              <a:solidFill>
+                <a:srgbClr val="000000"/>
+              </a:solidFill>
+              <a:uFill>
+                <a:solidFill>
+                  <a:srgbClr val="ffffff"/>
+                </a:solidFill>
+              </a:uFill>
+              <a:latin typeface="Arial"/>
+            </a:endParaRPr>
+          </a:p>
+        </p:txBody>
+      </p:sp>
+    </p:spTree>
+  </p:cSld>
+</p:sldLayout>
+</file>
+
+<file path=ppt/slideLayouts/slideLayout32.xml><?xml version="1.0" encoding="utf-8"?>
+<p:sldLayout xmlns:a="http://schemas.openxmlformats.org/drawingml/2006/main" xmlns:p="http://schemas.openxmlformats.org/presentationml/2006/main" xmlns:r="http://schemas.openxmlformats.org/officeDocument/2006/relationships" xmlns:p14="http://schemas.microsoft.com/office/powerpoint/2010/main" xmlns:p15="http://schemas.microsoft.com/office/powerpoint/2012/main" xmlns:mc="http://schemas.openxmlformats.org/markup-compatibility/2006" type="objAndTwoObj" preserve="1">
+  <p:cSld name="Title Content and 2 Content">
+    <p:spTree>
+      <p:nvGrpSpPr>
+        <p:cNvPr id="1" name=""/>
+        <p:cNvGrpSpPr/>
+        <p:nvPr/>
+      </p:nvGrpSpPr>
+      <p:grpSpPr>
+        <a:xfrm>
+          <a:off x="0" y="0"/>
+          <a:ext cx="0" cy="0"/>
+          <a:chOff x="0" y="0"/>
+          <a:chExt cx="0" cy="0"/>
+        </a:xfrm>
+      </p:grpSpPr>
+      <p:sp>
+        <p:nvSpPr>
+          <p:cNvPr id="87" name="PlaceHolder 1"/>
+          <p:cNvSpPr>
+            <a:spLocks noGrp="1"/>
+          </p:cNvSpPr>
+          <p:nvPr>
+            <p:ph type="title"/>
+          </p:nvPr>
+        </p:nvSpPr>
+        <p:spPr>
+          <a:xfrm>
+            <a:off x="504000" y="301320"/>
+            <a:ext cx="9072000" cy="1261800"/>
+          </a:xfrm>
+          <a:prstGeom prst="rect">
+            <a:avLst/>
+          </a:prstGeom>
+        </p:spPr>
+        <p:txBody>
+          <a:bodyPr lIns="0" rIns="0" tIns="0" bIns="0" anchor="ctr"/>
+          <a:p>
+            <a:pPr algn="ctr"/>
+            <a:endParaRPr b="0" lang="en-US" sz="4400" spc="-1" strike="noStrike">
+              <a:solidFill>
+                <a:srgbClr val="000000"/>
+              </a:solidFill>
+              <a:uFill>
+                <a:solidFill>
+                  <a:srgbClr val="ffffff"/>
+                </a:solidFill>
+              </a:uFill>
+              <a:latin typeface="Arial"/>
+            </a:endParaRPr>
+          </a:p>
+        </p:txBody>
+      </p:sp>
+      <p:sp>
+        <p:nvSpPr>
+          <p:cNvPr id="88" name="PlaceHolder 2"/>
+          <p:cNvSpPr>
+            <a:spLocks noGrp="1"/>
+          </p:cNvSpPr>
+          <p:nvPr>
+            <p:ph type="body"/>
+          </p:nvPr>
+        </p:nvSpPr>
+        <p:spPr>
+          <a:xfrm>
+            <a:off x="504000" y="1768680"/>
+            <a:ext cx="4426920" cy="4384080"/>
+          </a:xfrm>
+          <a:prstGeom prst="rect">
+            <a:avLst/>
+          </a:prstGeom>
+        </p:spPr>
+        <p:txBody>
+          <a:bodyPr lIns="0" rIns="0" tIns="0" bIns="0"/>
+          <a:p>
+            <a:endParaRPr b="0" lang="en-US" sz="3200" spc="-1" strike="noStrike">
+              <a:solidFill>
+                <a:srgbClr val="000000"/>
+              </a:solidFill>
+              <a:uFill>
+                <a:solidFill>
+                  <a:srgbClr val="ffffff"/>
+                </a:solidFill>
+              </a:uFill>
+              <a:latin typeface="Arial"/>
+            </a:endParaRPr>
+          </a:p>
+        </p:txBody>
+      </p:sp>
+      <p:sp>
+        <p:nvSpPr>
+          <p:cNvPr id="89" name="PlaceHolder 3"/>
+          <p:cNvSpPr>
+            <a:spLocks noGrp="1"/>
+          </p:cNvSpPr>
+          <p:nvPr>
+            <p:ph type="body"/>
+          </p:nvPr>
+        </p:nvSpPr>
+        <p:spPr>
+          <a:xfrm>
+            <a:off x="5152680" y="1768680"/>
+            <a:ext cx="4426920" cy="2090880"/>
+          </a:xfrm>
+          <a:prstGeom prst="rect">
+            <a:avLst/>
+          </a:prstGeom>
+        </p:spPr>
+        <p:txBody>
+          <a:bodyPr lIns="0" rIns="0" tIns="0" bIns="0"/>
+          <a:p>
+            <a:endParaRPr b="0" lang="en-US" sz="3200" spc="-1" strike="noStrike">
+              <a:solidFill>
+                <a:srgbClr val="000000"/>
+              </a:solidFill>
+              <a:uFill>
+                <a:solidFill>
+                  <a:srgbClr val="ffffff"/>
+                </a:solidFill>
+              </a:uFill>
+              <a:latin typeface="Arial"/>
+            </a:endParaRPr>
+          </a:p>
+        </p:txBody>
+      </p:sp>
+      <p:sp>
+        <p:nvSpPr>
+          <p:cNvPr id="90" name="PlaceHolder 4"/>
+          <p:cNvSpPr>
+            <a:spLocks noGrp="1"/>
+          </p:cNvSpPr>
+          <p:nvPr>
+            <p:ph type="body"/>
+          </p:nvPr>
+        </p:nvSpPr>
+        <p:spPr>
+          <a:xfrm>
+            <a:off x="5152680" y="4058640"/>
+            <a:ext cx="4426920" cy="2090880"/>
+          </a:xfrm>
+          <a:prstGeom prst="rect">
+            <a:avLst/>
+          </a:prstGeom>
+        </p:spPr>
+        <p:txBody>
+          <a:bodyPr lIns="0" rIns="0" tIns="0" bIns="0"/>
+          <a:p>
+            <a:endParaRPr b="0" lang="en-US" sz="3200" spc="-1" strike="noStrike">
+              <a:solidFill>
+                <a:srgbClr val="000000"/>
+              </a:solidFill>
+              <a:uFill>
+                <a:solidFill>
+                  <a:srgbClr val="ffffff"/>
+                </a:solidFill>
+              </a:uFill>
+              <a:latin typeface="Arial"/>
+            </a:endParaRPr>
+          </a:p>
+        </p:txBody>
+      </p:sp>
+    </p:spTree>
+  </p:cSld>
+</p:sldLayout>
+</file>
+
+<file path=ppt/slideLayouts/slideLayout33.xml><?xml version="1.0" encoding="utf-8"?>
+<p:sldLayout xmlns:a="http://schemas.openxmlformats.org/drawingml/2006/main" xmlns:p="http://schemas.openxmlformats.org/presentationml/2006/main" xmlns:r="http://schemas.openxmlformats.org/officeDocument/2006/relationships" xmlns:p14="http://schemas.microsoft.com/office/powerpoint/2010/main" xmlns:p15="http://schemas.microsoft.com/office/powerpoint/2012/main" xmlns:mc="http://schemas.openxmlformats.org/markup-compatibility/2006" type="twoObjOverTx" preserve="1">
+  <p:cSld name="Title, 2 Content over Content">
+    <p:spTree>
+      <p:nvGrpSpPr>
+        <p:cNvPr id="1" name=""/>
+        <p:cNvGrpSpPr/>
+        <p:nvPr/>
+      </p:nvGrpSpPr>
+      <p:grpSpPr>
+        <a:xfrm>
+          <a:off x="0" y="0"/>
+          <a:ext cx="0" cy="0"/>
+          <a:chOff x="0" y="0"/>
+          <a:chExt cx="0" cy="0"/>
+        </a:xfrm>
+      </p:grpSpPr>
+      <p:sp>
+        <p:nvSpPr>
+          <p:cNvPr id="91" name="PlaceHolder 1"/>
+          <p:cNvSpPr>
+            <a:spLocks noGrp="1"/>
+          </p:cNvSpPr>
+          <p:nvPr>
+            <p:ph type="title"/>
+          </p:nvPr>
+        </p:nvSpPr>
+        <p:spPr>
+          <a:xfrm>
+            <a:off x="504000" y="301320"/>
+            <a:ext cx="9072000" cy="1261800"/>
+          </a:xfrm>
+          <a:prstGeom prst="rect">
+            <a:avLst/>
+          </a:prstGeom>
+        </p:spPr>
+        <p:txBody>
+          <a:bodyPr lIns="0" rIns="0" tIns="0" bIns="0" anchor="ctr"/>
+          <a:p>
+            <a:pPr algn="ctr"/>
+            <a:endParaRPr b="0" lang="en-US" sz="4400" spc="-1" strike="noStrike">
+              <a:solidFill>
+                <a:srgbClr val="000000"/>
+              </a:solidFill>
+              <a:uFill>
+                <a:solidFill>
+                  <a:srgbClr val="ffffff"/>
+                </a:solidFill>
+              </a:uFill>
+              <a:latin typeface="Arial"/>
+            </a:endParaRPr>
+          </a:p>
+        </p:txBody>
+      </p:sp>
+      <p:sp>
+        <p:nvSpPr>
+          <p:cNvPr id="92" name="PlaceHolder 2"/>
+          <p:cNvSpPr>
+            <a:spLocks noGrp="1"/>
+          </p:cNvSpPr>
+          <p:nvPr>
+            <p:ph type="body"/>
+          </p:nvPr>
+        </p:nvSpPr>
+        <p:spPr>
+          <a:xfrm>
+            <a:off x="504000" y="1768680"/>
+            <a:ext cx="4426920" cy="2090880"/>
+          </a:xfrm>
+          <a:prstGeom prst="rect">
+            <a:avLst/>
+          </a:prstGeom>
+        </p:spPr>
+        <p:txBody>
+          <a:bodyPr lIns="0" rIns="0" tIns="0" bIns="0"/>
+          <a:p>
+            <a:endParaRPr b="0" lang="en-US" sz="3200" spc="-1" strike="noStrike">
+              <a:solidFill>
+                <a:srgbClr val="000000"/>
+              </a:solidFill>
+              <a:uFill>
+                <a:solidFill>
+                  <a:srgbClr val="ffffff"/>
+                </a:solidFill>
+              </a:uFill>
+              <a:latin typeface="Arial"/>
+            </a:endParaRPr>
+          </a:p>
+        </p:txBody>
+      </p:sp>
+      <p:sp>
+        <p:nvSpPr>
+          <p:cNvPr id="93" name="PlaceHolder 3"/>
+          <p:cNvSpPr>
+            <a:spLocks noGrp="1"/>
+          </p:cNvSpPr>
+          <p:nvPr>
+            <p:ph type="body"/>
+          </p:nvPr>
+        </p:nvSpPr>
+        <p:spPr>
+          <a:xfrm>
+            <a:off x="5152680" y="1768680"/>
+            <a:ext cx="4426920" cy="2090880"/>
+          </a:xfrm>
+          <a:prstGeom prst="rect">
+            <a:avLst/>
+          </a:prstGeom>
+        </p:spPr>
+        <p:txBody>
+          <a:bodyPr lIns="0" rIns="0" tIns="0" bIns="0"/>
+          <a:p>
+            <a:endParaRPr b="0" lang="en-US" sz="3200" spc="-1" strike="noStrike">
+              <a:solidFill>
+                <a:srgbClr val="000000"/>
+              </a:solidFill>
+              <a:uFill>
+                <a:solidFill>
+                  <a:srgbClr val="ffffff"/>
+                </a:solidFill>
+              </a:uFill>
+              <a:latin typeface="Arial"/>
+            </a:endParaRPr>
+          </a:p>
+        </p:txBody>
+      </p:sp>
+      <p:sp>
+        <p:nvSpPr>
+          <p:cNvPr id="94" name="PlaceHolder 4"/>
+          <p:cNvSpPr>
+            <a:spLocks noGrp="1"/>
+          </p:cNvSpPr>
+          <p:nvPr>
+            <p:ph type="body"/>
+          </p:nvPr>
+        </p:nvSpPr>
+        <p:spPr>
+          <a:xfrm>
+            <a:off x="504000" y="4058640"/>
+            <a:ext cx="9072000" cy="2090880"/>
+          </a:xfrm>
+          <a:prstGeom prst="rect">
+            <a:avLst/>
+          </a:prstGeom>
+        </p:spPr>
+        <p:txBody>
+          <a:bodyPr lIns="0" rIns="0" tIns="0" bIns="0"/>
+          <a:p>
+            <a:endParaRPr b="0" lang="en-US" sz="3200" spc="-1" strike="noStrike">
+              <a:solidFill>
+                <a:srgbClr val="000000"/>
+              </a:solidFill>
+              <a:uFill>
+                <a:solidFill>
+                  <a:srgbClr val="ffffff"/>
+                </a:solidFill>
+              </a:uFill>
+              <a:latin typeface="Arial"/>
+            </a:endParaRPr>
+          </a:p>
+        </p:txBody>
+      </p:sp>
+    </p:spTree>
+  </p:cSld>
+</p:sldLayout>
+</file>
+
+<file path=ppt/slideLayouts/slideLayout34.xml><?xml version="1.0" encoding="utf-8"?>
+<p:sldLayout xmlns:a="http://schemas.openxmlformats.org/drawingml/2006/main" xmlns:p="http://schemas.openxmlformats.org/presentationml/2006/main" xmlns:r="http://schemas.openxmlformats.org/officeDocument/2006/relationships" xmlns:p14="http://schemas.microsoft.com/office/powerpoint/2010/main" xmlns:p15="http://schemas.microsoft.com/office/powerpoint/2012/main" xmlns:mc="http://schemas.openxmlformats.org/markup-compatibility/2006" type="objOverTx" preserve="1">
+  <p:cSld name="Title, Content over Content">
+    <p:spTree>
+      <p:nvGrpSpPr>
+        <p:cNvPr id="1" name=""/>
+        <p:cNvGrpSpPr/>
+        <p:nvPr/>
+      </p:nvGrpSpPr>
+      <p:grpSpPr>
+        <a:xfrm>
+          <a:off x="0" y="0"/>
+          <a:ext cx="0" cy="0"/>
+          <a:chOff x="0" y="0"/>
+          <a:chExt cx="0" cy="0"/>
+        </a:xfrm>
+      </p:grpSpPr>
+      <p:sp>
+        <p:nvSpPr>
+          <p:cNvPr id="95" name="PlaceHolder 1"/>
+          <p:cNvSpPr>
+            <a:spLocks noGrp="1"/>
+          </p:cNvSpPr>
+          <p:nvPr>
+            <p:ph type="title"/>
+          </p:nvPr>
+        </p:nvSpPr>
+        <p:spPr>
+          <a:xfrm>
+            <a:off x="504000" y="301320"/>
+            <a:ext cx="9072000" cy="1261800"/>
+          </a:xfrm>
+          <a:prstGeom prst="rect">
+            <a:avLst/>
+          </a:prstGeom>
+        </p:spPr>
+        <p:txBody>
+          <a:bodyPr lIns="0" rIns="0" tIns="0" bIns="0" anchor="ctr"/>
+          <a:p>
+            <a:pPr algn="ctr"/>
+            <a:endParaRPr b="0" lang="en-US" sz="4400" spc="-1" strike="noStrike">
+              <a:solidFill>
+                <a:srgbClr val="000000"/>
+              </a:solidFill>
+              <a:uFill>
+                <a:solidFill>
+                  <a:srgbClr val="ffffff"/>
+                </a:solidFill>
+              </a:uFill>
+              <a:latin typeface="Arial"/>
+            </a:endParaRPr>
+          </a:p>
+        </p:txBody>
+      </p:sp>
+      <p:sp>
+        <p:nvSpPr>
+          <p:cNvPr id="96" name="PlaceHolder 2"/>
+          <p:cNvSpPr>
+            <a:spLocks noGrp="1"/>
+          </p:cNvSpPr>
+          <p:nvPr>
+            <p:ph type="body"/>
+          </p:nvPr>
+        </p:nvSpPr>
+        <p:spPr>
+          <a:xfrm>
+            <a:off x="504000" y="1768680"/>
+            <a:ext cx="9072000" cy="2090880"/>
+          </a:xfrm>
+          <a:prstGeom prst="rect">
+            <a:avLst/>
+          </a:prstGeom>
+        </p:spPr>
+        <p:txBody>
+          <a:bodyPr lIns="0" rIns="0" tIns="0" bIns="0"/>
+          <a:p>
+            <a:endParaRPr b="0" lang="en-US" sz="3200" spc="-1" strike="noStrike">
+              <a:solidFill>
+                <a:srgbClr val="000000"/>
+              </a:solidFill>
+              <a:uFill>
+                <a:solidFill>
+                  <a:srgbClr val="ffffff"/>
+                </a:solidFill>
+              </a:uFill>
+              <a:latin typeface="Arial"/>
+            </a:endParaRPr>
+          </a:p>
+        </p:txBody>
+      </p:sp>
+      <p:sp>
+        <p:nvSpPr>
+          <p:cNvPr id="97" name="PlaceHolder 3"/>
+          <p:cNvSpPr>
+            <a:spLocks noGrp="1"/>
+          </p:cNvSpPr>
+          <p:nvPr>
+            <p:ph type="body"/>
+          </p:nvPr>
+        </p:nvSpPr>
+        <p:spPr>
+          <a:xfrm>
+            <a:off x="504000" y="4058640"/>
+            <a:ext cx="9072000" cy="2090880"/>
+          </a:xfrm>
+          <a:prstGeom prst="rect">
+            <a:avLst/>
+          </a:prstGeom>
+        </p:spPr>
+        <p:txBody>
+          <a:bodyPr lIns="0" rIns="0" tIns="0" bIns="0"/>
+          <a:p>
+            <a:endParaRPr b="0" lang="en-US" sz="3200" spc="-1" strike="noStrike">
+              <a:solidFill>
+                <a:srgbClr val="000000"/>
+              </a:solidFill>
+              <a:uFill>
+                <a:solidFill>
+                  <a:srgbClr val="ffffff"/>
+                </a:solidFill>
+              </a:uFill>
+              <a:latin typeface="Arial"/>
+            </a:endParaRPr>
+          </a:p>
+        </p:txBody>
+      </p:sp>
+    </p:spTree>
+  </p:cSld>
+</p:sldLayout>
+</file>
+
+<file path=ppt/slideLayouts/slideLayout35.xml><?xml version="1.0" encoding="utf-8"?>
+<p:sldLayout xmlns:a="http://schemas.openxmlformats.org/drawingml/2006/main" xmlns:p="http://schemas.openxmlformats.org/presentationml/2006/main" xmlns:r="http://schemas.openxmlformats.org/officeDocument/2006/relationships" xmlns:p14="http://schemas.microsoft.com/office/powerpoint/2010/main" xmlns:p15="http://schemas.microsoft.com/office/powerpoint/2012/main" xmlns:mc="http://schemas.openxmlformats.org/markup-compatibility/2006" type="fourObj" preserve="1">
+  <p:cSld name="Title, 4 Content">
+    <p:spTree>
+      <p:nvGrpSpPr>
+        <p:cNvPr id="1" name=""/>
+        <p:cNvGrpSpPr/>
+        <p:nvPr/>
+      </p:nvGrpSpPr>
+      <p:grpSpPr>
+        <a:xfrm>
+          <a:off x="0" y="0"/>
+          <a:ext cx="0" cy="0"/>
+          <a:chOff x="0" y="0"/>
+          <a:chExt cx="0" cy="0"/>
+        </a:xfrm>
+      </p:grpSpPr>
+      <p:sp>
+        <p:nvSpPr>
+          <p:cNvPr id="98" name="PlaceHolder 1"/>
+          <p:cNvSpPr>
+            <a:spLocks noGrp="1"/>
+          </p:cNvSpPr>
+          <p:nvPr>
+            <p:ph type="title"/>
+          </p:nvPr>
+        </p:nvSpPr>
+        <p:spPr>
+          <a:xfrm>
+            <a:off x="504000" y="301320"/>
+            <a:ext cx="9072000" cy="1261800"/>
+          </a:xfrm>
+          <a:prstGeom prst="rect">
+            <a:avLst/>
+          </a:prstGeom>
+        </p:spPr>
+        <p:txBody>
+          <a:bodyPr lIns="0" rIns="0" tIns="0" bIns="0" anchor="ctr"/>
+          <a:p>
+            <a:pPr algn="ctr"/>
+            <a:endParaRPr b="0" lang="en-US" sz="4400" spc="-1" strike="noStrike">
+              <a:solidFill>
+                <a:srgbClr val="000000"/>
+              </a:solidFill>
+              <a:uFill>
+                <a:solidFill>
+                  <a:srgbClr val="ffffff"/>
+                </a:solidFill>
+              </a:uFill>
+              <a:latin typeface="Arial"/>
+            </a:endParaRPr>
+          </a:p>
+        </p:txBody>
+      </p:sp>
+      <p:sp>
+        <p:nvSpPr>
+          <p:cNvPr id="99" name="PlaceHolder 2"/>
+          <p:cNvSpPr>
+            <a:spLocks noGrp="1"/>
+          </p:cNvSpPr>
+          <p:nvPr>
+            <p:ph type="body"/>
+          </p:nvPr>
+        </p:nvSpPr>
+        <p:spPr>
+          <a:xfrm>
+            <a:off x="504000" y="1768680"/>
+            <a:ext cx="4426920" cy="2090880"/>
+          </a:xfrm>
+          <a:prstGeom prst="rect">
+            <a:avLst/>
+          </a:prstGeom>
+        </p:spPr>
+        <p:txBody>
+          <a:bodyPr lIns="0" rIns="0" tIns="0" bIns="0"/>
+          <a:p>
+            <a:endParaRPr b="0" lang="en-US" sz="3200" spc="-1" strike="noStrike">
+              <a:solidFill>
+                <a:srgbClr val="000000"/>
+              </a:solidFill>
+              <a:uFill>
+                <a:solidFill>
+                  <a:srgbClr val="ffffff"/>
+                </a:solidFill>
+              </a:uFill>
+              <a:latin typeface="Arial"/>
+            </a:endParaRPr>
+          </a:p>
+        </p:txBody>
+      </p:sp>
+      <p:sp>
+        <p:nvSpPr>
+          <p:cNvPr id="100" name="PlaceHolder 3"/>
+          <p:cNvSpPr>
+            <a:spLocks noGrp="1"/>
+          </p:cNvSpPr>
+          <p:nvPr>
+            <p:ph type="body"/>
+          </p:nvPr>
+        </p:nvSpPr>
+        <p:spPr>
+          <a:xfrm>
+            <a:off x="5152680" y="1768680"/>
+            <a:ext cx="4426920" cy="2090880"/>
+          </a:xfrm>
+          <a:prstGeom prst="rect">
+            <a:avLst/>
+          </a:prstGeom>
+        </p:spPr>
+        <p:txBody>
+          <a:bodyPr lIns="0" rIns="0" tIns="0" bIns="0"/>
+          <a:p>
+            <a:endParaRPr b="0" lang="en-US" sz="3200" spc="-1" strike="noStrike">
+              <a:solidFill>
+                <a:srgbClr val="000000"/>
+              </a:solidFill>
+              <a:uFill>
+                <a:solidFill>
+                  <a:srgbClr val="ffffff"/>
+                </a:solidFill>
+              </a:uFill>
+              <a:latin typeface="Arial"/>
+            </a:endParaRPr>
+          </a:p>
+        </p:txBody>
+      </p:sp>
+      <p:sp>
+        <p:nvSpPr>
+          <p:cNvPr id="101" name="PlaceHolder 4"/>
+          <p:cNvSpPr>
+            <a:spLocks noGrp="1"/>
+          </p:cNvSpPr>
+          <p:nvPr>
+            <p:ph type="body"/>
+          </p:nvPr>
+        </p:nvSpPr>
+        <p:spPr>
+          <a:xfrm>
+            <a:off x="5152680" y="4058640"/>
+            <a:ext cx="4426920" cy="2090880"/>
+          </a:xfrm>
+          <a:prstGeom prst="rect">
+            <a:avLst/>
+          </a:prstGeom>
+        </p:spPr>
+        <p:txBody>
+          <a:bodyPr lIns="0" rIns="0" tIns="0" bIns="0"/>
+          <a:p>
+            <a:endParaRPr b="0" lang="en-US" sz="3200" spc="-1" strike="noStrike">
+              <a:solidFill>
+                <a:srgbClr val="000000"/>
+              </a:solidFill>
+              <a:uFill>
+                <a:solidFill>
+                  <a:srgbClr val="ffffff"/>
+                </a:solidFill>
+              </a:uFill>
+              <a:latin typeface="Arial"/>
+            </a:endParaRPr>
+          </a:p>
+        </p:txBody>
+      </p:sp>
+      <p:sp>
+        <p:nvSpPr>
+          <p:cNvPr id="102" name="PlaceHolder 5"/>
+          <p:cNvSpPr>
+            <a:spLocks noGrp="1"/>
+          </p:cNvSpPr>
+          <p:nvPr>
+            <p:ph type="body"/>
+          </p:nvPr>
+        </p:nvSpPr>
+        <p:spPr>
+          <a:xfrm>
+            <a:off x="504000" y="4058640"/>
+            <a:ext cx="4426920" cy="2090880"/>
+          </a:xfrm>
+          <a:prstGeom prst="rect">
+            <a:avLst/>
+          </a:prstGeom>
+        </p:spPr>
+        <p:txBody>
+          <a:bodyPr lIns="0" rIns="0" tIns="0" bIns="0"/>
+          <a:p>
+            <a:endParaRPr b="0" lang="en-US" sz="3200" spc="-1" strike="noStrike">
+              <a:solidFill>
+                <a:srgbClr val="000000"/>
+              </a:solidFill>
+              <a:uFill>
+                <a:solidFill>
+                  <a:srgbClr val="ffffff"/>
+                </a:solidFill>
+              </a:uFill>
+              <a:latin typeface="Arial"/>
+            </a:endParaRPr>
+          </a:p>
+        </p:txBody>
+      </p:sp>
+    </p:spTree>
+  </p:cSld>
+</p:sldLayout>
+</file>
+
+<file path=ppt/slideLayouts/slideLayout36.xml><?xml version="1.0" encoding="utf-8"?>
+<p:sldLayout xmlns:a="http://schemas.openxmlformats.org/drawingml/2006/main" xmlns:p="http://schemas.openxmlformats.org/presentationml/2006/main" xmlns:r="http://schemas.openxmlformats.org/officeDocument/2006/relationships" xmlns:p14="http://schemas.microsoft.com/office/powerpoint/2010/main" xmlns:p15="http://schemas.microsoft.com/office/powerpoint/2012/main" xmlns:mc="http://schemas.openxmlformats.org/markup-compatibility/2006" type="blank" preserve="1">
+  <p:cSld name="Title, 6 Content">
+    <p:spTree>
+      <p:nvGrpSpPr>
+        <p:cNvPr id="1" name=""/>
+        <p:cNvGrpSpPr/>
+        <p:nvPr/>
+      </p:nvGrpSpPr>
+      <p:grpSpPr>
+        <a:xfrm>
+          <a:off x="0" y="0"/>
+          <a:ext cx="0" cy="0"/>
+          <a:chOff x="0" y="0"/>
+          <a:chExt cx="0" cy="0"/>
+        </a:xfrm>
+      </p:grpSpPr>
+      <p:sp>
+        <p:nvSpPr>
+          <p:cNvPr id="103" name="PlaceHolder 1"/>
+          <p:cNvSpPr>
+            <a:spLocks noGrp="1"/>
+          </p:cNvSpPr>
+          <p:nvPr>
+            <p:ph type="title"/>
+          </p:nvPr>
+        </p:nvSpPr>
+        <p:spPr>
+          <a:xfrm>
+            <a:off x="504000" y="301320"/>
+            <a:ext cx="9072000" cy="1261800"/>
+          </a:xfrm>
+          <a:prstGeom prst="rect">
+            <a:avLst/>
+          </a:prstGeom>
+        </p:spPr>
+        <p:txBody>
+          <a:bodyPr lIns="0" rIns="0" tIns="0" bIns="0" anchor="ctr"/>
+          <a:p>
+            <a:pPr algn="ctr"/>
+            <a:endParaRPr b="0" lang="en-US" sz="4400" spc="-1" strike="noStrike">
+              <a:solidFill>
+                <a:srgbClr val="000000"/>
+              </a:solidFill>
+              <a:uFill>
+                <a:solidFill>
+                  <a:srgbClr val="ffffff"/>
+                </a:solidFill>
+              </a:uFill>
+              <a:latin typeface="Arial"/>
+            </a:endParaRPr>
+          </a:p>
+        </p:txBody>
+      </p:sp>
+      <p:sp>
+        <p:nvSpPr>
+          <p:cNvPr id="104" name="PlaceHolder 2"/>
+          <p:cNvSpPr>
+            <a:spLocks noGrp="1"/>
+          </p:cNvSpPr>
+          <p:nvPr>
+            <p:ph type="body"/>
+          </p:nvPr>
+        </p:nvSpPr>
+        <p:spPr>
+          <a:xfrm>
+            <a:off x="504000" y="1768680"/>
+            <a:ext cx="9072000" cy="4384080"/>
+          </a:xfrm>
+          <a:prstGeom prst="rect">
+            <a:avLst/>
+          </a:prstGeom>
+        </p:spPr>
+        <p:txBody>
+          <a:bodyPr lIns="0" rIns="0" tIns="0" bIns="0"/>
+          <a:p>
+            <a:endParaRPr b="0" lang="en-US" sz="3200" spc="-1" strike="noStrike">
+              <a:solidFill>
+                <a:srgbClr val="000000"/>
+              </a:solidFill>
+              <a:uFill>
+                <a:solidFill>
+                  <a:srgbClr val="ffffff"/>
+                </a:solidFill>
+              </a:uFill>
+              <a:latin typeface="Arial"/>
+            </a:endParaRPr>
+          </a:p>
+        </p:txBody>
+      </p:sp>
+      <p:sp>
+        <p:nvSpPr>
+          <p:cNvPr id="105" name="PlaceHolder 3"/>
+          <p:cNvSpPr>
+            <a:spLocks noGrp="1"/>
+          </p:cNvSpPr>
+          <p:nvPr>
+            <p:ph type="body"/>
+          </p:nvPr>
+        </p:nvSpPr>
+        <p:spPr>
+          <a:xfrm>
+            <a:off x="504000" y="1768680"/>
+            <a:ext cx="9072000" cy="4384080"/>
+          </a:xfrm>
+          <a:prstGeom prst="rect">
+            <a:avLst/>
+          </a:prstGeom>
+        </p:spPr>
+        <p:txBody>
+          <a:bodyPr lIns="0" rIns="0" tIns="0" bIns="0"/>
+          <a:p>
+            <a:endParaRPr b="0" lang="en-US" sz="3200" spc="-1" strike="noStrike">
+              <a:solidFill>
+                <a:srgbClr val="000000"/>
+              </a:solidFill>
+              <a:uFill>
+                <a:solidFill>
+                  <a:srgbClr val="ffffff"/>
+                </a:solidFill>
+              </a:uFill>
+              <a:latin typeface="Arial"/>
+            </a:endParaRPr>
+          </a:p>
+        </p:txBody>
+      </p:sp>
+      <p:pic>
+        <p:nvPicPr>
+          <p:cNvPr id="106" name="" descr=""/>
+          <p:cNvPicPr/>
+          <p:nvPr/>
+        </p:nvPicPr>
+        <p:blipFill>
+          <a:blip r:embed="rId2"/>
+          <a:stretch/>
+        </p:blipFill>
+        <p:spPr>
+          <a:xfrm>
+            <a:off x="2292480" y="1768680"/>
+            <a:ext cx="5494680" cy="4384080"/>
+          </a:xfrm>
+          <a:prstGeom prst="rect">
+            <a:avLst/>
+          </a:prstGeom>
+          <a:ln>
+            <a:noFill/>
+          </a:ln>
+        </p:spPr>
+      </p:pic>
+      <p:pic>
+        <p:nvPicPr>
+          <p:cNvPr id="107" name="" descr=""/>
+          <p:cNvPicPr/>
+          <p:nvPr/>
+        </p:nvPicPr>
+        <p:blipFill>
+          <a:blip r:embed="rId3"/>
+          <a:stretch/>
+        </p:blipFill>
+        <p:spPr>
+          <a:xfrm>
+            <a:off x="2292480" y="1768680"/>
+            <a:ext cx="5494680" cy="4384080"/>
+          </a:xfrm>
+          <a:prstGeom prst="rect">
+            <a:avLst/>
+          </a:prstGeom>
+          <a:ln>
+            <a:noFill/>
+          </a:ln>
+        </p:spPr>
+      </p:pic>
     </p:spTree>
   </p:cSld>
 </p:sldLayout>
@@ -761,7 +3710,7 @@
       </p:grpSpPr>
       <p:sp>
         <p:nvSpPr>
-          <p:cNvPr id="9" name="PlaceHolder 1"/>
+          <p:cNvPr id="6" name="PlaceHolder 1"/>
           <p:cNvSpPr>
             <a:spLocks noGrp="1"/>
           </p:cNvSpPr>
@@ -772,7 +3721,7 @@
         <p:spPr>
           <a:xfrm>
             <a:off x="504000" y="301320"/>
-            <a:ext cx="9071640" cy="1262160"/>
+            <a:ext cx="9072000" cy="1261800"/>
           </a:xfrm>
           <a:prstGeom prst="rect">
             <a:avLst/>
@@ -798,7 +3747,7 @@
       </p:sp>
       <p:sp>
         <p:nvSpPr>
-          <p:cNvPr id="10" name="PlaceHolder 2"/>
+          <p:cNvPr id="7" name="PlaceHolder 2"/>
           <p:cNvSpPr>
             <a:spLocks noGrp="1"/>
           </p:cNvSpPr>
@@ -808,8 +3757,8 @@
         </p:nvSpPr>
         <p:spPr>
           <a:xfrm>
-            <a:off x="504000" y="1769040"/>
-            <a:ext cx="4426920" cy="4384440"/>
+            <a:off x="504000" y="1768680"/>
+            <a:ext cx="4426920" cy="4384080"/>
           </a:xfrm>
           <a:prstGeom prst="rect">
             <a:avLst/>
@@ -834,7 +3783,7 @@
       </p:sp>
       <p:sp>
         <p:nvSpPr>
-          <p:cNvPr id="11" name="PlaceHolder 3"/>
+          <p:cNvPr id="8" name="PlaceHolder 3"/>
           <p:cNvSpPr>
             <a:spLocks noGrp="1"/>
           </p:cNvSpPr>
@@ -844,8 +3793,8 @@
         </p:nvSpPr>
         <p:spPr>
           <a:xfrm>
-            <a:off x="5152680" y="1769040"/>
-            <a:ext cx="4426920" cy="4384440"/>
+            <a:off x="5152680" y="1768680"/>
+            <a:ext cx="4426920" cy="4384080"/>
           </a:xfrm>
           <a:prstGeom prst="rect">
             <a:avLst/>
@@ -892,7 +3841,7 @@
       </p:grpSpPr>
       <p:sp>
         <p:nvSpPr>
-          <p:cNvPr id="12" name="PlaceHolder 1"/>
+          <p:cNvPr id="9" name="PlaceHolder 1"/>
           <p:cNvSpPr>
             <a:spLocks noGrp="1"/>
           </p:cNvSpPr>
@@ -903,7 +3852,7 @@
         <p:spPr>
           <a:xfrm>
             <a:off x="504000" y="301320"/>
-            <a:ext cx="9071640" cy="1262160"/>
+            <a:ext cx="9072000" cy="1261800"/>
           </a:xfrm>
           <a:prstGeom prst="rect">
             <a:avLst/>
@@ -951,7 +3900,7 @@
       </p:grpSpPr>
       <p:sp>
         <p:nvSpPr>
-          <p:cNvPr id="13" name="PlaceHolder 1"/>
+          <p:cNvPr id="10" name="PlaceHolder 1"/>
           <p:cNvSpPr>
             <a:spLocks noGrp="1"/>
           </p:cNvSpPr>
@@ -962,7 +3911,7 @@
         <p:spPr>
           <a:xfrm>
             <a:off x="504000" y="301320"/>
-            <a:ext cx="9071640" cy="5851800"/>
+            <a:ext cx="9072000" cy="5850360"/>
           </a:xfrm>
           <a:prstGeom prst="rect">
             <a:avLst/>
@@ -1010,7 +3959,7 @@
       </p:grpSpPr>
       <p:sp>
         <p:nvSpPr>
-          <p:cNvPr id="14" name="PlaceHolder 1"/>
+          <p:cNvPr id="11" name="PlaceHolder 1"/>
           <p:cNvSpPr>
             <a:spLocks noGrp="1"/>
           </p:cNvSpPr>
@@ -1021,7 +3970,7 @@
         <p:spPr>
           <a:xfrm>
             <a:off x="504000" y="301320"/>
-            <a:ext cx="9071640" cy="1262160"/>
+            <a:ext cx="9072000" cy="1261800"/>
           </a:xfrm>
           <a:prstGeom prst="rect">
             <a:avLst/>
@@ -1047,7 +3996,7 @@
       </p:sp>
       <p:sp>
         <p:nvSpPr>
-          <p:cNvPr id="15" name="PlaceHolder 2"/>
+          <p:cNvPr id="12" name="PlaceHolder 2"/>
           <p:cNvSpPr>
             <a:spLocks noGrp="1"/>
           </p:cNvSpPr>
@@ -1057,8 +4006,8 @@
         </p:nvSpPr>
         <p:spPr>
           <a:xfrm>
-            <a:off x="504000" y="1769040"/>
-            <a:ext cx="4426920" cy="2091240"/>
+            <a:off x="504000" y="1768680"/>
+            <a:ext cx="4426920" cy="2090880"/>
           </a:xfrm>
           <a:prstGeom prst="rect">
             <a:avLst/>
@@ -1083,7 +4032,7 @@
       </p:sp>
       <p:sp>
         <p:nvSpPr>
-          <p:cNvPr id="16" name="PlaceHolder 3"/>
+          <p:cNvPr id="13" name="PlaceHolder 3"/>
           <p:cNvSpPr>
             <a:spLocks noGrp="1"/>
           </p:cNvSpPr>
@@ -1093,8 +4042,8 @@
         </p:nvSpPr>
         <p:spPr>
           <a:xfrm>
-            <a:off x="504000" y="4059360"/>
-            <a:ext cx="4426920" cy="2091240"/>
+            <a:off x="504000" y="4058640"/>
+            <a:ext cx="4426920" cy="2090880"/>
           </a:xfrm>
           <a:prstGeom prst="rect">
             <a:avLst/>
@@ -1119,7 +4068,7 @@
       </p:sp>
       <p:sp>
         <p:nvSpPr>
-          <p:cNvPr id="17" name="PlaceHolder 4"/>
+          <p:cNvPr id="14" name="PlaceHolder 4"/>
           <p:cNvSpPr>
             <a:spLocks noGrp="1"/>
           </p:cNvSpPr>
@@ -1129,8 +4078,8 @@
         </p:nvSpPr>
         <p:spPr>
           <a:xfrm>
-            <a:off x="5152680" y="1769040"/>
-            <a:ext cx="4426920" cy="4384440"/>
+            <a:off x="5152680" y="1768680"/>
+            <a:ext cx="4426920" cy="4384080"/>
           </a:xfrm>
           <a:prstGeom prst="rect">
             <a:avLst/>
@@ -1177,7 +4126,7 @@
       </p:grpSpPr>
       <p:sp>
         <p:nvSpPr>
-          <p:cNvPr id="18" name="PlaceHolder 1"/>
+          <p:cNvPr id="15" name="PlaceHolder 1"/>
           <p:cNvSpPr>
             <a:spLocks noGrp="1"/>
           </p:cNvSpPr>
@@ -1188,7 +4137,7 @@
         <p:spPr>
           <a:xfrm>
             <a:off x="504000" y="301320"/>
-            <a:ext cx="9071640" cy="1262160"/>
+            <a:ext cx="9072000" cy="1261800"/>
           </a:xfrm>
           <a:prstGeom prst="rect">
             <a:avLst/>
@@ -1214,7 +4163,7 @@
       </p:sp>
       <p:sp>
         <p:nvSpPr>
-          <p:cNvPr id="19" name="PlaceHolder 2"/>
+          <p:cNvPr id="16" name="PlaceHolder 2"/>
           <p:cNvSpPr>
             <a:spLocks noGrp="1"/>
           </p:cNvSpPr>
@@ -1224,8 +4173,8 @@
         </p:nvSpPr>
         <p:spPr>
           <a:xfrm>
-            <a:off x="504000" y="1769040"/>
-            <a:ext cx="4426920" cy="4384440"/>
+            <a:off x="504000" y="1768680"/>
+            <a:ext cx="4426920" cy="4384080"/>
           </a:xfrm>
           <a:prstGeom prst="rect">
             <a:avLst/>
@@ -1250,7 +4199,7 @@
       </p:sp>
       <p:sp>
         <p:nvSpPr>
-          <p:cNvPr id="20" name="PlaceHolder 3"/>
+          <p:cNvPr id="17" name="PlaceHolder 3"/>
           <p:cNvSpPr>
             <a:spLocks noGrp="1"/>
           </p:cNvSpPr>
@@ -1260,8 +4209,8 @@
         </p:nvSpPr>
         <p:spPr>
           <a:xfrm>
-            <a:off x="5152680" y="1769040"/>
-            <a:ext cx="4426920" cy="2091240"/>
+            <a:off x="5152680" y="1768680"/>
+            <a:ext cx="4426920" cy="2090880"/>
           </a:xfrm>
           <a:prstGeom prst="rect">
             <a:avLst/>
@@ -1286,7 +4235,7 @@
       </p:sp>
       <p:sp>
         <p:nvSpPr>
-          <p:cNvPr id="21" name="PlaceHolder 4"/>
+          <p:cNvPr id="18" name="PlaceHolder 4"/>
           <p:cNvSpPr>
             <a:spLocks noGrp="1"/>
           </p:cNvSpPr>
@@ -1296,8 +4245,8 @@
         </p:nvSpPr>
         <p:spPr>
           <a:xfrm>
-            <a:off x="5152680" y="4059360"/>
-            <a:ext cx="4426920" cy="2091240"/>
+            <a:off x="5152680" y="4058640"/>
+            <a:ext cx="4426920" cy="2090880"/>
           </a:xfrm>
           <a:prstGeom prst="rect">
             <a:avLst/>
@@ -1344,7 +4293,7 @@
       </p:grpSpPr>
       <p:sp>
         <p:nvSpPr>
-          <p:cNvPr id="22" name="PlaceHolder 1"/>
+          <p:cNvPr id="19" name="PlaceHolder 1"/>
           <p:cNvSpPr>
             <a:spLocks noGrp="1"/>
           </p:cNvSpPr>
@@ -1355,7 +4304,7 @@
         <p:spPr>
           <a:xfrm>
             <a:off x="504000" y="301320"/>
-            <a:ext cx="9071640" cy="1262160"/>
+            <a:ext cx="9072000" cy="1261800"/>
           </a:xfrm>
           <a:prstGeom prst="rect">
             <a:avLst/>
@@ -1381,7 +4330,7 @@
       </p:sp>
       <p:sp>
         <p:nvSpPr>
-          <p:cNvPr id="23" name="PlaceHolder 2"/>
+          <p:cNvPr id="20" name="PlaceHolder 2"/>
           <p:cNvSpPr>
             <a:spLocks noGrp="1"/>
           </p:cNvSpPr>
@@ -1391,8 +4340,8 @@
         </p:nvSpPr>
         <p:spPr>
           <a:xfrm>
-            <a:off x="504000" y="1769040"/>
-            <a:ext cx="4426920" cy="2091240"/>
+            <a:off x="504000" y="1768680"/>
+            <a:ext cx="4426920" cy="2090880"/>
           </a:xfrm>
           <a:prstGeom prst="rect">
             <a:avLst/>
@@ -1417,7 +4366,7 @@
       </p:sp>
       <p:sp>
         <p:nvSpPr>
-          <p:cNvPr id="24" name="PlaceHolder 3"/>
+          <p:cNvPr id="21" name="PlaceHolder 3"/>
           <p:cNvSpPr>
             <a:spLocks noGrp="1"/>
           </p:cNvSpPr>
@@ -1427,8 +4376,8 @@
         </p:nvSpPr>
         <p:spPr>
           <a:xfrm>
-            <a:off x="5152680" y="1769040"/>
-            <a:ext cx="4426920" cy="2091240"/>
+            <a:off x="5152680" y="1768680"/>
+            <a:ext cx="4426920" cy="2090880"/>
           </a:xfrm>
           <a:prstGeom prst="rect">
             <a:avLst/>
@@ -1453,7 +4402,7 @@
       </p:sp>
       <p:sp>
         <p:nvSpPr>
-          <p:cNvPr id="25" name="PlaceHolder 4"/>
+          <p:cNvPr id="22" name="PlaceHolder 4"/>
           <p:cNvSpPr>
             <a:spLocks noGrp="1"/>
           </p:cNvSpPr>
@@ -1463,8 +4412,8 @@
         </p:nvSpPr>
         <p:spPr>
           <a:xfrm>
-            <a:off x="504000" y="4059360"/>
-            <a:ext cx="9071640" cy="2091240"/>
+            <a:off x="504000" y="4058640"/>
+            <a:ext cx="9072000" cy="2090880"/>
           </a:xfrm>
           <a:prstGeom prst="rect">
             <a:avLst/>
@@ -1522,7 +4471,7 @@
         <p:spPr>
           <a:xfrm>
             <a:off x="504000" y="301320"/>
-            <a:ext cx="9071640" cy="1262160"/>
+            <a:ext cx="9072000" cy="1261800"/>
           </a:xfrm>
           <a:prstGeom prst="rect">
             <a:avLst/>
@@ -1572,8 +4521,8 @@
         </p:nvSpPr>
         <p:spPr>
           <a:xfrm>
-            <a:off x="504000" y="1769040"/>
-            <a:ext cx="9071640" cy="4384440"/>
+            <a:off x="504000" y="1768680"/>
+            <a:ext cx="9072000" cy="4384080"/>
           </a:xfrm>
           <a:prstGeom prst="rect">
             <a:avLst/>
@@ -1824,158 +4773,6 @@
                 </a:solidFill>
               </a:uFill>
               <a:latin typeface="Arial"/>
-            </a:endParaRPr>
-          </a:p>
-        </p:txBody>
-      </p:sp>
-      <p:sp>
-        <p:nvSpPr>
-          <p:cNvPr id="2" name="PlaceHolder 3"/>
-          <p:cNvSpPr>
-            <a:spLocks noGrp="1"/>
-          </p:cNvSpPr>
-          <p:nvPr>
-            <p:ph type="dt"/>
-          </p:nvPr>
-        </p:nvSpPr>
-        <p:spPr>
-          <a:xfrm>
-            <a:off x="504000" y="6887160"/>
-            <a:ext cx="2348280" cy="521280"/>
-          </a:xfrm>
-          <a:prstGeom prst="rect">
-            <a:avLst/>
-          </a:prstGeom>
-        </p:spPr>
-        <p:txBody>
-          <a:bodyPr lIns="0" rIns="0" tIns="0" bIns="0"/>
-          <a:p>
-            <a:r>
-              <a:rPr b="0" lang="en-US" sz="1400" spc="-1" strike="noStrike">
-                <a:solidFill>
-                  <a:srgbClr val="000000"/>
-                </a:solidFill>
-                <a:uFill>
-                  <a:solidFill>
-                    <a:srgbClr val="ffffff"/>
-                  </a:solidFill>
-                </a:uFill>
-                <a:latin typeface="Times New Roman"/>
-              </a:rPr>
-              <a:t>&lt;date/time&gt;</a:t>
-            </a:r>
-            <a:endParaRPr b="0" lang="en-US" sz="1400" spc="-1" strike="noStrike">
-              <a:solidFill>
-                <a:srgbClr val="000000"/>
-              </a:solidFill>
-              <a:uFill>
-                <a:solidFill>
-                  <a:srgbClr val="ffffff"/>
-                </a:solidFill>
-              </a:uFill>
-              <a:latin typeface="Times New Roman"/>
-            </a:endParaRPr>
-          </a:p>
-        </p:txBody>
-      </p:sp>
-      <p:sp>
-        <p:nvSpPr>
-          <p:cNvPr id="3" name="PlaceHolder 4"/>
-          <p:cNvSpPr>
-            <a:spLocks noGrp="1"/>
-          </p:cNvSpPr>
-          <p:nvPr>
-            <p:ph type="ftr"/>
-          </p:nvPr>
-        </p:nvSpPr>
-        <p:spPr>
-          <a:xfrm>
-            <a:off x="3447360" y="6887160"/>
-            <a:ext cx="3195000" cy="521280"/>
-          </a:xfrm>
-          <a:prstGeom prst="rect">
-            <a:avLst/>
-          </a:prstGeom>
-        </p:spPr>
-        <p:txBody>
-          <a:bodyPr lIns="0" rIns="0" tIns="0" bIns="0"/>
-          <a:p>
-            <a:pPr algn="ctr"/>
-            <a:r>
-              <a:rPr b="0" lang="en-US" sz="1400" spc="-1" strike="noStrike">
-                <a:solidFill>
-                  <a:srgbClr val="000000"/>
-                </a:solidFill>
-                <a:uFill>
-                  <a:solidFill>
-                    <a:srgbClr val="ffffff"/>
-                  </a:solidFill>
-                </a:uFill>
-                <a:latin typeface="Times New Roman"/>
-              </a:rPr>
-              <a:t>&lt;footer&gt;</a:t>
-            </a:r>
-            <a:endParaRPr b="0" lang="en-US" sz="1400" spc="-1" strike="noStrike">
-              <a:solidFill>
-                <a:srgbClr val="000000"/>
-              </a:solidFill>
-              <a:uFill>
-                <a:solidFill>
-                  <a:srgbClr val="ffffff"/>
-                </a:solidFill>
-              </a:uFill>
-              <a:latin typeface="Times New Roman"/>
-            </a:endParaRPr>
-          </a:p>
-        </p:txBody>
-      </p:sp>
-      <p:sp>
-        <p:nvSpPr>
-          <p:cNvPr id="4" name="PlaceHolder 5"/>
-          <p:cNvSpPr>
-            <a:spLocks noGrp="1"/>
-          </p:cNvSpPr>
-          <p:nvPr>
-            <p:ph type="sldNum"/>
-          </p:nvPr>
-        </p:nvSpPr>
-        <p:spPr>
-          <a:xfrm>
-            <a:off x="7227360" y="6887160"/>
-            <a:ext cx="2348280" cy="521280"/>
-          </a:xfrm>
-          <a:prstGeom prst="rect">
-            <a:avLst/>
-          </a:prstGeom>
-        </p:spPr>
-        <p:txBody>
-          <a:bodyPr lIns="0" rIns="0" tIns="0" bIns="0"/>
-          <a:p>
-            <a:pPr algn="r"/>
-            <a:fld id="{47F9F35C-B273-41E6-A04F-6F1B2A731FF0}" type="slidenum">
-              <a:rPr b="0" lang="en-US" sz="1400" spc="-1" strike="noStrike">
-                <a:solidFill>
-                  <a:srgbClr val="000000"/>
-                </a:solidFill>
-                <a:uFill>
-                  <a:solidFill>
-                    <a:srgbClr val="ffffff"/>
-                  </a:solidFill>
-                </a:uFill>
-                <a:latin typeface="Times New Roman"/>
-              </a:rPr>
-              <a:t>&lt;number&gt;</a:t>
-            </a:fld>
-            <a:endParaRPr b="0" lang="en-US" sz="1400" spc="-1" strike="noStrike">
-              <a:solidFill>
-                <a:srgbClr val="000000"/>
-              </a:solidFill>
-              <a:uFill>
-                <a:solidFill>
-                  <a:srgbClr val="ffffff"/>
-                </a:solidFill>
-              </a:uFill>
-              <a:latin typeface="Times New Roman"/>
             </a:endParaRPr>
           </a:p>
         </p:txBody>
@@ -1996,6 +4793,704 @@
     <p:sldLayoutId id="2147483658" r:id="rId11"/>
     <p:sldLayoutId id="2147483659" r:id="rId12"/>
     <p:sldLayoutId id="2147483660" r:id="rId13"/>
+  </p:sldLayoutIdLst>
+</p:sldMaster>
+</file>
+
+<file path=ppt/slideMasters/slideMaster2.xml><?xml version="1.0" encoding="utf-8"?>
+<p:sldMaster xmlns:a="http://schemas.openxmlformats.org/drawingml/2006/main" xmlns:p="http://schemas.openxmlformats.org/presentationml/2006/main" xmlns:r="http://schemas.openxmlformats.org/officeDocument/2006/relationships" xmlns:p14="http://schemas.microsoft.com/office/powerpoint/2010/main" xmlns:p15="http://schemas.microsoft.com/office/powerpoint/2012/main" xmlns:mc="http://schemas.openxmlformats.org/markup-compatibility/2006">
+  <p:cSld>
+    <p:spTree>
+      <p:nvGrpSpPr>
+        <p:cNvPr id="1" name=""/>
+        <p:cNvGrpSpPr/>
+        <p:nvPr/>
+      </p:nvGrpSpPr>
+      <p:grpSpPr>
+        <a:xfrm>
+          <a:off x="0" y="0"/>
+          <a:ext cx="0" cy="0"/>
+          <a:chOff x="0" y="0"/>
+          <a:chExt cx="0" cy="0"/>
+        </a:xfrm>
+      </p:grpSpPr>
+      <p:sp>
+        <p:nvSpPr>
+          <p:cNvPr id="36" name="PlaceHolder 1"/>
+          <p:cNvSpPr>
+            <a:spLocks noGrp="1"/>
+          </p:cNvSpPr>
+          <p:nvPr>
+            <p:ph type="title"/>
+          </p:nvPr>
+        </p:nvSpPr>
+        <p:spPr>
+          <a:xfrm>
+            <a:off x="504000" y="301320"/>
+            <a:ext cx="9071280" cy="1261800"/>
+          </a:xfrm>
+          <a:prstGeom prst="rect">
+            <a:avLst/>
+          </a:prstGeom>
+        </p:spPr>
+        <p:txBody>
+          <a:bodyPr lIns="0" rIns="0" tIns="0" bIns="0" anchor="ctr"/>
+          <a:p>
+            <a:pPr algn="ctr"/>
+            <a:endParaRPr b="0" lang="en-US" sz="4400" spc="-1" strike="noStrike">
+              <a:solidFill>
+                <a:srgbClr val="000000"/>
+              </a:solidFill>
+              <a:uFill>
+                <a:solidFill>
+                  <a:srgbClr val="ffffff"/>
+                </a:solidFill>
+              </a:uFill>
+              <a:latin typeface="Arial"/>
+            </a:endParaRPr>
+          </a:p>
+        </p:txBody>
+      </p:sp>
+      <p:sp>
+        <p:nvSpPr>
+          <p:cNvPr id="37" name="PlaceHolder 2"/>
+          <p:cNvSpPr>
+            <a:spLocks noGrp="1"/>
+          </p:cNvSpPr>
+          <p:nvPr>
+            <p:ph type="body"/>
+          </p:nvPr>
+        </p:nvSpPr>
+        <p:spPr>
+          <a:xfrm>
+            <a:off x="504000" y="1769040"/>
+            <a:ext cx="9071280" cy="4384080"/>
+          </a:xfrm>
+          <a:prstGeom prst="rect">
+            <a:avLst/>
+          </a:prstGeom>
+        </p:spPr>
+        <p:txBody>
+          <a:bodyPr lIns="0" rIns="0" tIns="0" bIns="0"/>
+          <a:p>
+            <a:pPr marL="432000" indent="-324000">
+              <a:buClr>
+                <a:srgbClr val="000000"/>
+              </a:buClr>
+              <a:buSzPct val="45000"/>
+              <a:buFont typeface="Wingdings" charset="2"/>
+              <a:buChar char=""/>
+            </a:pPr>
+            <a:r>
+              <a:rPr b="0" lang="en-US" sz="1800" spc="-1" strike="noStrike">
+                <a:solidFill>
+                  <a:srgbClr val="000000"/>
+                </a:solidFill>
+                <a:uFill>
+                  <a:solidFill>
+                    <a:srgbClr val="ffffff"/>
+                  </a:solidFill>
+                </a:uFill>
+                <a:latin typeface="Arial"/>
+              </a:rPr>
+              <a:t>Click to edit the outline text format</a:t>
+            </a:r>
+            <a:endParaRPr b="0" lang="en-US" sz="1800" spc="-1" strike="noStrike">
+              <a:solidFill>
+                <a:srgbClr val="000000"/>
+              </a:solidFill>
+              <a:uFill>
+                <a:solidFill>
+                  <a:srgbClr val="ffffff"/>
+                </a:solidFill>
+              </a:uFill>
+              <a:latin typeface="Arial"/>
+            </a:endParaRPr>
+          </a:p>
+          <a:p>
+            <a:pPr lvl="1" marL="864000" indent="-324000">
+              <a:buClr>
+                <a:srgbClr val="000000"/>
+              </a:buClr>
+              <a:buSzPct val="75000"/>
+              <a:buFont typeface="Symbol" charset="2"/>
+              <a:buChar char=""/>
+            </a:pPr>
+            <a:r>
+              <a:rPr b="0" lang="en-US" sz="1800" spc="-1" strike="noStrike">
+                <a:solidFill>
+                  <a:srgbClr val="000000"/>
+                </a:solidFill>
+                <a:uFill>
+                  <a:solidFill>
+                    <a:srgbClr val="ffffff"/>
+                  </a:solidFill>
+                </a:uFill>
+                <a:latin typeface="Arial"/>
+              </a:rPr>
+              <a:t>Second Outline Level</a:t>
+            </a:r>
+            <a:endParaRPr b="0" lang="en-US" sz="1800" spc="-1" strike="noStrike">
+              <a:solidFill>
+                <a:srgbClr val="000000"/>
+              </a:solidFill>
+              <a:uFill>
+                <a:solidFill>
+                  <a:srgbClr val="ffffff"/>
+                </a:solidFill>
+              </a:uFill>
+              <a:latin typeface="Arial"/>
+            </a:endParaRPr>
+          </a:p>
+          <a:p>
+            <a:pPr lvl="2" marL="1296000" indent="-288000">
+              <a:buClr>
+                <a:srgbClr val="000000"/>
+              </a:buClr>
+              <a:buSzPct val="45000"/>
+              <a:buFont typeface="Wingdings" charset="2"/>
+              <a:buChar char=""/>
+            </a:pPr>
+            <a:r>
+              <a:rPr b="0" lang="en-US" sz="1800" spc="-1" strike="noStrike">
+                <a:solidFill>
+                  <a:srgbClr val="000000"/>
+                </a:solidFill>
+                <a:uFill>
+                  <a:solidFill>
+                    <a:srgbClr val="ffffff"/>
+                  </a:solidFill>
+                </a:uFill>
+                <a:latin typeface="Arial"/>
+              </a:rPr>
+              <a:t>Third Outline Level</a:t>
+            </a:r>
+            <a:endParaRPr b="0" lang="en-US" sz="1800" spc="-1" strike="noStrike">
+              <a:solidFill>
+                <a:srgbClr val="000000"/>
+              </a:solidFill>
+              <a:uFill>
+                <a:solidFill>
+                  <a:srgbClr val="ffffff"/>
+                </a:solidFill>
+              </a:uFill>
+              <a:latin typeface="Arial"/>
+            </a:endParaRPr>
+          </a:p>
+          <a:p>
+            <a:pPr lvl="3" marL="1728000" indent="-216000">
+              <a:buClr>
+                <a:srgbClr val="000000"/>
+              </a:buClr>
+              <a:buSzPct val="75000"/>
+              <a:buFont typeface="Symbol" charset="2"/>
+              <a:buChar char=""/>
+            </a:pPr>
+            <a:r>
+              <a:rPr b="0" lang="en-US" sz="1800" spc="-1" strike="noStrike">
+                <a:solidFill>
+                  <a:srgbClr val="000000"/>
+                </a:solidFill>
+                <a:uFill>
+                  <a:solidFill>
+                    <a:srgbClr val="ffffff"/>
+                  </a:solidFill>
+                </a:uFill>
+                <a:latin typeface="Arial"/>
+              </a:rPr>
+              <a:t>Fourth Outline Level</a:t>
+            </a:r>
+            <a:endParaRPr b="0" lang="en-US" sz="1800" spc="-1" strike="noStrike">
+              <a:solidFill>
+                <a:srgbClr val="000000"/>
+              </a:solidFill>
+              <a:uFill>
+                <a:solidFill>
+                  <a:srgbClr val="ffffff"/>
+                </a:solidFill>
+              </a:uFill>
+              <a:latin typeface="Arial"/>
+            </a:endParaRPr>
+          </a:p>
+          <a:p>
+            <a:pPr lvl="4" marL="2160000" indent="-216000">
+              <a:buClr>
+                <a:srgbClr val="000000"/>
+              </a:buClr>
+              <a:buSzPct val="45000"/>
+              <a:buFont typeface="Wingdings" charset="2"/>
+              <a:buChar char=""/>
+            </a:pPr>
+            <a:r>
+              <a:rPr b="0" lang="en-US" sz="1800" spc="-1" strike="noStrike">
+                <a:solidFill>
+                  <a:srgbClr val="000000"/>
+                </a:solidFill>
+                <a:uFill>
+                  <a:solidFill>
+                    <a:srgbClr val="ffffff"/>
+                  </a:solidFill>
+                </a:uFill>
+                <a:latin typeface="Arial"/>
+              </a:rPr>
+              <a:t>Fifth Outline Level</a:t>
+            </a:r>
+            <a:endParaRPr b="0" lang="en-US" sz="1800" spc="-1" strike="noStrike">
+              <a:solidFill>
+                <a:srgbClr val="000000"/>
+              </a:solidFill>
+              <a:uFill>
+                <a:solidFill>
+                  <a:srgbClr val="ffffff"/>
+                </a:solidFill>
+              </a:uFill>
+              <a:latin typeface="Arial"/>
+            </a:endParaRPr>
+          </a:p>
+          <a:p>
+            <a:pPr lvl="5" marL="2592000" indent="-216000">
+              <a:buClr>
+                <a:srgbClr val="000000"/>
+              </a:buClr>
+              <a:buSzPct val="45000"/>
+              <a:buFont typeface="Wingdings" charset="2"/>
+              <a:buChar char=""/>
+            </a:pPr>
+            <a:r>
+              <a:rPr b="0" lang="en-US" sz="1800" spc="-1" strike="noStrike">
+                <a:solidFill>
+                  <a:srgbClr val="000000"/>
+                </a:solidFill>
+                <a:uFill>
+                  <a:solidFill>
+                    <a:srgbClr val="ffffff"/>
+                  </a:solidFill>
+                </a:uFill>
+                <a:latin typeface="Arial"/>
+              </a:rPr>
+              <a:t>Sixth Outline Level</a:t>
+            </a:r>
+            <a:endParaRPr b="0" lang="en-US" sz="1800" spc="-1" strike="noStrike">
+              <a:solidFill>
+                <a:srgbClr val="000000"/>
+              </a:solidFill>
+              <a:uFill>
+                <a:solidFill>
+                  <a:srgbClr val="ffffff"/>
+                </a:solidFill>
+              </a:uFill>
+              <a:latin typeface="Arial"/>
+            </a:endParaRPr>
+          </a:p>
+          <a:p>
+            <a:pPr lvl="6" marL="3024000" indent="-216000">
+              <a:buClr>
+                <a:srgbClr val="000000"/>
+              </a:buClr>
+              <a:buSzPct val="45000"/>
+              <a:buFont typeface="Wingdings" charset="2"/>
+              <a:buChar char=""/>
+            </a:pPr>
+            <a:r>
+              <a:rPr b="0" lang="en-US" sz="1800" spc="-1" strike="noStrike">
+                <a:solidFill>
+                  <a:srgbClr val="000000"/>
+                </a:solidFill>
+                <a:uFill>
+                  <a:solidFill>
+                    <a:srgbClr val="ffffff"/>
+                  </a:solidFill>
+                </a:uFill>
+                <a:latin typeface="Arial"/>
+              </a:rPr>
+              <a:t>Seventh Outline Level</a:t>
+            </a:r>
+            <a:endParaRPr b="0" lang="en-US" sz="1800" spc="-1" strike="noStrike">
+              <a:solidFill>
+                <a:srgbClr val="000000"/>
+              </a:solidFill>
+              <a:uFill>
+                <a:solidFill>
+                  <a:srgbClr val="ffffff"/>
+                </a:solidFill>
+              </a:uFill>
+              <a:latin typeface="Arial"/>
+            </a:endParaRPr>
+          </a:p>
+        </p:txBody>
+      </p:sp>
+    </p:spTree>
+  </p:cSld>
+  <p:clrMap bg1="lt1" bg2="lt2" tx1="dk1" tx2="dk2" accent1="accent1" accent2="accent2" accent3="accent3" accent4="accent4" accent5="accent5" accent6="accent6" hlink="hlink" folHlink="folHlink"/>
+  <p:sldLayoutIdLst>
+    <p:sldLayoutId id="2147483662" r:id="rId2"/>
+    <p:sldLayoutId id="2147483663" r:id="rId3"/>
+    <p:sldLayoutId id="2147483664" r:id="rId4"/>
+    <p:sldLayoutId id="2147483665" r:id="rId5"/>
+    <p:sldLayoutId id="2147483666" r:id="rId6"/>
+    <p:sldLayoutId id="2147483667" r:id="rId7"/>
+    <p:sldLayoutId id="2147483668" r:id="rId8"/>
+    <p:sldLayoutId id="2147483669" r:id="rId9"/>
+    <p:sldLayoutId id="2147483670" r:id="rId10"/>
+    <p:sldLayoutId id="2147483671" r:id="rId11"/>
+    <p:sldLayoutId id="2147483672" r:id="rId12"/>
+    <p:sldLayoutId id="2147483673" r:id="rId13"/>
+  </p:sldLayoutIdLst>
+</p:sldMaster>
+</file>
+
+<file path=ppt/slideMasters/slideMaster3.xml><?xml version="1.0" encoding="utf-8"?>
+<p:sldMaster xmlns:a="http://schemas.openxmlformats.org/drawingml/2006/main" xmlns:p="http://schemas.openxmlformats.org/presentationml/2006/main" xmlns:r="http://schemas.openxmlformats.org/officeDocument/2006/relationships" xmlns:p14="http://schemas.microsoft.com/office/powerpoint/2010/main" xmlns:p15="http://schemas.microsoft.com/office/powerpoint/2012/main" xmlns:mc="http://schemas.openxmlformats.org/markup-compatibility/2006">
+  <p:cSld>
+    <p:spTree>
+      <p:nvGrpSpPr>
+        <p:cNvPr id="1" name=""/>
+        <p:cNvGrpSpPr/>
+        <p:nvPr/>
+      </p:nvGrpSpPr>
+      <p:grpSpPr>
+        <a:xfrm>
+          <a:off x="0" y="0"/>
+          <a:ext cx="0" cy="0"/>
+          <a:chOff x="0" y="0"/>
+          <a:chExt cx="0" cy="0"/>
+        </a:xfrm>
+      </p:grpSpPr>
+      <p:sp>
+        <p:nvSpPr>
+          <p:cNvPr id="72" name="PlaceHolder 1"/>
+          <p:cNvSpPr>
+            <a:spLocks noGrp="1"/>
+          </p:cNvSpPr>
+          <p:nvPr>
+            <p:ph type="title"/>
+          </p:nvPr>
+        </p:nvSpPr>
+        <p:spPr>
+          <a:xfrm>
+            <a:off x="504000" y="301320"/>
+            <a:ext cx="9072000" cy="1261800"/>
+          </a:xfrm>
+          <a:prstGeom prst="rect">
+            <a:avLst/>
+          </a:prstGeom>
+        </p:spPr>
+        <p:txBody>
+          <a:bodyPr lIns="0" rIns="0" tIns="0" bIns="0" anchor="ctr"/>
+          <a:p>
+            <a:pPr algn="ctr"/>
+            <a:r>
+              <a:rPr b="0" lang="en-US" sz="4400" spc="-1" strike="noStrike">
+                <a:solidFill>
+                  <a:srgbClr val="000000"/>
+                </a:solidFill>
+                <a:uFill>
+                  <a:solidFill>
+                    <a:srgbClr val="ffffff"/>
+                  </a:solidFill>
+                </a:uFill>
+                <a:latin typeface="Arial"/>
+              </a:rPr>
+              <a:t>Click to edit the title text format</a:t>
+            </a:r>
+            <a:endParaRPr b="0" lang="en-US" sz="4400" spc="-1" strike="noStrike">
+              <a:solidFill>
+                <a:srgbClr val="000000"/>
+              </a:solidFill>
+              <a:uFill>
+                <a:solidFill>
+                  <a:srgbClr val="ffffff"/>
+                </a:solidFill>
+              </a:uFill>
+              <a:latin typeface="Arial"/>
+            </a:endParaRPr>
+          </a:p>
+        </p:txBody>
+      </p:sp>
+      <p:sp>
+        <p:nvSpPr>
+          <p:cNvPr id="73" name="PlaceHolder 2"/>
+          <p:cNvSpPr>
+            <a:spLocks noGrp="1"/>
+          </p:cNvSpPr>
+          <p:nvPr>
+            <p:ph type="body"/>
+          </p:nvPr>
+        </p:nvSpPr>
+        <p:spPr>
+          <a:xfrm>
+            <a:off x="504000" y="1768680"/>
+            <a:ext cx="9072000" cy="4384080"/>
+          </a:xfrm>
+          <a:prstGeom prst="rect">
+            <a:avLst/>
+          </a:prstGeom>
+        </p:spPr>
+        <p:txBody>
+          <a:bodyPr lIns="0" rIns="0" tIns="0" bIns="0"/>
+          <a:p>
+            <a:pPr marL="432000" indent="-324000">
+              <a:buClr>
+                <a:srgbClr val="000000"/>
+              </a:buClr>
+              <a:buSzPct val="45000"/>
+              <a:buFont typeface="Wingdings" charset="2"/>
+              <a:buChar char=""/>
+            </a:pPr>
+            <a:r>
+              <a:rPr b="0" lang="en-US" sz="3200" spc="-1" strike="noStrike">
+                <a:solidFill>
+                  <a:srgbClr val="000000"/>
+                </a:solidFill>
+                <a:uFill>
+                  <a:solidFill>
+                    <a:srgbClr val="ffffff"/>
+                  </a:solidFill>
+                </a:uFill>
+                <a:latin typeface="Arial"/>
+              </a:rPr>
+              <a:t>Click to edit the outline text format</a:t>
+            </a:r>
+            <a:endParaRPr b="0" lang="en-US" sz="3200" spc="-1" strike="noStrike">
+              <a:solidFill>
+                <a:srgbClr val="000000"/>
+              </a:solidFill>
+              <a:uFill>
+                <a:solidFill>
+                  <a:srgbClr val="ffffff"/>
+                </a:solidFill>
+              </a:uFill>
+              <a:latin typeface="Arial"/>
+            </a:endParaRPr>
+          </a:p>
+          <a:p>
+            <a:pPr lvl="1" marL="864000" indent="-324000">
+              <a:buClr>
+                <a:srgbClr val="000000"/>
+              </a:buClr>
+              <a:buSzPct val="75000"/>
+              <a:buFont typeface="Symbol" charset="2"/>
+              <a:buChar char=""/>
+            </a:pPr>
+            <a:r>
+              <a:rPr b="0" lang="en-US" sz="2800" spc="-1" strike="noStrike">
+                <a:solidFill>
+                  <a:srgbClr val="000000"/>
+                </a:solidFill>
+                <a:uFill>
+                  <a:solidFill>
+                    <a:srgbClr val="ffffff"/>
+                  </a:solidFill>
+                </a:uFill>
+                <a:latin typeface="Arial"/>
+              </a:rPr>
+              <a:t>Second Outline Level</a:t>
+            </a:r>
+            <a:endParaRPr b="0" lang="en-US" sz="2800" spc="-1" strike="noStrike">
+              <a:solidFill>
+                <a:srgbClr val="000000"/>
+              </a:solidFill>
+              <a:uFill>
+                <a:solidFill>
+                  <a:srgbClr val="ffffff"/>
+                </a:solidFill>
+              </a:uFill>
+              <a:latin typeface="Arial"/>
+            </a:endParaRPr>
+          </a:p>
+          <a:p>
+            <a:pPr lvl="2" marL="1296000" indent="-288000">
+              <a:buClr>
+                <a:srgbClr val="000000"/>
+              </a:buClr>
+              <a:buSzPct val="45000"/>
+              <a:buFont typeface="Wingdings" charset="2"/>
+              <a:buChar char=""/>
+            </a:pPr>
+            <a:r>
+              <a:rPr b="0" lang="en-US" sz="2400" spc="-1" strike="noStrike">
+                <a:solidFill>
+                  <a:srgbClr val="000000"/>
+                </a:solidFill>
+                <a:uFill>
+                  <a:solidFill>
+                    <a:srgbClr val="ffffff"/>
+                  </a:solidFill>
+                </a:uFill>
+                <a:latin typeface="Arial"/>
+              </a:rPr>
+              <a:t>Third Outline Level</a:t>
+            </a:r>
+            <a:endParaRPr b="0" lang="en-US" sz="2400" spc="-1" strike="noStrike">
+              <a:solidFill>
+                <a:srgbClr val="000000"/>
+              </a:solidFill>
+              <a:uFill>
+                <a:solidFill>
+                  <a:srgbClr val="ffffff"/>
+                </a:solidFill>
+              </a:uFill>
+              <a:latin typeface="Arial"/>
+            </a:endParaRPr>
+          </a:p>
+          <a:p>
+            <a:pPr lvl="3" marL="1728000" indent="-216000">
+              <a:buClr>
+                <a:srgbClr val="000000"/>
+              </a:buClr>
+              <a:buSzPct val="75000"/>
+              <a:buFont typeface="Symbol" charset="2"/>
+              <a:buChar char=""/>
+            </a:pPr>
+            <a:r>
+              <a:rPr b="0" lang="en-US" sz="2000" spc="-1" strike="noStrike">
+                <a:solidFill>
+                  <a:srgbClr val="000000"/>
+                </a:solidFill>
+                <a:uFill>
+                  <a:solidFill>
+                    <a:srgbClr val="ffffff"/>
+                  </a:solidFill>
+                </a:uFill>
+                <a:latin typeface="Arial"/>
+              </a:rPr>
+              <a:t>Fourth Outline Level</a:t>
+            </a:r>
+            <a:endParaRPr b="0" lang="en-US" sz="2000" spc="-1" strike="noStrike">
+              <a:solidFill>
+                <a:srgbClr val="000000"/>
+              </a:solidFill>
+              <a:uFill>
+                <a:solidFill>
+                  <a:srgbClr val="ffffff"/>
+                </a:solidFill>
+              </a:uFill>
+              <a:latin typeface="Arial"/>
+            </a:endParaRPr>
+          </a:p>
+          <a:p>
+            <a:pPr lvl="4" marL="2160000" indent="-216000">
+              <a:buClr>
+                <a:srgbClr val="000000"/>
+              </a:buClr>
+              <a:buSzPct val="45000"/>
+              <a:buFont typeface="Wingdings" charset="2"/>
+              <a:buChar char=""/>
+            </a:pPr>
+            <a:r>
+              <a:rPr b="0" lang="en-US" sz="2000" spc="-1" strike="noStrike">
+                <a:solidFill>
+                  <a:srgbClr val="000000"/>
+                </a:solidFill>
+                <a:uFill>
+                  <a:solidFill>
+                    <a:srgbClr val="ffffff"/>
+                  </a:solidFill>
+                </a:uFill>
+                <a:latin typeface="Arial"/>
+              </a:rPr>
+              <a:t>Fifth Outline Level</a:t>
+            </a:r>
+            <a:endParaRPr b="0" lang="en-US" sz="2000" spc="-1" strike="noStrike">
+              <a:solidFill>
+                <a:srgbClr val="000000"/>
+              </a:solidFill>
+              <a:uFill>
+                <a:solidFill>
+                  <a:srgbClr val="ffffff"/>
+                </a:solidFill>
+              </a:uFill>
+              <a:latin typeface="Arial"/>
+            </a:endParaRPr>
+          </a:p>
+          <a:p>
+            <a:pPr lvl="5" marL="2592000" indent="-216000">
+              <a:buClr>
+                <a:srgbClr val="000000"/>
+              </a:buClr>
+              <a:buSzPct val="45000"/>
+              <a:buFont typeface="Wingdings" charset="2"/>
+              <a:buChar char=""/>
+            </a:pPr>
+            <a:r>
+              <a:rPr b="0" lang="en-US" sz="2000" spc="-1" strike="noStrike">
+                <a:solidFill>
+                  <a:srgbClr val="000000"/>
+                </a:solidFill>
+                <a:uFill>
+                  <a:solidFill>
+                    <a:srgbClr val="ffffff"/>
+                  </a:solidFill>
+                </a:uFill>
+                <a:latin typeface="Arial"/>
+              </a:rPr>
+              <a:t>Sixth Outline Level</a:t>
+            </a:r>
+            <a:endParaRPr b="0" lang="en-US" sz="2000" spc="-1" strike="noStrike">
+              <a:solidFill>
+                <a:srgbClr val="000000"/>
+              </a:solidFill>
+              <a:uFill>
+                <a:solidFill>
+                  <a:srgbClr val="ffffff"/>
+                </a:solidFill>
+              </a:uFill>
+              <a:latin typeface="Arial"/>
+            </a:endParaRPr>
+          </a:p>
+          <a:p>
+            <a:pPr lvl="6" marL="3024000" indent="-216000">
+              <a:buClr>
+                <a:srgbClr val="000000"/>
+              </a:buClr>
+              <a:buSzPct val="45000"/>
+              <a:buFont typeface="Wingdings" charset="2"/>
+              <a:buChar char=""/>
+            </a:pPr>
+            <a:r>
+              <a:rPr b="0" lang="en-US" sz="2000" spc="-1" strike="noStrike">
+                <a:solidFill>
+                  <a:srgbClr val="000000"/>
+                </a:solidFill>
+                <a:uFill>
+                  <a:solidFill>
+                    <a:srgbClr val="ffffff"/>
+                  </a:solidFill>
+                </a:uFill>
+                <a:latin typeface="Arial"/>
+              </a:rPr>
+              <a:t>Seventh Outline Level</a:t>
+            </a:r>
+            <a:endParaRPr b="0" lang="en-US" sz="2000" spc="-1" strike="noStrike">
+              <a:solidFill>
+                <a:srgbClr val="000000"/>
+              </a:solidFill>
+              <a:uFill>
+                <a:solidFill>
+                  <a:srgbClr val="ffffff"/>
+                </a:solidFill>
+              </a:uFill>
+              <a:latin typeface="Arial"/>
+            </a:endParaRPr>
+          </a:p>
+        </p:txBody>
+      </p:sp>
+    </p:spTree>
+  </p:cSld>
+  <p:clrMap bg1="lt1" bg2="lt2" tx1="dk1" tx2="dk2" accent1="accent1" accent2="accent2" accent3="accent3" accent4="accent4" accent5="accent5" accent6="accent6" hlink="hlink" folHlink="folHlink"/>
+  <p:sldLayoutIdLst>
+    <p:sldLayoutId id="2147483675" r:id="rId2"/>
+    <p:sldLayoutId id="2147483676" r:id="rId3"/>
+    <p:sldLayoutId id="2147483677" r:id="rId4"/>
+    <p:sldLayoutId id="2147483678" r:id="rId5"/>
+    <p:sldLayoutId id="2147483679" r:id="rId6"/>
+    <p:sldLayoutId id="2147483680" r:id="rId7"/>
+    <p:sldLayoutId id="2147483681" r:id="rId8"/>
+    <p:sldLayoutId id="2147483682" r:id="rId9"/>
+    <p:sldLayoutId id="2147483683" r:id="rId10"/>
+    <p:sldLayoutId id="2147483684" r:id="rId11"/>
+    <p:sldLayoutId id="2147483685" r:id="rId12"/>
+    <p:sldLayoutId id="2147483686" r:id="rId13"/>
   </p:sldLayoutIdLst>
 </p:sldMaster>
 </file>
@@ -2019,14 +5514,14 @@
       </p:grpSpPr>
       <p:sp>
         <p:nvSpPr>
-          <p:cNvPr id="39" name="TextShape 1"/>
-          <p:cNvSpPr txBox="1"/>
+          <p:cNvPr id="108" name="CustomShape 1"/>
+          <p:cNvSpPr/>
           <p:nvPr/>
         </p:nvSpPr>
         <p:spPr>
           <a:xfrm>
             <a:off x="504000" y="301320"/>
-            <a:ext cx="9071640" cy="5851800"/>
+            <a:ext cx="9071280" cy="5851440"/>
           </a:xfrm>
           <a:prstGeom prst="rect">
             <a:avLst/>
@@ -2036,10 +5531,15 @@
             <a:noFill/>
           </a:ln>
         </p:spPr>
+        <p:style>
+          <a:lnRef idx="0"/>
+          <a:fillRef idx="0"/>
+          <a:effectRef idx="0"/>
+          <a:fontRef idx="minor"/>
+        </p:style>
         <p:txBody>
           <a:bodyPr lIns="0" rIns="0" tIns="0" bIns="0" anchor="ctr"/>
           <a:p>
-            <a:pPr algn="ctr"/>
             <a:r>
               <a:rPr b="0" lang="en-US" sz="4400" spc="-1" strike="noStrike">
                 <a:solidFill>
@@ -2054,36 +5554,37 @@
               </a:rPr>
               <a:t>Recursive Ray Tracer</a:t>
             </a:r>
-            <a:r>
-              <a:rPr b="0" lang="en-US" sz="3200" spc="-1" strike="noStrike">
-                <a:solidFill>
-                  <a:srgbClr val="000000"/>
-                </a:solidFill>
-                <a:uFill>
-                  <a:solidFill>
-                    <a:srgbClr val="ffffff"/>
-                  </a:solidFill>
-                </a:uFill>
-                <a:latin typeface="Arial"/>
-              </a:rPr>
-              <a:t>
-</a:t>
-            </a:r>
-            <a:r>
-              <a:rPr b="0" lang="en-US" sz="3200" spc="-1" strike="noStrike">
-                <a:solidFill>
-                  <a:srgbClr val="000000"/>
-                </a:solidFill>
-                <a:uFill>
-                  <a:solidFill>
-                    <a:srgbClr val="ffffff"/>
-                  </a:solidFill>
-                </a:uFill>
-                <a:latin typeface="Arial"/>
-              </a:rPr>
-              <a:t>
-</a:t>
-            </a:r>
+            <a:endParaRPr b="0" lang="en-US" sz="1800" spc="-1" strike="noStrike">
+              <a:solidFill>
+                <a:srgbClr val="000000"/>
+              </a:solidFill>
+              <a:uFill>
+                <a:solidFill>
+                  <a:srgbClr val="ffffff"/>
+                </a:solidFill>
+              </a:uFill>
+              <a:latin typeface="Arial"/>
+            </a:endParaRPr>
+          </a:p>
+          <a:p>
+            <a:endParaRPr b="0" lang="en-US" sz="1800" spc="-1" strike="noStrike">
+              <a:solidFill>
+                <a:srgbClr val="000000"/>
+              </a:solidFill>
+              <a:uFill>
+                <a:solidFill>
+                  <a:srgbClr val="ffffff"/>
+                </a:solidFill>
+              </a:uFill>
+              <a:latin typeface="Arial"/>
+            </a:endParaRPr>
+          </a:p>
+          <a:p>
+            <a:pPr algn="ctr">
+              <a:lnSpc>
+                <a:spcPct val="100000"/>
+              </a:lnSpc>
+            </a:pPr>
             <a:r>
               <a:rPr b="0" lang="en-US" sz="3200" spc="-1" strike="noStrike">
                 <a:solidFill>
@@ -2098,7 +5599,7 @@
               </a:rPr>
               <a:t>-Abhishek Yenpure</a:t>
             </a:r>
-            <a:endParaRPr b="0" lang="en-US" sz="3200" spc="-1" strike="noStrike">
+            <a:endParaRPr b="0" lang="en-US" sz="1800" spc="-1" strike="noStrike">
               <a:solidFill>
                 <a:srgbClr val="000000"/>
               </a:solidFill>
@@ -2163,14 +5664,14 @@
       </p:grpSpPr>
       <p:sp>
         <p:nvSpPr>
-          <p:cNvPr id="40" name="TextShape 1"/>
-          <p:cNvSpPr txBox="1"/>
+          <p:cNvPr id="109" name="CustomShape 1"/>
+          <p:cNvSpPr/>
           <p:nvPr/>
         </p:nvSpPr>
         <p:spPr>
           <a:xfrm>
             <a:off x="504000" y="301320"/>
-            <a:ext cx="9071640" cy="1262160"/>
+            <a:ext cx="9071280" cy="1261800"/>
           </a:xfrm>
           <a:prstGeom prst="rect">
             <a:avLst/>
@@ -2180,10 +5681,20 @@
             <a:noFill/>
           </a:ln>
         </p:spPr>
+        <p:style>
+          <a:lnRef idx="0"/>
+          <a:fillRef idx="0"/>
+          <a:effectRef idx="0"/>
+          <a:fontRef idx="minor"/>
+        </p:style>
         <p:txBody>
           <a:bodyPr lIns="0" rIns="0" tIns="0" bIns="0" anchor="ctr"/>
           <a:p>
-            <a:pPr algn="ctr"/>
+            <a:pPr algn="ctr">
+              <a:lnSpc>
+                <a:spcPct val="100000"/>
+              </a:lnSpc>
+            </a:pPr>
             <a:r>
               <a:rPr b="0" lang="en-US" sz="4400" spc="-1" strike="noStrike">
                 <a:solidFill>
@@ -2196,640 +5707,45 @@
                 </a:uFill>
                 <a:latin typeface="Arial"/>
               </a:rPr>
-              <a:t>Ray Tracing Alogrithm</a:t>
+              <a:t>Depth = 1 (only shadows)</a:t>
             </a:r>
-            <a:endParaRPr b="0" lang="en-US" sz="4400" spc="-1" strike="noStrike">
-              <a:solidFill>
-                <a:srgbClr val="000000"/>
-              </a:solidFill>
-              <a:uFill>
-                <a:solidFill>
-                  <a:srgbClr val="ffffff"/>
-                </a:solidFill>
-              </a:uFill>
-              <a:latin typeface="Arial"/>
-            </a:endParaRPr>
-          </a:p>
-        </p:txBody>
-      </p:sp>
-      <p:sp>
-        <p:nvSpPr>
-          <p:cNvPr id="41" name="TextShape 2"/>
-          <p:cNvSpPr txBox="1"/>
+            <a:endParaRPr b="0" lang="en-US" sz="1800" spc="-1" strike="noStrike">
+              <a:solidFill>
+                <a:srgbClr val="000000"/>
+              </a:solidFill>
+              <a:uFill>
+                <a:solidFill>
+                  <a:srgbClr val="ffffff"/>
+                </a:solidFill>
+              </a:uFill>
+              <a:latin typeface="Arial"/>
+            </a:endParaRPr>
+          </a:p>
+        </p:txBody>
+      </p:sp>
+      <p:pic>
+        <p:nvPicPr>
+          <p:cNvPr id="110" name="" descr=""/>
+          <p:cNvPicPr/>
           <p:nvPr/>
-        </p:nvSpPr>
-        <p:spPr>
-          <a:xfrm>
-            <a:off x="504000" y="1769040"/>
-            <a:ext cx="9071640" cy="4384440"/>
-          </a:xfrm>
-          <a:prstGeom prst="rect">
-            <a:avLst/>
-          </a:prstGeom>
-          <a:noFill/>
+        </p:nvPicPr>
+        <p:blipFill>
+          <a:blip r:embed="rId1"/>
+          <a:stretch/>
+        </p:blipFill>
+        <p:spPr>
+          <a:xfrm>
+            <a:off x="2847240" y="1768680"/>
+            <a:ext cx="4384080" cy="4384080"/>
+          </a:xfrm>
+          <a:prstGeom prst="rect">
+            <a:avLst/>
+          </a:prstGeom>
           <a:ln>
             <a:noFill/>
           </a:ln>
         </p:spPr>
-        <p:txBody>
-          <a:bodyPr lIns="0" rIns="0" tIns="0" bIns="0"/>
-          <a:p>
-            <a:pPr marL="432000" indent="-324000">
-              <a:buClr>
-                <a:srgbClr val="000000"/>
-              </a:buClr>
-              <a:buSzPct val="45000"/>
-              <a:buFont typeface="Wingdings" charset="2"/>
-              <a:buChar char=""/>
-            </a:pPr>
-            <a:r>
-              <a:rPr b="0" lang="en-US" sz="5400" spc="-1" strike="noStrike">
-                <a:solidFill>
-                  <a:srgbClr val="000000"/>
-                </a:solidFill>
-                <a:uFill>
-                  <a:solidFill>
-                    <a:srgbClr val="ffffff"/>
-                  </a:solidFill>
-                </a:uFill>
-                <a:latin typeface="Arial"/>
-              </a:rPr>
-              <a:t>// loop over all pixels</a:t>
-            </a:r>
-            <a:endParaRPr b="0" lang="en-US" sz="5400" spc="-1" strike="noStrike">
-              <a:solidFill>
-                <a:srgbClr val="000000"/>
-              </a:solidFill>
-              <a:uFill>
-                <a:solidFill>
-                  <a:srgbClr val="ffffff"/>
-                </a:solidFill>
-              </a:uFill>
-              <a:latin typeface="Arial"/>
-            </a:endParaRPr>
-          </a:p>
-          <a:p>
-            <a:pPr marL="432000" indent="-324000">
-              <a:buClr>
-                <a:srgbClr val="000000"/>
-              </a:buClr>
-              <a:buSzPct val="45000"/>
-              <a:buFont typeface="Wingdings" charset="2"/>
-              <a:buChar char=""/>
-            </a:pPr>
-            <a:r>
-              <a:rPr b="0" lang="en-US" sz="5400" spc="-1" strike="noStrike">
-                <a:solidFill>
-                  <a:srgbClr val="000000"/>
-                </a:solidFill>
-                <a:uFill>
-                  <a:solidFill>
-                    <a:srgbClr val="ffffff"/>
-                  </a:solidFill>
-                </a:uFill>
-                <a:latin typeface="Arial"/>
-              </a:rPr>
-              <a:t>Vec3f *framebuffer = new Vec3f[imageWidth * imageHeight];</a:t>
-            </a:r>
-            <a:endParaRPr b="0" lang="en-US" sz="5400" spc="-1" strike="noStrike">
-              <a:solidFill>
-                <a:srgbClr val="000000"/>
-              </a:solidFill>
-              <a:uFill>
-                <a:solidFill>
-                  <a:srgbClr val="ffffff"/>
-                </a:solidFill>
-              </a:uFill>
-              <a:latin typeface="Arial"/>
-            </a:endParaRPr>
-          </a:p>
-          <a:p>
-            <a:pPr lvl="1" marL="864000" indent="-324000">
-              <a:buClr>
-                <a:srgbClr val="000000"/>
-              </a:buClr>
-              <a:buSzPct val="75000"/>
-              <a:buFont typeface="Symbol" charset="2"/>
-              <a:buChar char=""/>
-            </a:pPr>
-            <a:r>
-              <a:rPr b="0" lang="en-US" sz="5400" spc="-1" strike="noStrike">
-                <a:solidFill>
-                  <a:srgbClr val="000000"/>
-                </a:solidFill>
-                <a:uFill>
-                  <a:solidFill>
-                    <a:srgbClr val="ffffff"/>
-                  </a:solidFill>
-                </a:uFill>
-                <a:latin typeface="Arial"/>
-              </a:rPr>
-              <a:t>for (int j = 0; j &lt; imageHeight; ++j) {</a:t>
-            </a:r>
-            <a:endParaRPr b="0" lang="en-US" sz="2800" spc="-1" strike="noStrike">
-              <a:solidFill>
-                <a:srgbClr val="000000"/>
-              </a:solidFill>
-              <a:uFill>
-                <a:solidFill>
-                  <a:srgbClr val="ffffff"/>
-                </a:solidFill>
-              </a:uFill>
-              <a:latin typeface="Arial"/>
-            </a:endParaRPr>
-          </a:p>
-          <a:p>
-            <a:pPr lvl="2" marL="1296000" indent="-288000">
-              <a:buClr>
-                <a:srgbClr val="000000"/>
-              </a:buClr>
-              <a:buSzPct val="45000"/>
-              <a:buFont typeface="Wingdings" charset="2"/>
-              <a:buChar char=""/>
-            </a:pPr>
-            <a:r>
-              <a:rPr b="0" lang="en-US" sz="5400" spc="-1" strike="noStrike">
-                <a:solidFill>
-                  <a:srgbClr val="000000"/>
-                </a:solidFill>
-                <a:uFill>
-                  <a:solidFill>
-                    <a:srgbClr val="ffffff"/>
-                  </a:solidFill>
-                </a:uFill>
-                <a:latin typeface="Arial"/>
-              </a:rPr>
-              <a:t>for (int i = 0; i &lt; imageWidth; ++i) {</a:t>
-            </a:r>
-            <a:endParaRPr b="0" lang="en-US" sz="2400" spc="-1" strike="noStrike">
-              <a:solidFill>
-                <a:srgbClr val="000000"/>
-              </a:solidFill>
-              <a:uFill>
-                <a:solidFill>
-                  <a:srgbClr val="ffffff"/>
-                </a:solidFill>
-              </a:uFill>
-              <a:latin typeface="Arial"/>
-            </a:endParaRPr>
-          </a:p>
-          <a:p>
-            <a:pPr lvl="3" marL="1728000" indent="-216000">
-              <a:buClr>
-                <a:srgbClr val="000000"/>
-              </a:buClr>
-              <a:buSzPct val="75000"/>
-              <a:buFont typeface="Symbol" charset="2"/>
-              <a:buChar char=""/>
-            </a:pPr>
-            <a:r>
-              <a:rPr b="0" lang="en-US" sz="5400" spc="-1" strike="noStrike">
-                <a:solidFill>
-                  <a:srgbClr val="000000"/>
-                </a:solidFill>
-                <a:uFill>
-                  <a:solidFill>
-                    <a:srgbClr val="ffffff"/>
-                  </a:solidFill>
-                </a:uFill>
-                <a:latin typeface="Arial"/>
-              </a:rPr>
-              <a:t>for (int k = 0; k &lt; numObjectsInScene; ++k) {</a:t>
-            </a:r>
-            <a:endParaRPr b="0" lang="en-US" sz="2000" spc="-1" strike="noStrike">
-              <a:solidFill>
-                <a:srgbClr val="000000"/>
-              </a:solidFill>
-              <a:uFill>
-                <a:solidFill>
-                  <a:srgbClr val="ffffff"/>
-                </a:solidFill>
-              </a:uFill>
-              <a:latin typeface="Arial"/>
-            </a:endParaRPr>
-          </a:p>
-          <a:p>
-            <a:pPr lvl="4" marL="2160000" indent="-216000">
-              <a:buClr>
-                <a:srgbClr val="000000"/>
-              </a:buClr>
-              <a:buSzPct val="45000"/>
-              <a:buFont typeface="Wingdings" charset="2"/>
-              <a:buChar char=""/>
-            </a:pPr>
-            <a:r>
-              <a:rPr b="0" lang="en-US" sz="5400" spc="-1" strike="noStrike">
-                <a:solidFill>
-                  <a:srgbClr val="000000"/>
-                </a:solidFill>
-                <a:uFill>
-                  <a:solidFill>
-                    <a:srgbClr val="ffffff"/>
-                  </a:solidFill>
-                </a:uFill>
-                <a:latin typeface="Arial"/>
-              </a:rPr>
-              <a:t>Ray ray = buildCameraRay(i, j);</a:t>
-            </a:r>
-            <a:endParaRPr b="0" lang="en-US" sz="2000" spc="-1" strike="noStrike">
-              <a:solidFill>
-                <a:srgbClr val="000000"/>
-              </a:solidFill>
-              <a:uFill>
-                <a:solidFill>
-                  <a:srgbClr val="ffffff"/>
-                </a:solidFill>
-              </a:uFill>
-              <a:latin typeface="Arial"/>
-            </a:endParaRPr>
-          </a:p>
-          <a:p>
-            <a:pPr lvl="4" marL="2160000" indent="-216000">
-              <a:buClr>
-                <a:srgbClr val="000000"/>
-              </a:buClr>
-              <a:buSzPct val="45000"/>
-              <a:buFont typeface="Wingdings" charset="2"/>
-              <a:buChar char=""/>
-            </a:pPr>
-            <a:r>
-              <a:rPr b="0" lang="en-US" sz="5400" spc="-1" strike="noStrike">
-                <a:solidFill>
-                  <a:srgbClr val="000000"/>
-                </a:solidFill>
-                <a:uFill>
-                  <a:solidFill>
-                    <a:srgbClr val="ffffff"/>
-                  </a:solidFill>
-                </a:uFill>
-                <a:latin typeface="Arial"/>
-              </a:rPr>
-              <a:t>if (intersect(ray, objects[k]) {</a:t>
-            </a:r>
-            <a:endParaRPr b="0" lang="en-US" sz="2000" spc="-1" strike="noStrike">
-              <a:solidFill>
-                <a:srgbClr val="000000"/>
-              </a:solidFill>
-              <a:uFill>
-                <a:solidFill>
-                  <a:srgbClr val="ffffff"/>
-                </a:solidFill>
-              </a:uFill>
-              <a:latin typeface="Arial"/>
-            </a:endParaRPr>
-          </a:p>
-          <a:p>
-            <a:pPr lvl="5" marL="2592000" indent="-216000">
-              <a:buClr>
-                <a:srgbClr val="000000"/>
-              </a:buClr>
-              <a:buSzPct val="45000"/>
-              <a:buFont typeface="Wingdings" charset="2"/>
-              <a:buChar char=""/>
-            </a:pPr>
-            <a:r>
-              <a:rPr b="0" lang="en-US" sz="5400" spc="-1" strike="noStrike">
-                <a:solidFill>
-                  <a:srgbClr val="000000"/>
-                </a:solidFill>
-                <a:uFill>
-                  <a:solidFill>
-                    <a:srgbClr val="ffffff"/>
-                  </a:solidFill>
-                </a:uFill>
-                <a:latin typeface="Arial"/>
-              </a:rPr>
-              <a:t>// do complex shading here but for now basic (just constant color)</a:t>
-            </a:r>
-            <a:endParaRPr b="0" lang="en-US" sz="2000" spc="-1" strike="noStrike">
-              <a:solidFill>
-                <a:srgbClr val="000000"/>
-              </a:solidFill>
-              <a:uFill>
-                <a:solidFill>
-                  <a:srgbClr val="ffffff"/>
-                </a:solidFill>
-              </a:uFill>
-              <a:latin typeface="Arial"/>
-            </a:endParaRPr>
-          </a:p>
-          <a:p>
-            <a:pPr lvl="5" marL="2592000" indent="-216000">
-              <a:buClr>
-                <a:srgbClr val="000000"/>
-              </a:buClr>
-              <a:buSzPct val="45000"/>
-              <a:buFont typeface="Wingdings" charset="2"/>
-              <a:buChar char=""/>
-            </a:pPr>
-            <a:r>
-              <a:rPr b="0" lang="en-US" sz="5400" spc="-1" strike="noStrike">
-                <a:solidFill>
-                  <a:srgbClr val="000000"/>
-                </a:solidFill>
-                <a:uFill>
-                  <a:solidFill>
-                    <a:srgbClr val="ffffff"/>
-                  </a:solidFill>
-                </a:uFill>
-                <a:latin typeface="Arial"/>
-              </a:rPr>
-              <a:t>framebuffer[j * imageWidth + i] = objects[k].color;</a:t>
-            </a:r>
-            <a:endParaRPr b="0" lang="en-US" sz="2000" spc="-1" strike="noStrike">
-              <a:solidFill>
-                <a:srgbClr val="000000"/>
-              </a:solidFill>
-              <a:uFill>
-                <a:solidFill>
-                  <a:srgbClr val="ffffff"/>
-                </a:solidFill>
-              </a:uFill>
-              <a:latin typeface="Arial"/>
-            </a:endParaRPr>
-          </a:p>
-          <a:p>
-            <a:pPr lvl="4" marL="2160000" indent="-216000">
-              <a:buClr>
-                <a:srgbClr val="000000"/>
-              </a:buClr>
-              <a:buSzPct val="45000"/>
-              <a:buFont typeface="Wingdings" charset="2"/>
-              <a:buChar char=""/>
-            </a:pPr>
-            <a:r>
-              <a:rPr b="0" lang="en-US" sz="5400" spc="-1" strike="noStrike">
-                <a:solidFill>
-                  <a:srgbClr val="000000"/>
-                </a:solidFill>
-                <a:uFill>
-                  <a:solidFill>
-                    <a:srgbClr val="ffffff"/>
-                  </a:solidFill>
-                </a:uFill>
-                <a:latin typeface="Arial"/>
-              </a:rPr>
-              <a:t>}</a:t>
-            </a:r>
-            <a:endParaRPr b="0" lang="en-US" sz="2000" spc="-1" strike="noStrike">
-              <a:solidFill>
-                <a:srgbClr val="000000"/>
-              </a:solidFill>
-              <a:uFill>
-                <a:solidFill>
-                  <a:srgbClr val="ffffff"/>
-                </a:solidFill>
-              </a:uFill>
-              <a:latin typeface="Arial"/>
-            </a:endParaRPr>
-          </a:p>
-          <a:p>
-            <a:pPr lvl="4" marL="2160000" indent="-216000">
-              <a:buClr>
-                <a:srgbClr val="000000"/>
-              </a:buClr>
-              <a:buSzPct val="45000"/>
-              <a:buFont typeface="Wingdings" charset="2"/>
-              <a:buChar char=""/>
-            </a:pPr>
-            <a:r>
-              <a:rPr b="0" lang="en-US" sz="5400" spc="-1" strike="noStrike">
-                <a:solidFill>
-                  <a:srgbClr val="000000"/>
-                </a:solidFill>
-                <a:uFill>
-                  <a:solidFill>
-                    <a:srgbClr val="ffffff"/>
-                  </a:solidFill>
-                </a:uFill>
-                <a:latin typeface="Arial"/>
-              </a:rPr>
-              <a:t>else {</a:t>
-            </a:r>
-            <a:endParaRPr b="0" lang="en-US" sz="2000" spc="-1" strike="noStrike">
-              <a:solidFill>
-                <a:srgbClr val="000000"/>
-              </a:solidFill>
-              <a:uFill>
-                <a:solidFill>
-                  <a:srgbClr val="ffffff"/>
-                </a:solidFill>
-              </a:uFill>
-              <a:latin typeface="Arial"/>
-            </a:endParaRPr>
-          </a:p>
-          <a:p>
-            <a:pPr lvl="5" marL="2592000" indent="-216000">
-              <a:buClr>
-                <a:srgbClr val="000000"/>
-              </a:buClr>
-              <a:buSzPct val="45000"/>
-              <a:buFont typeface="Wingdings" charset="2"/>
-              <a:buChar char=""/>
-            </a:pPr>
-            <a:r>
-              <a:rPr b="0" lang="en-US" sz="5400" spc="-1" strike="noStrike">
-                <a:solidFill>
-                  <a:srgbClr val="000000"/>
-                </a:solidFill>
-                <a:uFill>
-                  <a:solidFill>
-                    <a:srgbClr val="ffffff"/>
-                  </a:solidFill>
-                </a:uFill>
-                <a:latin typeface="Arial"/>
-              </a:rPr>
-              <a:t>// or don't do anything and leave it black</a:t>
-            </a:r>
-            <a:endParaRPr b="0" lang="en-US" sz="2000" spc="-1" strike="noStrike">
-              <a:solidFill>
-                <a:srgbClr val="000000"/>
-              </a:solidFill>
-              <a:uFill>
-                <a:solidFill>
-                  <a:srgbClr val="ffffff"/>
-                </a:solidFill>
-              </a:uFill>
-              <a:latin typeface="Arial"/>
-            </a:endParaRPr>
-          </a:p>
-          <a:p>
-            <a:pPr lvl="5" marL="2592000" indent="-216000">
-              <a:buClr>
-                <a:srgbClr val="000000"/>
-              </a:buClr>
-              <a:buSzPct val="45000"/>
-              <a:buFont typeface="Wingdings" charset="2"/>
-              <a:buChar char=""/>
-            </a:pPr>
-            <a:r>
-              <a:rPr b="0" lang="en-US" sz="5400" spc="-1" strike="noStrike">
-                <a:solidFill>
-                  <a:srgbClr val="000000"/>
-                </a:solidFill>
-                <a:uFill>
-                  <a:solidFill>
-                    <a:srgbClr val="ffffff"/>
-                  </a:solidFill>
-                </a:uFill>
-                <a:latin typeface="Arial"/>
-              </a:rPr>
-              <a:t>framebuffer[j * imageWidth + i] = backgroundColor;</a:t>
-            </a:r>
-            <a:endParaRPr b="0" lang="en-US" sz="2000" spc="-1" strike="noStrike">
-              <a:solidFill>
-                <a:srgbClr val="000000"/>
-              </a:solidFill>
-              <a:uFill>
-                <a:solidFill>
-                  <a:srgbClr val="ffffff"/>
-                </a:solidFill>
-              </a:uFill>
-              <a:latin typeface="Arial"/>
-            </a:endParaRPr>
-          </a:p>
-          <a:p>
-            <a:pPr lvl="4" marL="2160000" indent="-216000">
-              <a:buClr>
-                <a:srgbClr val="000000"/>
-              </a:buClr>
-              <a:buSzPct val="45000"/>
-              <a:buFont typeface="Wingdings" charset="2"/>
-              <a:buChar char=""/>
-            </a:pPr>
-            <a:r>
-              <a:rPr b="0" lang="en-US" sz="5400" spc="-1" strike="noStrike">
-                <a:solidFill>
-                  <a:srgbClr val="000000"/>
-                </a:solidFill>
-                <a:uFill>
-                  <a:solidFill>
-                    <a:srgbClr val="ffffff"/>
-                  </a:solidFill>
-                </a:uFill>
-                <a:latin typeface="Arial"/>
-              </a:rPr>
-              <a:t>}</a:t>
-            </a:r>
-            <a:endParaRPr b="0" lang="en-US" sz="2000" spc="-1" strike="noStrike">
-              <a:solidFill>
-                <a:srgbClr val="000000"/>
-              </a:solidFill>
-              <a:uFill>
-                <a:solidFill>
-                  <a:srgbClr val="ffffff"/>
-                </a:solidFill>
-              </a:uFill>
-              <a:latin typeface="Arial"/>
-            </a:endParaRPr>
-          </a:p>
-          <a:p>
-            <a:pPr lvl="2" marL="1296000" indent="-288000">
-              <a:buClr>
-                <a:srgbClr val="000000"/>
-              </a:buClr>
-              <a:buSzPct val="45000"/>
-              <a:buFont typeface="Wingdings" charset="2"/>
-              <a:buChar char=""/>
-            </a:pPr>
-            <a:r>
-              <a:rPr b="0" lang="en-US" sz="5400" spc="-1" strike="noStrike">
-                <a:solidFill>
-                  <a:srgbClr val="000000"/>
-                </a:solidFill>
-                <a:uFill>
-                  <a:solidFill>
-                    <a:srgbClr val="ffffff"/>
-                  </a:solidFill>
-                </a:uFill>
-                <a:latin typeface="Arial"/>
-              </a:rPr>
-              <a:t>}</a:t>
-            </a:r>
-            <a:endParaRPr b="0" lang="en-US" sz="2400" spc="-1" strike="noStrike">
-              <a:solidFill>
-                <a:srgbClr val="000000"/>
-              </a:solidFill>
-              <a:uFill>
-                <a:solidFill>
-                  <a:srgbClr val="ffffff"/>
-                </a:solidFill>
-              </a:uFill>
-              <a:latin typeface="Arial"/>
-            </a:endParaRPr>
-          </a:p>
-          <a:p>
-            <a:pPr lvl="1" marL="864000" indent="-324000">
-              <a:buClr>
-                <a:srgbClr val="000000"/>
-              </a:buClr>
-              <a:buSzPct val="75000"/>
-              <a:buFont typeface="Symbol" charset="2"/>
-              <a:buChar char=""/>
-            </a:pPr>
-            <a:r>
-              <a:rPr b="0" lang="en-US" sz="5400" spc="-1" strike="noStrike">
-                <a:solidFill>
-                  <a:srgbClr val="000000"/>
-                </a:solidFill>
-                <a:uFill>
-                  <a:solidFill>
-                    <a:srgbClr val="ffffff"/>
-                  </a:solidFill>
-                </a:uFill>
-                <a:latin typeface="Arial"/>
-              </a:rPr>
-              <a:t>}</a:t>
-            </a:r>
-            <a:endParaRPr b="0" lang="en-US" sz="2800" spc="-1" strike="noStrike">
-              <a:solidFill>
-                <a:srgbClr val="000000"/>
-              </a:solidFill>
-              <a:uFill>
-                <a:solidFill>
-                  <a:srgbClr val="ffffff"/>
-                </a:solidFill>
-              </a:uFill>
-              <a:latin typeface="Arial"/>
-            </a:endParaRPr>
-          </a:p>
-          <a:p>
-            <a:pPr marL="432000" indent="-324000">
-              <a:buClr>
-                <a:srgbClr val="000000"/>
-              </a:buClr>
-              <a:buSzPct val="45000"/>
-              <a:buFont typeface="Wingdings" charset="2"/>
-              <a:buChar char=""/>
-            </a:pPr>
-            <a:r>
-              <a:rPr b="0" lang="en-US" sz="5400" spc="-1" strike="noStrike">
-                <a:solidFill>
-                  <a:srgbClr val="000000"/>
-                </a:solidFill>
-                <a:uFill>
-                  <a:solidFill>
-                    <a:srgbClr val="ffffff"/>
-                  </a:solidFill>
-                </a:uFill>
-                <a:latin typeface="Arial"/>
-              </a:rPr>
-              <a:t>} </a:t>
-            </a:r>
-            <a:endParaRPr b="0" lang="en-US" sz="5400" spc="-1" strike="noStrike">
-              <a:solidFill>
-                <a:srgbClr val="000000"/>
-              </a:solidFill>
-              <a:uFill>
-                <a:solidFill>
-                  <a:srgbClr val="ffffff"/>
-                </a:solidFill>
-              </a:uFill>
-              <a:latin typeface="Arial"/>
-            </a:endParaRPr>
-          </a:p>
-        </p:txBody>
-      </p:sp>
+      </p:pic>
     </p:spTree>
   </p:cSld>
   <p:timing>
@@ -2881,14 +5797,14 @@
       </p:grpSpPr>
       <p:sp>
         <p:nvSpPr>
-          <p:cNvPr id="42" name="TextShape 1"/>
-          <p:cNvSpPr txBox="1"/>
+          <p:cNvPr id="111" name="CustomShape 1"/>
+          <p:cNvSpPr/>
           <p:nvPr/>
         </p:nvSpPr>
         <p:spPr>
           <a:xfrm>
             <a:off x="504000" y="301320"/>
-            <a:ext cx="9071640" cy="1262160"/>
+            <a:ext cx="9071280" cy="1261800"/>
           </a:xfrm>
           <a:prstGeom prst="rect">
             <a:avLst/>
@@ -2898,10 +5814,20 @@
             <a:noFill/>
           </a:ln>
         </p:spPr>
+        <p:style>
+          <a:lnRef idx="0"/>
+          <a:fillRef idx="0"/>
+          <a:effectRef idx="0"/>
+          <a:fontRef idx="minor"/>
+        </p:style>
         <p:txBody>
           <a:bodyPr lIns="0" rIns="0" tIns="0" bIns="0" anchor="ctr"/>
           <a:p>
-            <a:pPr algn="ctr"/>
+            <a:pPr algn="ctr">
+              <a:lnSpc>
+                <a:spcPct val="100000"/>
+              </a:lnSpc>
+            </a:pPr>
             <a:r>
               <a:rPr b="0" lang="en-US" sz="4400" spc="-1" strike="noStrike">
                 <a:solidFill>
@@ -2914,9 +5840,9 @@
                 </a:uFill>
                 <a:latin typeface="Arial"/>
               </a:rPr>
-              <a:t>Depth = 1 (only shadows)</a:t>
+              <a:t>Depth = 2 (shadows and reflection)</a:t>
             </a:r>
-            <a:endParaRPr b="0" lang="en-US" sz="4400" spc="-1" strike="noStrike">
+            <a:endParaRPr b="0" lang="en-US" sz="1800" spc="-1" strike="noStrike">
               <a:solidFill>
                 <a:srgbClr val="000000"/>
               </a:solidFill>
@@ -2932,7 +5858,7 @@
       </p:sp>
       <p:pic>
         <p:nvPicPr>
-          <p:cNvPr id="43" name="" descr=""/>
+          <p:cNvPr id="112" name="" descr=""/>
           <p:cNvPicPr/>
           <p:nvPr/>
         </p:nvPicPr>
@@ -2943,7 +5869,7 @@
         <p:spPr>
           <a:xfrm>
             <a:off x="2847240" y="1768680"/>
-            <a:ext cx="4384440" cy="4384440"/>
+            <a:ext cx="4384080" cy="4384080"/>
           </a:xfrm>
           <a:prstGeom prst="rect">
             <a:avLst/>
@@ -3004,14 +5930,14 @@
       </p:grpSpPr>
       <p:sp>
         <p:nvSpPr>
-          <p:cNvPr id="44" name="TextShape 1"/>
-          <p:cNvSpPr txBox="1"/>
+          <p:cNvPr id="113" name="CustomShape 1"/>
+          <p:cNvSpPr/>
           <p:nvPr/>
         </p:nvSpPr>
         <p:spPr>
           <a:xfrm>
             <a:off x="504000" y="301320"/>
-            <a:ext cx="9071640" cy="1262160"/>
+            <a:ext cx="9071280" cy="1261800"/>
           </a:xfrm>
           <a:prstGeom prst="rect">
             <a:avLst/>
@@ -3021,10 +5947,20 @@
             <a:noFill/>
           </a:ln>
         </p:spPr>
+        <p:style>
+          <a:lnRef idx="0"/>
+          <a:fillRef idx="0"/>
+          <a:effectRef idx="0"/>
+          <a:fontRef idx="minor"/>
+        </p:style>
         <p:txBody>
           <a:bodyPr lIns="0" rIns="0" tIns="0" bIns="0" anchor="ctr"/>
           <a:p>
-            <a:pPr algn="ctr"/>
+            <a:pPr algn="ctr">
+              <a:lnSpc>
+                <a:spcPct val="100000"/>
+              </a:lnSpc>
+            </a:pPr>
             <a:r>
               <a:rPr b="0" lang="en-US" sz="4400" spc="-1" strike="noStrike">
                 <a:solidFill>
@@ -3037,9 +5973,318 @@
                 </a:uFill>
                 <a:latin typeface="Arial"/>
               </a:rPr>
-              <a:t>Depth = 2 (shadows and reflection)</a:t>
+              <a:t>Barycentric co-ordinates</a:t>
             </a:r>
-            <a:endParaRPr b="0" lang="en-US" sz="4400" spc="-1" strike="noStrike">
+            <a:endParaRPr b="0" lang="en-US" sz="1800" spc="-1" strike="noStrike">
+              <a:solidFill>
+                <a:srgbClr val="000000"/>
+              </a:solidFill>
+              <a:uFill>
+                <a:solidFill>
+                  <a:srgbClr val="ffffff"/>
+                </a:solidFill>
+              </a:uFill>
+              <a:latin typeface="Arial"/>
+            </a:endParaRPr>
+          </a:p>
+        </p:txBody>
+      </p:sp>
+      <p:sp>
+        <p:nvSpPr>
+          <p:cNvPr id="114" name="CustomShape 2"/>
+          <p:cNvSpPr/>
+          <p:nvPr/>
+        </p:nvSpPr>
+        <p:spPr>
+          <a:xfrm>
+            <a:off x="504000" y="1769040"/>
+            <a:ext cx="9071280" cy="4384080"/>
+          </a:xfrm>
+          <a:prstGeom prst="rect">
+            <a:avLst/>
+          </a:prstGeom>
+          <a:noFill/>
+          <a:ln>
+            <a:noFill/>
+          </a:ln>
+        </p:spPr>
+        <p:style>
+          <a:lnRef idx="0"/>
+          <a:fillRef idx="0"/>
+          <a:effectRef idx="0"/>
+          <a:fontRef idx="minor"/>
+        </p:style>
+        <p:txBody>
+          <a:bodyPr lIns="0" rIns="0" tIns="0" bIns="0"/>
+          <a:p>
+            <a:pPr marL="432000" indent="-323640">
+              <a:lnSpc>
+                <a:spcPct val="100000"/>
+              </a:lnSpc>
+              <a:buClr>
+                <a:srgbClr val="000000"/>
+              </a:buClr>
+              <a:buSzPct val="45000"/>
+              <a:buFont typeface="Wingdings" charset="2"/>
+              <a:buChar char=""/>
+            </a:pPr>
+            <a:r>
+              <a:rPr b="0" lang="en-US" sz="3200" spc="-1" strike="noStrike">
+                <a:solidFill>
+                  <a:srgbClr val="000000"/>
+                </a:solidFill>
+                <a:uFill>
+                  <a:solidFill>
+                    <a:srgbClr val="ffffff"/>
+                  </a:solidFill>
+                </a:uFill>
+                <a:latin typeface="Arial"/>
+              </a:rPr>
+              <a:t>Barycentric coordinates can be used to express the position of any point located on the triangle with three scalars. The location of this point includes any position inside the triangle, any position on any of the three edges of the triangles, or any one of the three triangle's vertices themselves. To compute the position of this point using barycentric coordinates we use the following equation </a:t>
+            </a:r>
+            <a:endParaRPr b="0" lang="en-US" sz="1800" spc="-1" strike="noStrike">
+              <a:solidFill>
+                <a:srgbClr val="000000"/>
+              </a:solidFill>
+              <a:uFill>
+                <a:solidFill>
+                  <a:srgbClr val="ffffff"/>
+                </a:solidFill>
+              </a:uFill>
+              <a:latin typeface="Arial"/>
+            </a:endParaRPr>
+          </a:p>
+          <a:p>
+            <a:pPr marL="432000" indent="-323640">
+              <a:lnSpc>
+                <a:spcPct val="100000"/>
+              </a:lnSpc>
+              <a:buClr>
+                <a:srgbClr val="000000"/>
+              </a:buClr>
+              <a:buSzPct val="45000"/>
+              <a:buFont typeface="Wingdings" charset="2"/>
+              <a:buChar char=""/>
+            </a:pPr>
+            <a:r>
+              <a:rPr b="0" lang="en-US" sz="3200" spc="-1" strike="noStrike">
+                <a:solidFill>
+                  <a:srgbClr val="000000"/>
+                </a:solidFill>
+                <a:uFill>
+                  <a:solidFill>
+                    <a:srgbClr val="ffffff"/>
+                  </a:solidFill>
+                </a:uFill>
+                <a:latin typeface="Arial"/>
+              </a:rPr>
+              <a:t> </a:t>
+            </a:r>
+            <a:endParaRPr b="0" lang="en-US" sz="1800" spc="-1" strike="noStrike">
+              <a:solidFill>
+                <a:srgbClr val="000000"/>
+              </a:solidFill>
+              <a:uFill>
+                <a:solidFill>
+                  <a:srgbClr val="ffffff"/>
+                </a:solidFill>
+              </a:uFill>
+              <a:latin typeface="Arial"/>
+            </a:endParaRPr>
+          </a:p>
+          <a:p>
+            <a:pPr marL="432000" indent="-323640" algn="r">
+              <a:lnSpc>
+                <a:spcPct val="100000"/>
+              </a:lnSpc>
+              <a:buClr>
+                <a:srgbClr val="000000"/>
+              </a:buClr>
+              <a:buSzPct val="45000"/>
+              <a:buFont typeface="Wingdings" charset="2"/>
+              <a:buChar char=""/>
+            </a:pPr>
+            <a:r>
+              <a:rPr b="1" i="1" lang="en-US" sz="4400" spc="-1" strike="noStrike">
+                <a:solidFill>
+                  <a:srgbClr val="000000"/>
+                </a:solidFill>
+                <a:uFill>
+                  <a:solidFill>
+                    <a:srgbClr val="ffffff"/>
+                  </a:solidFill>
+                </a:uFill>
+                <a:latin typeface="Times New Roman"/>
+              </a:rPr>
+              <a:t>P=uA+vB+wC</a:t>
+            </a:r>
+            <a:r>
+              <a:rPr b="1" i="1" lang="en-US" sz="3200" spc="-1" strike="noStrike">
+                <a:solidFill>
+                  <a:srgbClr val="000000"/>
+                </a:solidFill>
+                <a:uFill>
+                  <a:solidFill>
+                    <a:srgbClr val="ffffff"/>
+                  </a:solidFill>
+                </a:uFill>
+                <a:latin typeface="Times New Roman"/>
+              </a:rPr>
+              <a:t>  </a:t>
+            </a:r>
+            <a:endParaRPr b="0" lang="en-US" sz="1800" spc="-1" strike="noStrike">
+              <a:solidFill>
+                <a:srgbClr val="000000"/>
+              </a:solidFill>
+              <a:uFill>
+                <a:solidFill>
+                  <a:srgbClr val="ffffff"/>
+                </a:solidFill>
+              </a:uFill>
+              <a:latin typeface="Arial"/>
+            </a:endParaRPr>
+          </a:p>
+          <a:p>
+            <a:pPr marL="432000" indent="-323640">
+              <a:lnSpc>
+                <a:spcPct val="100000"/>
+              </a:lnSpc>
+              <a:buClr>
+                <a:srgbClr val="000000"/>
+              </a:buClr>
+              <a:buSzPct val="45000"/>
+              <a:buFont typeface="Wingdings" charset="2"/>
+              <a:buChar char=""/>
+            </a:pPr>
+            <a:r>
+              <a:rPr b="1" i="1" lang="en-US" sz="3200" spc="-1" strike="noStrike">
+                <a:solidFill>
+                  <a:srgbClr val="000000"/>
+                </a:solidFill>
+                <a:uFill>
+                  <a:solidFill>
+                    <a:srgbClr val="ffffff"/>
+                  </a:solidFill>
+                </a:uFill>
+                <a:latin typeface="Times New Roman"/>
+              </a:rPr>
+              <a:t> </a:t>
+            </a:r>
+            <a:endParaRPr b="0" lang="en-US" sz="1800" spc="-1" strike="noStrike">
+              <a:solidFill>
+                <a:srgbClr val="000000"/>
+              </a:solidFill>
+              <a:uFill>
+                <a:solidFill>
+                  <a:srgbClr val="ffffff"/>
+                </a:solidFill>
+              </a:uFill>
+              <a:latin typeface="Arial"/>
+            </a:endParaRPr>
+          </a:p>
+          <a:p>
+            <a:pPr marL="432000" indent="-323640">
+              <a:lnSpc>
+                <a:spcPct val="100000"/>
+              </a:lnSpc>
+              <a:buClr>
+                <a:srgbClr val="000000"/>
+              </a:buClr>
+              <a:buSzPct val="45000"/>
+              <a:buFont typeface="Wingdings" charset="2"/>
+              <a:buChar char=""/>
+            </a:pPr>
+            <a:r>
+              <a:rPr b="1" i="1" lang="en-US" sz="3200" spc="-1" strike="noStrike">
+                <a:solidFill>
+                  <a:srgbClr val="000000"/>
+                </a:solidFill>
+                <a:uFill>
+                  <a:solidFill>
+                    <a:srgbClr val="ffffff"/>
+                  </a:solidFill>
+                </a:uFill>
+                <a:latin typeface="Times New Roman"/>
+              </a:rPr>
+              <a:t> </a:t>
+            </a:r>
+            <a:endParaRPr b="0" lang="en-US" sz="1800" spc="-1" strike="noStrike">
+              <a:solidFill>
+                <a:srgbClr val="000000"/>
+              </a:solidFill>
+              <a:uFill>
+                <a:solidFill>
+                  <a:srgbClr val="ffffff"/>
+                </a:solidFill>
+              </a:uFill>
+              <a:latin typeface="Arial"/>
+            </a:endParaRPr>
+          </a:p>
+          <a:p>
+            <a:pPr marL="432000" indent="-323640">
+              <a:lnSpc>
+                <a:spcPct val="100000"/>
+              </a:lnSpc>
+              <a:buClr>
+                <a:srgbClr val="000000"/>
+              </a:buClr>
+              <a:buSzPct val="45000"/>
+              <a:buFont typeface="Wingdings" charset="2"/>
+              <a:buChar char=""/>
+            </a:pPr>
+            <a:r>
+              <a:rPr b="1" i="1" lang="en-US" sz="3200" spc="-1" strike="noStrike">
+                <a:solidFill>
+                  <a:srgbClr val="000000"/>
+                </a:solidFill>
+                <a:uFill>
+                  <a:solidFill>
+                    <a:srgbClr val="ffffff"/>
+                  </a:solidFill>
+                </a:uFill>
+                <a:latin typeface="Times New Roman"/>
+              </a:rPr>
+              <a:t> </a:t>
+            </a:r>
+            <a:endParaRPr b="0" lang="en-US" sz="1800" spc="-1" strike="noStrike">
+              <a:solidFill>
+                <a:srgbClr val="000000"/>
+              </a:solidFill>
+              <a:uFill>
+                <a:solidFill>
+                  <a:srgbClr val="ffffff"/>
+                </a:solidFill>
+              </a:uFill>
+              <a:latin typeface="Arial"/>
+            </a:endParaRPr>
+          </a:p>
+          <a:p>
+            <a:pPr marL="432000" indent="-323640">
+              <a:lnSpc>
+                <a:spcPct val="100000"/>
+              </a:lnSpc>
+              <a:buClr>
+                <a:srgbClr val="000000"/>
+              </a:buClr>
+              <a:buSzPct val="45000"/>
+              <a:buFont typeface="Wingdings" charset="2"/>
+              <a:buChar char=""/>
+            </a:pPr>
+            <a:r>
+              <a:rPr b="1" i="1" lang="en-US" sz="3200" spc="-1" strike="noStrike">
+                <a:solidFill>
+                  <a:srgbClr val="000000"/>
+                </a:solidFill>
+                <a:uFill>
+                  <a:solidFill>
+                    <a:srgbClr val="ffffff"/>
+                  </a:solidFill>
+                </a:uFill>
+                <a:latin typeface="Times New Roman"/>
+              </a:rPr>
+              <a:t> </a:t>
+            </a:r>
+            <a:endParaRPr b="0" lang="en-US" sz="1800" spc="-1" strike="noStrike">
               <a:solidFill>
                 <a:srgbClr val="000000"/>
               </a:solidFill>
@@ -3055,7 +6300,7 @@
       </p:sp>
       <p:pic>
         <p:nvPicPr>
-          <p:cNvPr id="45" name="" descr=""/>
+          <p:cNvPr id="115" name="" descr=""/>
           <p:cNvPicPr/>
           <p:nvPr/>
         </p:nvPicPr>
@@ -3065,8 +6310,8 @@
         </p:blipFill>
         <p:spPr>
           <a:xfrm>
-            <a:off x="2847240" y="1768680"/>
-            <a:ext cx="4384440" cy="4384440"/>
+            <a:off x="1815840" y="4036320"/>
+            <a:ext cx="2572920" cy="2638440"/>
           </a:xfrm>
           <a:prstGeom prst="rect">
             <a:avLst/>
@@ -3127,14 +6372,14 @@
       </p:grpSpPr>
       <p:sp>
         <p:nvSpPr>
-          <p:cNvPr id="46" name="TextShape 1"/>
-          <p:cNvSpPr txBox="1"/>
+          <p:cNvPr id="116" name="CustomShape 1"/>
+          <p:cNvSpPr/>
           <p:nvPr/>
         </p:nvSpPr>
         <p:spPr>
           <a:xfrm>
             <a:off x="504000" y="301320"/>
-            <a:ext cx="9071640" cy="1262160"/>
+            <a:ext cx="9071280" cy="1261800"/>
           </a:xfrm>
           <a:prstGeom prst="rect">
             <a:avLst/>
@@ -3144,10 +6389,20 @@
             <a:noFill/>
           </a:ln>
         </p:spPr>
+        <p:style>
+          <a:lnRef idx="0"/>
+          <a:fillRef idx="0"/>
+          <a:effectRef idx="0"/>
+          <a:fontRef idx="minor"/>
+        </p:style>
         <p:txBody>
           <a:bodyPr lIns="0" rIns="0" tIns="0" bIns="0" anchor="ctr"/>
           <a:p>
-            <a:pPr algn="ctr"/>
+            <a:pPr algn="ctr">
+              <a:lnSpc>
+                <a:spcPct val="100000"/>
+              </a:lnSpc>
+            </a:pPr>
             <a:r>
               <a:rPr b="0" lang="en-US" sz="4400" spc="-1" strike="noStrike">
                 <a:solidFill>
@@ -3160,32 +6415,32 @@
                 </a:uFill>
                 <a:latin typeface="Arial"/>
               </a:rPr>
-              <a:t>Barycentric co-ordinates</a:t>
+              <a:t>Pending</a:t>
             </a:r>
-            <a:endParaRPr b="0" lang="en-US" sz="4400" spc="-1" strike="noStrike">
-              <a:solidFill>
-                <a:srgbClr val="000000"/>
-              </a:solidFill>
-              <a:uFill>
-                <a:solidFill>
-                  <a:srgbClr val="ffffff"/>
-                </a:solidFill>
-              </a:uFill>
-              <a:latin typeface="Arial"/>
-            </a:endParaRPr>
-          </a:p>
-        </p:txBody>
-      </p:sp>
-      <p:sp>
-        <p:nvSpPr>
-          <p:cNvPr id="47" name="TextShape 2"/>
-          <p:cNvSpPr txBox="1"/>
+            <a:endParaRPr b="0" lang="en-US" sz="1800" spc="-1" strike="noStrike">
+              <a:solidFill>
+                <a:srgbClr val="000000"/>
+              </a:solidFill>
+              <a:uFill>
+                <a:solidFill>
+                  <a:srgbClr val="ffffff"/>
+                </a:solidFill>
+              </a:uFill>
+              <a:latin typeface="Arial"/>
+            </a:endParaRPr>
+          </a:p>
+        </p:txBody>
+      </p:sp>
+      <p:sp>
+        <p:nvSpPr>
+          <p:cNvPr id="117" name="CustomShape 2"/>
+          <p:cNvSpPr/>
           <p:nvPr/>
         </p:nvSpPr>
         <p:spPr>
           <a:xfrm>
             <a:off x="504000" y="1769040"/>
-            <a:ext cx="9071640" cy="4384440"/>
+            <a:ext cx="9071280" cy="4384080"/>
           </a:xfrm>
           <a:prstGeom prst="rect">
             <a:avLst/>
@@ -3195,10 +6450,19 @@
             <a:noFill/>
           </a:ln>
         </p:spPr>
+        <p:style>
+          <a:lnRef idx="0"/>
+          <a:fillRef idx="0"/>
+          <a:effectRef idx="0"/>
+          <a:fontRef idx="minor"/>
+        </p:style>
         <p:txBody>
           <a:bodyPr lIns="0" rIns="0" tIns="0" bIns="0"/>
           <a:p>
-            <a:pPr marL="432000" indent="-324000">
+            <a:pPr marL="432000" indent="-323640">
+              <a:lnSpc>
+                <a:spcPct val="100000"/>
+              </a:lnSpc>
               <a:buClr>
                 <a:srgbClr val="000000"/>
               </a:buClr>
@@ -3218,22 +6482,25 @@
                 </a:uFill>
                 <a:latin typeface="Arial"/>
               </a:rPr>
-              <a:t>Barycentric coordinates can be used to express the position of any point located on the triangle with three scalars. The location of this point includes any position inside the triangle, any position on any of the three edges of the triangles, or any one of the three triangle's vertices themselves. To compute the position of this point using barycentric coordinates we use the following equation </a:t>
+              <a:t>Refractions</a:t>
             </a:r>
-            <a:endParaRPr b="0" lang="en-US" sz="3200" spc="-1" strike="noStrike">
-              <a:solidFill>
-                <a:srgbClr val="000000"/>
-              </a:solidFill>
-              <a:uFill>
-                <a:solidFill>
-                  <a:srgbClr val="ffffff"/>
-                </a:solidFill>
-              </a:uFill>
-              <a:latin typeface="Arial"/>
-            </a:endParaRPr>
-          </a:p>
-          <a:p>
-            <a:pPr marL="432000" indent="-324000">
+            <a:endParaRPr b="0" lang="en-US" sz="1800" spc="-1" strike="noStrike">
+              <a:solidFill>
+                <a:srgbClr val="000000"/>
+              </a:solidFill>
+              <a:uFill>
+                <a:solidFill>
+                  <a:srgbClr val="ffffff"/>
+                </a:solidFill>
+              </a:uFill>
+              <a:latin typeface="Arial"/>
+            </a:endParaRPr>
+          </a:p>
+          <a:p>
+            <a:pPr marL="432000" indent="-323640">
+              <a:lnSpc>
+                <a:spcPct val="100000"/>
+              </a:lnSpc>
               <a:buClr>
                 <a:srgbClr val="000000"/>
               </a:buClr>
@@ -3253,234 +6520,22 @@
                 </a:uFill>
                 <a:latin typeface="Arial"/>
               </a:rPr>
-              <a:t> </a:t>
+              <a:t>...</a:t>
             </a:r>
-            <a:endParaRPr b="0" lang="en-US" sz="3200" spc="-1" strike="noStrike">
-              <a:solidFill>
-                <a:srgbClr val="000000"/>
-              </a:solidFill>
-              <a:uFill>
-                <a:solidFill>
-                  <a:srgbClr val="ffffff"/>
-                </a:solidFill>
-              </a:uFill>
-              <a:latin typeface="Arial"/>
-            </a:endParaRPr>
-          </a:p>
-          <a:p>
-            <a:pPr marL="432000" indent="-324000" algn="r">
-              <a:buClr>
-                <a:srgbClr val="000000"/>
-              </a:buClr>
-              <a:buSzPct val="45000"/>
-              <a:buFont typeface="Wingdings" charset="2"/>
-              <a:buChar char=""/>
-            </a:pPr>
-            <a:r>
-              <a:rPr b="1" i="1" lang="en-US" sz="4400" spc="-1" strike="noStrike">
-                <a:solidFill>
-                  <a:srgbClr val="000000"/>
-                </a:solidFill>
-                <a:uFill>
-                  <a:solidFill>
-                    <a:srgbClr val="ffffff"/>
-                  </a:solidFill>
-                </a:uFill>
-                <a:latin typeface="Times New Roman"/>
-              </a:rPr>
-              <a:t>P=uA+vB+wC</a:t>
-            </a:r>
-            <a:r>
-              <a:rPr b="1" i="1" lang="en-US" sz="3200" spc="-1" strike="noStrike">
-                <a:solidFill>
-                  <a:srgbClr val="000000"/>
-                </a:solidFill>
-                <a:uFill>
-                  <a:solidFill>
-                    <a:srgbClr val="ffffff"/>
-                  </a:solidFill>
-                </a:uFill>
-                <a:latin typeface="Times New Roman"/>
-              </a:rPr>
-              <a:t>  </a:t>
-            </a:r>
-            <a:endParaRPr b="0" lang="en-US" sz="3200" spc="-1" strike="noStrike">
-              <a:solidFill>
-                <a:srgbClr val="000000"/>
-              </a:solidFill>
-              <a:uFill>
-                <a:solidFill>
-                  <a:srgbClr val="ffffff"/>
-                </a:solidFill>
-              </a:uFill>
-              <a:latin typeface="Arial"/>
-            </a:endParaRPr>
-          </a:p>
-          <a:p>
-            <a:pPr marL="432000" indent="-324000">
-              <a:buClr>
-                <a:srgbClr val="000000"/>
-              </a:buClr>
-              <a:buSzPct val="45000"/>
-              <a:buFont typeface="Wingdings" charset="2"/>
-              <a:buChar char=""/>
-            </a:pPr>
-            <a:r>
-              <a:rPr b="1" i="1" lang="en-US" sz="3200" spc="-1" strike="noStrike">
-                <a:solidFill>
-                  <a:srgbClr val="000000"/>
-                </a:solidFill>
-                <a:uFill>
-                  <a:solidFill>
-                    <a:srgbClr val="ffffff"/>
-                  </a:solidFill>
-                </a:uFill>
-                <a:latin typeface="Times New Roman"/>
-              </a:rPr>
-              <a:t> </a:t>
-            </a:r>
-            <a:endParaRPr b="0" lang="en-US" sz="3200" spc="-1" strike="noStrike">
-              <a:solidFill>
-                <a:srgbClr val="000000"/>
-              </a:solidFill>
-              <a:uFill>
-                <a:solidFill>
-                  <a:srgbClr val="ffffff"/>
-                </a:solidFill>
-              </a:uFill>
-              <a:latin typeface="Arial"/>
-            </a:endParaRPr>
-          </a:p>
-          <a:p>
-            <a:pPr marL="432000" indent="-324000">
-              <a:buClr>
-                <a:srgbClr val="000000"/>
-              </a:buClr>
-              <a:buSzPct val="45000"/>
-              <a:buFont typeface="Wingdings" charset="2"/>
-              <a:buChar char=""/>
-            </a:pPr>
-            <a:r>
-              <a:rPr b="1" i="1" lang="en-US" sz="3200" spc="-1" strike="noStrike">
-                <a:solidFill>
-                  <a:srgbClr val="000000"/>
-                </a:solidFill>
-                <a:uFill>
-                  <a:solidFill>
-                    <a:srgbClr val="ffffff"/>
-                  </a:solidFill>
-                </a:uFill>
-                <a:latin typeface="Times New Roman"/>
-              </a:rPr>
-              <a:t> </a:t>
-            </a:r>
-            <a:endParaRPr b="0" lang="en-US" sz="3200" spc="-1" strike="noStrike">
-              <a:solidFill>
-                <a:srgbClr val="000000"/>
-              </a:solidFill>
-              <a:uFill>
-                <a:solidFill>
-                  <a:srgbClr val="ffffff"/>
-                </a:solidFill>
-              </a:uFill>
-              <a:latin typeface="Arial"/>
-            </a:endParaRPr>
-          </a:p>
-          <a:p>
-            <a:pPr marL="432000" indent="-324000">
-              <a:buClr>
-                <a:srgbClr val="000000"/>
-              </a:buClr>
-              <a:buSzPct val="45000"/>
-              <a:buFont typeface="Wingdings" charset="2"/>
-              <a:buChar char=""/>
-            </a:pPr>
-            <a:r>
-              <a:rPr b="1" i="1" lang="en-US" sz="3200" spc="-1" strike="noStrike">
-                <a:solidFill>
-                  <a:srgbClr val="000000"/>
-                </a:solidFill>
-                <a:uFill>
-                  <a:solidFill>
-                    <a:srgbClr val="ffffff"/>
-                  </a:solidFill>
-                </a:uFill>
-                <a:latin typeface="Times New Roman"/>
-              </a:rPr>
-              <a:t> </a:t>
-            </a:r>
-            <a:endParaRPr b="0" lang="en-US" sz="3200" spc="-1" strike="noStrike">
-              <a:solidFill>
-                <a:srgbClr val="000000"/>
-              </a:solidFill>
-              <a:uFill>
-                <a:solidFill>
-                  <a:srgbClr val="ffffff"/>
-                </a:solidFill>
-              </a:uFill>
-              <a:latin typeface="Arial"/>
-            </a:endParaRPr>
-          </a:p>
-          <a:p>
-            <a:pPr marL="432000" indent="-324000">
-              <a:buClr>
-                <a:srgbClr val="000000"/>
-              </a:buClr>
-              <a:buSzPct val="45000"/>
-              <a:buFont typeface="Wingdings" charset="2"/>
-              <a:buChar char=""/>
-            </a:pPr>
-            <a:r>
-              <a:rPr b="1" i="1" lang="en-US" sz="3200" spc="-1" strike="noStrike">
-                <a:solidFill>
-                  <a:srgbClr val="000000"/>
-                </a:solidFill>
-                <a:uFill>
-                  <a:solidFill>
-                    <a:srgbClr val="ffffff"/>
-                  </a:solidFill>
-                </a:uFill>
-                <a:latin typeface="Times New Roman"/>
-              </a:rPr>
-              <a:t> </a:t>
-            </a:r>
-            <a:endParaRPr b="0" lang="en-US" sz="3200" spc="-1" strike="noStrike">
-              <a:solidFill>
-                <a:srgbClr val="000000"/>
-              </a:solidFill>
-              <a:uFill>
-                <a:solidFill>
-                  <a:srgbClr val="ffffff"/>
-                </a:solidFill>
-              </a:uFill>
-              <a:latin typeface="Arial"/>
-            </a:endParaRPr>
-          </a:p>
-        </p:txBody>
-      </p:sp>
-      <p:pic>
-        <p:nvPicPr>
-          <p:cNvPr id="48" name="" descr=""/>
-          <p:cNvPicPr/>
-          <p:nvPr/>
-        </p:nvPicPr>
-        <p:blipFill>
-          <a:blip r:embed="rId1"/>
-          <a:stretch/>
-        </p:blipFill>
-        <p:spPr>
-          <a:xfrm>
-            <a:off x="1815840" y="4036320"/>
-            <a:ext cx="2573280" cy="2638800"/>
-          </a:xfrm>
-          <a:prstGeom prst="rect">
-            <a:avLst/>
-          </a:prstGeom>
-          <a:ln>
-            <a:noFill/>
-          </a:ln>
-        </p:spPr>
-      </p:pic>
+            <a:endParaRPr b="0" lang="en-US" sz="1800" spc="-1" strike="noStrike">
+              <a:solidFill>
+                <a:srgbClr val="000000"/>
+              </a:solidFill>
+              <a:uFill>
+                <a:solidFill>
+                  <a:srgbClr val="ffffff"/>
+                </a:solidFill>
+              </a:uFill>
+              <a:latin typeface="Arial"/>
+            </a:endParaRPr>
+          </a:p>
+        </p:txBody>
+      </p:sp>
     </p:spTree>
   </p:cSld>
   <p:timing>
@@ -3532,14 +6587,14 @@
       </p:grpSpPr>
       <p:sp>
         <p:nvSpPr>
-          <p:cNvPr id="49" name="TextShape 1"/>
-          <p:cNvSpPr txBox="1"/>
+          <p:cNvPr id="118" name="CustomShape 1"/>
+          <p:cNvSpPr/>
           <p:nvPr/>
         </p:nvSpPr>
         <p:spPr>
           <a:xfrm>
             <a:off x="504000" y="301320"/>
-            <a:ext cx="9071640" cy="1262160"/>
+            <a:ext cx="9071280" cy="1261800"/>
           </a:xfrm>
           <a:prstGeom prst="rect">
             <a:avLst/>
@@ -3549,10 +6604,20 @@
             <a:noFill/>
           </a:ln>
         </p:spPr>
+        <p:style>
+          <a:lnRef idx="0"/>
+          <a:fillRef idx="0"/>
+          <a:effectRef idx="0"/>
+          <a:fontRef idx="minor"/>
+        </p:style>
         <p:txBody>
           <a:bodyPr lIns="0" rIns="0" tIns="0" bIns="0" anchor="ctr"/>
           <a:p>
-            <a:pPr algn="ctr"/>
+            <a:pPr algn="ctr">
+              <a:lnSpc>
+                <a:spcPct val="100000"/>
+              </a:lnSpc>
+            </a:pPr>
             <a:r>
               <a:rPr b="0" lang="en-US" sz="4400" spc="-1" strike="noStrike">
                 <a:solidFill>
@@ -3565,102 +6630,9 @@
                 </a:uFill>
                 <a:latin typeface="Arial"/>
               </a:rPr>
-              <a:t>Pending</a:t>
+              <a:t>Thank You</a:t>
             </a:r>
-            <a:endParaRPr b="0" lang="en-US" sz="4400" spc="-1" strike="noStrike">
-              <a:solidFill>
-                <a:srgbClr val="000000"/>
-              </a:solidFill>
-              <a:uFill>
-                <a:solidFill>
-                  <a:srgbClr val="ffffff"/>
-                </a:solidFill>
-              </a:uFill>
-              <a:latin typeface="Arial"/>
-            </a:endParaRPr>
-          </a:p>
-        </p:txBody>
-      </p:sp>
-      <p:sp>
-        <p:nvSpPr>
-          <p:cNvPr id="50" name="TextShape 2"/>
-          <p:cNvSpPr txBox="1"/>
-          <p:nvPr/>
-        </p:nvSpPr>
-        <p:spPr>
-          <a:xfrm>
-            <a:off x="504000" y="1769040"/>
-            <a:ext cx="9071640" cy="4384440"/>
-          </a:xfrm>
-          <a:prstGeom prst="rect">
-            <a:avLst/>
-          </a:prstGeom>
-          <a:noFill/>
-          <a:ln>
-            <a:noFill/>
-          </a:ln>
-        </p:spPr>
-        <p:txBody>
-          <a:bodyPr lIns="0" rIns="0" tIns="0" bIns="0"/>
-          <a:p>
-            <a:pPr marL="432000" indent="-324000">
-              <a:buClr>
-                <a:srgbClr val="000000"/>
-              </a:buClr>
-              <a:buSzPct val="45000"/>
-              <a:buFont typeface="Wingdings" charset="2"/>
-              <a:buChar char=""/>
-            </a:pPr>
-            <a:r>
-              <a:rPr b="0" lang="en-US" sz="3200" spc="-1" strike="noStrike">
-                <a:solidFill>
-                  <a:srgbClr val="000000"/>
-                </a:solidFill>
-                <a:uFill>
-                  <a:solidFill>
-                    <a:srgbClr val="ffffff"/>
-                  </a:solidFill>
-                </a:uFill>
-                <a:latin typeface="Arial"/>
-              </a:rPr>
-              <a:t>Refractions</a:t>
-            </a:r>
-            <a:endParaRPr b="0" lang="en-US" sz="3200" spc="-1" strike="noStrike">
-              <a:solidFill>
-                <a:srgbClr val="000000"/>
-              </a:solidFill>
-              <a:uFill>
-                <a:solidFill>
-                  <a:srgbClr val="ffffff"/>
-                </a:solidFill>
-              </a:uFill>
-              <a:latin typeface="Arial"/>
-            </a:endParaRPr>
-          </a:p>
-          <a:p>
-            <a:pPr marL="432000" indent="-324000">
-              <a:buClr>
-                <a:srgbClr val="000000"/>
-              </a:buClr>
-              <a:buSzPct val="45000"/>
-              <a:buFont typeface="Wingdings" charset="2"/>
-              <a:buChar char=""/>
-            </a:pPr>
-            <a:r>
-              <a:rPr b="0" lang="en-US" sz="3200" spc="-1" strike="noStrike">
-                <a:solidFill>
-                  <a:srgbClr val="000000"/>
-                </a:solidFill>
-                <a:uFill>
-                  <a:solidFill>
-                    <a:srgbClr val="ffffff"/>
-                  </a:solidFill>
-                </a:uFill>
-                <a:latin typeface="Arial"/>
-              </a:rPr>
-              <a:t>...</a:t>
-            </a:r>
-            <a:endParaRPr b="0" lang="en-US" sz="3200" spc="-1" strike="noStrike">
+            <a:endParaRPr b="0" lang="en-US" sz="1800" spc="-1" strike="noStrike">
               <a:solidFill>
                 <a:srgbClr val="000000"/>
               </a:solidFill>
@@ -3703,79 +6675,6 @@
       </p:par>
     </p:tnLst>
   </p:timing>
-</p:sld>
-</file>
-
-<file path=ppt/slides/slide7.xml><?xml version="1.0" encoding="utf-8"?>
-<p:sld xmlns:a="http://schemas.openxmlformats.org/drawingml/2006/main" xmlns:p="http://schemas.openxmlformats.org/presentationml/2006/main" xmlns:r="http://schemas.openxmlformats.org/officeDocument/2006/relationships" xmlns:p14="http://schemas.microsoft.com/office/powerpoint/2010/main" xmlns:p15="http://schemas.microsoft.com/office/powerpoint/2012/main" xmlns:mc="http://schemas.openxmlformats.org/markup-compatibility/2006">
-  <p:cSld>
-    <p:spTree>
-      <p:nvGrpSpPr>
-        <p:cNvPr id="1" name=""/>
-        <p:cNvGrpSpPr/>
-        <p:nvPr/>
-      </p:nvGrpSpPr>
-      <p:grpSpPr>
-        <a:xfrm>
-          <a:off x="0" y="0"/>
-          <a:ext cx="0" cy="0"/>
-          <a:chOff x="0" y="0"/>
-          <a:chExt cx="0" cy="0"/>
-        </a:xfrm>
-      </p:grpSpPr>
-      <p:sp>
-        <p:nvSpPr>
-          <p:cNvPr id="51" name="TextShape 1"/>
-          <p:cNvSpPr txBox="1"/>
-          <p:nvPr/>
-        </p:nvSpPr>
-        <p:spPr>
-          <a:xfrm>
-            <a:off x="504000" y="301320"/>
-            <a:ext cx="9071640" cy="1262160"/>
-          </a:xfrm>
-          <a:prstGeom prst="rect">
-            <a:avLst/>
-          </a:prstGeom>
-          <a:noFill/>
-          <a:ln>
-            <a:noFill/>
-          </a:ln>
-        </p:spPr>
-        <p:txBody>
-          <a:bodyPr lIns="0" rIns="0" tIns="0" bIns="0" anchor="ctr"/>
-          <a:p>
-            <a:pPr algn="ctr"/>
-            <a:r>
-              <a:rPr b="0" lang="en-US" sz="4400" spc="-1" strike="noStrike">
-                <a:solidFill>
-                  <a:srgbClr val="000000"/>
-                </a:solidFill>
-                <a:uFill>
-                  <a:solidFill>
-                    <a:srgbClr val="ffffff"/>
-                  </a:solidFill>
-                </a:uFill>
-                <a:latin typeface="Arial"/>
-              </a:rPr>
-              <a:t>Thank You</a:t>
-            </a:r>
-            <a:endParaRPr b="0" lang="en-US" sz="4400" spc="-1" strike="noStrike">
-              <a:solidFill>
-                <a:srgbClr val="000000"/>
-              </a:solidFill>
-              <a:uFill>
-                <a:solidFill>
-                  <a:srgbClr val="ffffff"/>
-                </a:solidFill>
-              </a:uFill>
-              <a:latin typeface="Arial"/>
-            </a:endParaRPr>
-          </a:p>
-        </p:txBody>
-      </p:sp>
-    </p:spTree>
-  </p:cSld>
 </p:sld>
 </file>
 
@@ -4000,4 +6899,450 @@
     </a:fmtScheme>
   </a:themeElements>
 </a:theme>
+</file>
+
+<file path=ppt/theme/theme2.xml><?xml version="1.0" encoding="utf-8"?>
+<a:theme xmlns:a="http://schemas.openxmlformats.org/drawingml/2006/main" name="Office Theme">
+  <a:themeElements>
+    <a:clrScheme name="Office">
+      <a:dk1>
+        <a:sysClr val="windowText" lastClr="000000"/>
+      </a:dk1>
+      <a:lt1>
+        <a:sysClr val="window" lastClr="FFFFFF"/>
+      </a:lt1>
+      <a:dk2>
+        <a:srgbClr val="1F497D"/>
+      </a:dk2>
+      <a:lt2>
+        <a:srgbClr val="EEECE1"/>
+      </a:lt2>
+      <a:accent1>
+        <a:srgbClr val="4F81BD"/>
+      </a:accent1>
+      <a:accent2>
+        <a:srgbClr val="C0504D"/>
+      </a:accent2>
+      <a:accent3>
+        <a:srgbClr val="9BBB59"/>
+      </a:accent3>
+      <a:accent4>
+        <a:srgbClr val="8064A2"/>
+      </a:accent4>
+      <a:accent5>
+        <a:srgbClr val="4BACC6"/>
+      </a:accent5>
+      <a:accent6>
+        <a:srgbClr val="F79646"/>
+      </a:accent6>
+      <a:hlink>
+        <a:srgbClr val="0000FF"/>
+      </a:hlink>
+      <a:folHlink>
+        <a:srgbClr val="800080"/>
+      </a:folHlink>
+    </a:clrScheme>
+    <a:fontScheme name="Office">
+      <a:majorFont>
+        <a:latin typeface="Arial"/>
+        <a:ea typeface="DejaVu Sans"/>
+        <a:cs typeface="DejaVu Sans"/>
+      </a:majorFont>
+      <a:minorFont>
+        <a:latin typeface="Arial"/>
+        <a:ea typeface="DejaVu Sans"/>
+        <a:cs typeface="DejaVu Sans"/>
+      </a:minorFont>
+    </a:fontScheme>
+    <a:fmtScheme name="Office">
+      <a:fillStyleLst>
+        <a:solidFill>
+          <a:schemeClr val="phClr"/>
+        </a:solidFill>
+        <a:gradFill rotWithShape="1">
+          <a:gsLst>
+            <a:gs pos="0">
+              <a:schemeClr val="phClr">
+                <a:tint val="50000"/>
+                <a:satMod val="300000"/>
+              </a:schemeClr>
+            </a:gs>
+            <a:gs pos="35000">
+              <a:schemeClr val="phClr">
+                <a:tint val="37000"/>
+                <a:satMod val="300000"/>
+              </a:schemeClr>
+            </a:gs>
+            <a:gs pos="100000">
+              <a:schemeClr val="phClr">
+                <a:tint val="15000"/>
+                <a:satMod val="350000"/>
+              </a:schemeClr>
+            </a:gs>
+          </a:gsLst>
+          <a:lin ang="16200000" scaled="1"/>
+        </a:gradFill>
+        <a:gradFill rotWithShape="1">
+          <a:gsLst>
+            <a:gs pos="0">
+              <a:schemeClr val="phClr">
+                <a:shade val="51000"/>
+                <a:satMod val="130000"/>
+              </a:schemeClr>
+            </a:gs>
+            <a:gs pos="80000">
+              <a:schemeClr val="phClr">
+                <a:shade val="93000"/>
+                <a:satMod val="130000"/>
+              </a:schemeClr>
+            </a:gs>
+            <a:gs pos="100000">
+              <a:schemeClr val="phClr">
+                <a:shade val="94000"/>
+                <a:satMod val="135000"/>
+              </a:schemeClr>
+            </a:gs>
+          </a:gsLst>
+          <a:lin ang="16200000" scaled="0"/>
+        </a:gradFill>
+      </a:fillStyleLst>
+      <a:lnStyleLst>
+        <a:ln w="9525" cap="flat" cmpd="sng" algn="ctr">
+          <a:solidFill>
+            <a:schemeClr val="phClr">
+              <a:shade val="95000"/>
+              <a:satMod val="105000"/>
+            </a:schemeClr>
+          </a:solidFill>
+          <a:prstDash val="solid"/>
+        </a:ln>
+        <a:ln w="25400" cap="flat" cmpd="sng" algn="ctr">
+          <a:solidFill>
+            <a:schemeClr val="phClr"/>
+          </a:solidFill>
+          <a:prstDash val="solid"/>
+        </a:ln>
+        <a:ln w="38100" cap="flat" cmpd="sng" algn="ctr">
+          <a:solidFill>
+            <a:schemeClr val="phClr"/>
+          </a:solidFill>
+          <a:prstDash val="solid"/>
+        </a:ln>
+      </a:lnStyleLst>
+      <a:effectStyleLst>
+        <a:effectStyle>
+          <a:effectLst>
+            <a:outerShdw blurRad="40000" dist="20000" dir="5400000" rotWithShape="0">
+              <a:srgbClr val="000000">
+                <a:alpha val="38000"/>
+              </a:srgbClr>
+            </a:outerShdw>
+          </a:effectLst>
+        </a:effectStyle>
+        <a:effectStyle>
+          <a:effectLst>
+            <a:outerShdw blurRad="40000" dist="23000" dir="5400000" rotWithShape="0">
+              <a:srgbClr val="000000">
+                <a:alpha val="35000"/>
+              </a:srgbClr>
+            </a:outerShdw>
+          </a:effectLst>
+        </a:effectStyle>
+        <a:effectStyle>
+          <a:effectLst>
+            <a:outerShdw blurRad="40000" dist="23000" dir="5400000" rotWithShape="0">
+              <a:srgbClr val="000000">
+                <a:alpha val="35000"/>
+              </a:srgbClr>
+            </a:outerShdw>
+          </a:effectLst>
+          <a:scene3d>
+            <a:camera prst="orthographicFront">
+              <a:rot lat="0" lon="0" rev="0"/>
+            </a:camera>
+            <a:lightRig rig="threePt" dir="t">
+              <a:rot lat="0" lon="0" rev="1200000"/>
+            </a:lightRig>
+          </a:scene3d>
+          <a:sp3d>
+            <a:bevelT w="63500" h="25400"/>
+          </a:sp3d>
+        </a:effectStyle>
+      </a:effectStyleLst>
+      <a:bgFillStyleLst>
+        <a:solidFill>
+          <a:schemeClr val="phClr"/>
+        </a:solidFill>
+        <a:gradFill rotWithShape="1">
+          <a:gsLst>
+            <a:gs pos="0">
+              <a:schemeClr val="phClr">
+                <a:tint val="40000"/>
+                <a:satMod val="350000"/>
+              </a:schemeClr>
+            </a:gs>
+            <a:gs pos="40000">
+              <a:schemeClr val="phClr">
+                <a:tint val="45000"/>
+                <a:shade val="99000"/>
+                <a:satMod val="350000"/>
+              </a:schemeClr>
+            </a:gs>
+            <a:gs pos="100000">
+              <a:schemeClr val="phClr">
+                <a:shade val="20000"/>
+                <a:satMod val="255000"/>
+              </a:schemeClr>
+            </a:gs>
+          </a:gsLst>
+          <a:path path="circle">
+            <a:fillToRect l="50000" t="-80000" r="50000" b="180000"/>
+          </a:path>
+        </a:gradFill>
+        <a:gradFill rotWithShape="1">
+          <a:gsLst>
+            <a:gs pos="0">
+              <a:schemeClr val="phClr">
+                <a:tint val="80000"/>
+                <a:satMod val="300000"/>
+              </a:schemeClr>
+            </a:gs>
+            <a:gs pos="100000">
+              <a:schemeClr val="phClr">
+                <a:shade val="30000"/>
+                <a:satMod val="200000"/>
+              </a:schemeClr>
+            </a:gs>
+          </a:gsLst>
+          <a:path path="circle">
+            <a:fillToRect l="50000" t="50000" r="50000" b="50000"/>
+          </a:path>
+        </a:gradFill>
+      </a:bgFillStyleLst>
+    </a:fmtScheme>
+  </a:themeElements>
+</a:theme>
+</file>
+
+<file path=ppt/theme/theme3.xml><?xml version="1.0" encoding="utf-8"?>
+<a:theme xmlns:a="http://schemas.openxmlformats.org/drawingml/2006/main" name="Office Theme">
+  <a:themeElements>
+    <a:clrScheme name="Office">
+      <a:dk1>
+        <a:sysClr val="windowText" lastClr="000000"/>
+      </a:dk1>
+      <a:lt1>
+        <a:sysClr val="window" lastClr="FFFFFF"/>
+      </a:lt1>
+      <a:dk2>
+        <a:srgbClr val="1F497D"/>
+      </a:dk2>
+      <a:lt2>
+        <a:srgbClr val="EEECE1"/>
+      </a:lt2>
+      <a:accent1>
+        <a:srgbClr val="4F81BD"/>
+      </a:accent1>
+      <a:accent2>
+        <a:srgbClr val="C0504D"/>
+      </a:accent2>
+      <a:accent3>
+        <a:srgbClr val="9BBB59"/>
+      </a:accent3>
+      <a:accent4>
+        <a:srgbClr val="8064A2"/>
+      </a:accent4>
+      <a:accent5>
+        <a:srgbClr val="4BACC6"/>
+      </a:accent5>
+      <a:accent6>
+        <a:srgbClr val="F79646"/>
+      </a:accent6>
+      <a:hlink>
+        <a:srgbClr val="0000FF"/>
+      </a:hlink>
+      <a:folHlink>
+        <a:srgbClr val="800080"/>
+      </a:folHlink>
+    </a:clrScheme>
+    <a:fontScheme name="Office">
+      <a:majorFont>
+        <a:latin typeface="Arial"/>
+        <a:ea typeface="DejaVu Sans"/>
+        <a:cs typeface="DejaVu Sans"/>
+      </a:majorFont>
+      <a:minorFont>
+        <a:latin typeface="Arial"/>
+        <a:ea typeface="DejaVu Sans"/>
+        <a:cs typeface="DejaVu Sans"/>
+      </a:minorFont>
+    </a:fontScheme>
+    <a:fmtScheme name="Office">
+      <a:fillStyleLst>
+        <a:solidFill>
+          <a:schemeClr val="phClr"/>
+        </a:solidFill>
+        <a:gradFill rotWithShape="1">
+          <a:gsLst>
+            <a:gs pos="0">
+              <a:schemeClr val="phClr">
+                <a:tint val="50000"/>
+                <a:satMod val="300000"/>
+              </a:schemeClr>
+            </a:gs>
+            <a:gs pos="35000">
+              <a:schemeClr val="phClr">
+                <a:tint val="37000"/>
+                <a:satMod val="300000"/>
+              </a:schemeClr>
+            </a:gs>
+            <a:gs pos="100000">
+              <a:schemeClr val="phClr">
+                <a:tint val="15000"/>
+                <a:satMod val="350000"/>
+              </a:schemeClr>
+            </a:gs>
+          </a:gsLst>
+          <a:lin ang="16200000" scaled="1"/>
+        </a:gradFill>
+        <a:gradFill rotWithShape="1">
+          <a:gsLst>
+            <a:gs pos="0">
+              <a:schemeClr val="phClr">
+                <a:shade val="51000"/>
+                <a:satMod val="130000"/>
+              </a:schemeClr>
+            </a:gs>
+            <a:gs pos="80000">
+              <a:schemeClr val="phClr">
+                <a:shade val="93000"/>
+                <a:satMod val="130000"/>
+              </a:schemeClr>
+            </a:gs>
+            <a:gs pos="100000">
+              <a:schemeClr val="phClr">
+                <a:shade val="94000"/>
+                <a:satMod val="135000"/>
+              </a:schemeClr>
+            </a:gs>
+          </a:gsLst>
+          <a:lin ang="16200000" scaled="0"/>
+        </a:gradFill>
+      </a:fillStyleLst>
+      <a:lnStyleLst>
+        <a:ln w="9525" cap="flat" cmpd="sng" algn="ctr">
+          <a:solidFill>
+            <a:schemeClr val="phClr">
+              <a:shade val="95000"/>
+              <a:satMod val="105000"/>
+            </a:schemeClr>
+          </a:solidFill>
+          <a:prstDash val="solid"/>
+        </a:ln>
+        <a:ln w="25400" cap="flat" cmpd="sng" algn="ctr">
+          <a:solidFill>
+            <a:schemeClr val="phClr"/>
+          </a:solidFill>
+          <a:prstDash val="solid"/>
+        </a:ln>
+        <a:ln w="38100" cap="flat" cmpd="sng" algn="ctr">
+          <a:solidFill>
+            <a:schemeClr val="phClr"/>
+          </a:solidFill>
+          <a:prstDash val="solid"/>
+        </a:ln>
+      </a:lnStyleLst>
+      <a:effectStyleLst>
+        <a:effectStyle>
+          <a:effectLst>
+            <a:outerShdw blurRad="40000" dist="20000" dir="5400000" rotWithShape="0">
+              <a:srgbClr val="000000">
+                <a:alpha val="38000"/>
+              </a:srgbClr>
+            </a:outerShdw>
+          </a:effectLst>
+        </a:effectStyle>
+        <a:effectStyle>
+          <a:effectLst>
+            <a:outerShdw blurRad="40000" dist="23000" dir="5400000" rotWithShape="0">
+              <a:srgbClr val="000000">
+                <a:alpha val="35000"/>
+              </a:srgbClr>
+            </a:outerShdw>
+          </a:effectLst>
+        </a:effectStyle>
+        <a:effectStyle>
+          <a:effectLst>
+            <a:outerShdw blurRad="40000" dist="23000" dir="5400000" rotWithShape="0">
+              <a:srgbClr val="000000">
+                <a:alpha val="35000"/>
+              </a:srgbClr>
+            </a:outerShdw>
+          </a:effectLst>
+          <a:scene3d>
+            <a:camera prst="orthographicFront">
+              <a:rot lat="0" lon="0" rev="0"/>
+            </a:camera>
+            <a:lightRig rig="threePt" dir="t">
+              <a:rot lat="0" lon="0" rev="1200000"/>
+            </a:lightRig>
+          </a:scene3d>
+          <a:sp3d>
+            <a:bevelT w="63500" h="25400"/>
+          </a:sp3d>
+        </a:effectStyle>
+      </a:effectStyleLst>
+      <a:bgFillStyleLst>
+        <a:solidFill>
+          <a:schemeClr val="phClr"/>
+        </a:solidFill>
+        <a:gradFill rotWithShape="1">
+          <a:gsLst>
+            <a:gs pos="0">
+              <a:schemeClr val="phClr">
+                <a:tint val="40000"/>
+                <a:satMod val="350000"/>
+              </a:schemeClr>
+            </a:gs>
+            <a:gs pos="40000">
+              <a:schemeClr val="phClr">
+                <a:tint val="45000"/>
+                <a:shade val="99000"/>
+                <a:satMod val="350000"/>
+              </a:schemeClr>
+            </a:gs>
+            <a:gs pos="100000">
+              <a:schemeClr val="phClr">
+                <a:shade val="20000"/>
+                <a:satMod val="255000"/>
+              </a:schemeClr>
+            </a:gs>
+          </a:gsLst>
+          <a:path path="circle">
+            <a:fillToRect l="50000" t="-80000" r="50000" b="180000"/>
+          </a:path>
+        </a:gradFill>
+        <a:gradFill rotWithShape="1">
+          <a:gsLst>
+            <a:gs pos="0">
+              <a:schemeClr val="phClr">
+                <a:tint val="80000"/>
+                <a:satMod val="300000"/>
+              </a:schemeClr>
+            </a:gs>
+            <a:gs pos="100000">
+              <a:schemeClr val="phClr">
+                <a:shade val="30000"/>
+                <a:satMod val="200000"/>
+              </a:schemeClr>
+            </a:gs>
+          </a:gsLst>
+          <a:path path="circle">
+            <a:fillToRect l="50000" t="50000" r="50000" b="50000"/>
+          </a:path>
+        </a:gradFill>
+      </a:bgFillStyleLst>
+    </a:fmtScheme>
+  </a:themeElements>
+</a:theme>
 </file>